--- a/20160428 React入門.pptx
+++ b/20160428 React入門.pptx
@@ -8,16 +8,23 @@
   </p:sldMasterIdLst>
   <p:sldIdLst>
     <p:sldId id="256" r:id="rId4"/>
-    <p:sldId id="257" r:id="rId5"/>
-    <p:sldId id="258" r:id="rId6"/>
-    <p:sldId id="266" r:id="rId7"/>
-    <p:sldId id="273" r:id="rId8"/>
-    <p:sldId id="274" r:id="rId9"/>
-    <p:sldId id="275" r:id="rId10"/>
-    <p:sldId id="276" r:id="rId11"/>
-    <p:sldId id="277" r:id="rId12"/>
-    <p:sldId id="263" r:id="rId13"/>
-    <p:sldId id="278" r:id="rId14"/>
+    <p:sldId id="281" r:id="rId5"/>
+    <p:sldId id="282" r:id="rId6"/>
+    <p:sldId id="284" r:id="rId7"/>
+    <p:sldId id="285" r:id="rId8"/>
+    <p:sldId id="286" r:id="rId9"/>
+    <p:sldId id="257" r:id="rId10"/>
+    <p:sldId id="258" r:id="rId11"/>
+    <p:sldId id="266" r:id="rId12"/>
+    <p:sldId id="273" r:id="rId13"/>
+    <p:sldId id="274" r:id="rId14"/>
+    <p:sldId id="275" r:id="rId15"/>
+    <p:sldId id="279" r:id="rId16"/>
+    <p:sldId id="276" r:id="rId17"/>
+    <p:sldId id="280" r:id="rId18"/>
+    <p:sldId id="277" r:id="rId19"/>
+    <p:sldId id="263" r:id="rId20"/>
+    <p:sldId id="278" r:id="rId21"/>
   </p:sldIdLst>
   <p:sldSz cx="9144000" cy="6858000" type="screen4x3"/>
   <p:notesSz cx="6858000" cy="9144000"/>
@@ -335,7 +342,7 @@
           <a:p>
             <a:fld id="{DA188784-5B0E-4B92-B3B5-33ACF578010C}" type="datetimeFigureOut">
               <a:rPr kumimoji="1" lang="ja-JP" altLang="en-US" smtClean="0"/>
-              <a:t>2016/4/27</a:t>
+              <a:t>2016/4/28</a:t>
             </a:fld>
             <a:endParaRPr kumimoji="1" lang="ja-JP" altLang="en-US"/>
           </a:p>
@@ -595,7 +602,7 @@
           <a:p>
             <a:fld id="{DA188784-5B0E-4B92-B3B5-33ACF578010C}" type="datetimeFigureOut">
               <a:rPr kumimoji="1" lang="ja-JP" altLang="en-US" smtClean="0"/>
-              <a:t>2016/4/27</a:t>
+              <a:t>2016/4/28</a:t>
             </a:fld>
             <a:endParaRPr kumimoji="1" lang="ja-JP" altLang="en-US"/>
           </a:p>
@@ -797,7 +804,7 @@
           <a:p>
             <a:fld id="{DA188784-5B0E-4B92-B3B5-33ACF578010C}" type="datetimeFigureOut">
               <a:rPr kumimoji="1" lang="ja-JP" altLang="en-US" smtClean="0"/>
-              <a:t>2016/4/27</a:t>
+              <a:t>2016/4/28</a:t>
             </a:fld>
             <a:endParaRPr kumimoji="1" lang="ja-JP" altLang="en-US"/>
           </a:p>
@@ -1009,7 +1016,7 @@
           <a:p>
             <a:fld id="{DA188784-5B0E-4B92-B3B5-33ACF578010C}" type="datetimeFigureOut">
               <a:rPr kumimoji="1" lang="ja-JP" altLang="en-US" smtClean="0"/>
-              <a:t>2016/4/27</a:t>
+              <a:t>2016/4/28</a:t>
             </a:fld>
             <a:endParaRPr kumimoji="1" lang="ja-JP" altLang="en-US"/>
           </a:p>
@@ -1284,7 +1291,7 @@
           <a:p>
             <a:fld id="{DA188784-5B0E-4B92-B3B5-33ACF578010C}" type="datetimeFigureOut">
               <a:rPr kumimoji="1" lang="ja-JP" altLang="en-US" smtClean="0"/>
-              <a:t>2016/4/27</a:t>
+              <a:t>2016/4/28</a:t>
             </a:fld>
             <a:endParaRPr kumimoji="1" lang="ja-JP" altLang="en-US"/>
           </a:p>
@@ -1537,7 +1544,7 @@
           <a:p>
             <a:fld id="{DA188784-5B0E-4B92-B3B5-33ACF578010C}" type="datetimeFigureOut">
               <a:rPr kumimoji="1" lang="ja-JP" altLang="en-US" smtClean="0"/>
-              <a:t>2016/4/27</a:t>
+              <a:t>2016/4/28</a:t>
             </a:fld>
             <a:endParaRPr kumimoji="1" lang="ja-JP" altLang="en-US"/>
           </a:p>
@@ -1790,7 +1797,7 @@
           <a:p>
             <a:fld id="{DA188784-5B0E-4B92-B3B5-33ACF578010C}" type="datetimeFigureOut">
               <a:rPr kumimoji="1" lang="ja-JP" altLang="en-US" smtClean="0"/>
-              <a:t>2016/4/27</a:t>
+              <a:t>2016/4/28</a:t>
             </a:fld>
             <a:endParaRPr kumimoji="1" lang="ja-JP" altLang="en-US"/>
           </a:p>
@@ -2149,7 +2156,7 @@
           <a:p>
             <a:fld id="{DA188784-5B0E-4B92-B3B5-33ACF578010C}" type="datetimeFigureOut">
               <a:rPr kumimoji="1" lang="ja-JP" altLang="en-US" smtClean="0"/>
-              <a:t>2016/4/27</a:t>
+              <a:t>2016/4/28</a:t>
             </a:fld>
             <a:endParaRPr kumimoji="1" lang="ja-JP" altLang="en-US"/>
           </a:p>
@@ -2642,7 +2649,7 @@
           <a:p>
             <a:fld id="{DA188784-5B0E-4B92-B3B5-33ACF578010C}" type="datetimeFigureOut">
               <a:rPr kumimoji="1" lang="ja-JP" altLang="en-US" smtClean="0"/>
-              <a:t>2016/4/27</a:t>
+              <a:t>2016/4/28</a:t>
             </a:fld>
             <a:endParaRPr kumimoji="1" lang="ja-JP" altLang="en-US"/>
           </a:p>
@@ -2767,7 +2774,7 @@
           <a:p>
             <a:fld id="{DA188784-5B0E-4B92-B3B5-33ACF578010C}" type="datetimeFigureOut">
               <a:rPr kumimoji="1" lang="ja-JP" altLang="en-US" smtClean="0"/>
-              <a:t>2016/4/27</a:t>
+              <a:t>2016/4/28</a:t>
             </a:fld>
             <a:endParaRPr kumimoji="1" lang="ja-JP" altLang="en-US"/>
           </a:p>
@@ -2869,7 +2876,7 @@
           <a:p>
             <a:fld id="{DA188784-5B0E-4B92-B3B5-33ACF578010C}" type="datetimeFigureOut">
               <a:rPr kumimoji="1" lang="ja-JP" altLang="en-US" smtClean="0"/>
-              <a:t>2016/4/27</a:t>
+              <a:t>2016/4/28</a:t>
             </a:fld>
             <a:endParaRPr kumimoji="1" lang="ja-JP" altLang="en-US"/>
           </a:p>
@@ -3137,7 +3144,7 @@
           <a:p>
             <a:fld id="{DA188784-5B0E-4B92-B3B5-33ACF578010C}" type="datetimeFigureOut">
               <a:rPr kumimoji="1" lang="ja-JP" altLang="en-US" smtClean="0"/>
-              <a:t>2016/4/27</a:t>
+              <a:t>2016/4/28</a:t>
             </a:fld>
             <a:endParaRPr kumimoji="1" lang="ja-JP" altLang="en-US"/>
           </a:p>
@@ -3453,7 +3460,7 @@
           <a:p>
             <a:fld id="{DA188784-5B0E-4B92-B3B5-33ACF578010C}" type="datetimeFigureOut">
               <a:rPr kumimoji="1" lang="ja-JP" altLang="en-US" smtClean="0"/>
-              <a:t>2016/4/27</a:t>
+              <a:t>2016/4/28</a:t>
             </a:fld>
             <a:endParaRPr kumimoji="1" lang="ja-JP" altLang="en-US"/>
           </a:p>
@@ -3713,7 +3720,7 @@
           <a:p>
             <a:fld id="{DA188784-5B0E-4B92-B3B5-33ACF578010C}" type="datetimeFigureOut">
               <a:rPr kumimoji="1" lang="ja-JP" altLang="en-US" smtClean="0"/>
-              <a:t>2016/4/27</a:t>
+              <a:t>2016/4/28</a:t>
             </a:fld>
             <a:endParaRPr kumimoji="1" lang="ja-JP" altLang="en-US"/>
           </a:p>
@@ -3915,7 +3922,7 @@
           <a:p>
             <a:fld id="{DA188784-5B0E-4B92-B3B5-33ACF578010C}" type="datetimeFigureOut">
               <a:rPr kumimoji="1" lang="ja-JP" altLang="en-US" smtClean="0"/>
-              <a:t>2016/4/27</a:t>
+              <a:t>2016/4/28</a:t>
             </a:fld>
             <a:endParaRPr kumimoji="1" lang="ja-JP" altLang="en-US"/>
           </a:p>
@@ -4127,7 +4134,7 @@
           <a:p>
             <a:fld id="{DA188784-5B0E-4B92-B3B5-33ACF578010C}" type="datetimeFigureOut">
               <a:rPr kumimoji="1" lang="ja-JP" altLang="en-US" smtClean="0"/>
-              <a:t>2016/4/27</a:t>
+              <a:t>2016/4/28</a:t>
             </a:fld>
             <a:endParaRPr kumimoji="1" lang="ja-JP" altLang="en-US"/>
           </a:p>
@@ -4402,7 +4409,7 @@
           <a:p>
             <a:fld id="{DA188784-5B0E-4B92-B3B5-33ACF578010C}" type="datetimeFigureOut">
               <a:rPr kumimoji="1" lang="ja-JP" altLang="en-US" smtClean="0"/>
-              <a:t>2016/4/27</a:t>
+              <a:t>2016/4/28</a:t>
             </a:fld>
             <a:endParaRPr kumimoji="1" lang="ja-JP" altLang="en-US"/>
           </a:p>
@@ -4655,7 +4662,7 @@
           <a:p>
             <a:fld id="{DA188784-5B0E-4B92-B3B5-33ACF578010C}" type="datetimeFigureOut">
               <a:rPr kumimoji="1" lang="ja-JP" altLang="en-US" smtClean="0"/>
-              <a:t>2016/4/27</a:t>
+              <a:t>2016/4/28</a:t>
             </a:fld>
             <a:endParaRPr kumimoji="1" lang="ja-JP" altLang="en-US"/>
           </a:p>
@@ -4908,7 +4915,7 @@
           <a:p>
             <a:fld id="{DA188784-5B0E-4B92-B3B5-33ACF578010C}" type="datetimeFigureOut">
               <a:rPr kumimoji="1" lang="ja-JP" altLang="en-US" smtClean="0"/>
-              <a:t>2016/4/27</a:t>
+              <a:t>2016/4/28</a:t>
             </a:fld>
             <a:endParaRPr kumimoji="1" lang="ja-JP" altLang="en-US"/>
           </a:p>
@@ -5267,7 +5274,7 @@
           <a:p>
             <a:fld id="{DA188784-5B0E-4B92-B3B5-33ACF578010C}" type="datetimeFigureOut">
               <a:rPr kumimoji="1" lang="ja-JP" altLang="en-US" smtClean="0"/>
-              <a:t>2016/4/27</a:t>
+              <a:t>2016/4/28</a:t>
             </a:fld>
             <a:endParaRPr kumimoji="1" lang="ja-JP" altLang="en-US"/>
           </a:p>
@@ -5753,7 +5760,7 @@
           <a:p>
             <a:fld id="{DA188784-5B0E-4B92-B3B5-33ACF578010C}" type="datetimeFigureOut">
               <a:rPr kumimoji="1" lang="ja-JP" altLang="en-US" smtClean="0"/>
-              <a:t>2016/4/27</a:t>
+              <a:t>2016/4/28</a:t>
             </a:fld>
             <a:endParaRPr kumimoji="1" lang="ja-JP" altLang="en-US"/>
           </a:p>
@@ -5878,7 +5885,7 @@
           <a:p>
             <a:fld id="{DA188784-5B0E-4B92-B3B5-33ACF578010C}" type="datetimeFigureOut">
               <a:rPr kumimoji="1" lang="ja-JP" altLang="en-US" smtClean="0"/>
-              <a:t>2016/4/27</a:t>
+              <a:t>2016/4/28</a:t>
             </a:fld>
             <a:endParaRPr kumimoji="1" lang="ja-JP" altLang="en-US"/>
           </a:p>
@@ -6087,7 +6094,7 @@
           <a:p>
             <a:fld id="{DA188784-5B0E-4B92-B3B5-33ACF578010C}" type="datetimeFigureOut">
               <a:rPr kumimoji="1" lang="ja-JP" altLang="en-US" smtClean="0"/>
-              <a:t>2016/4/27</a:t>
+              <a:t>2016/4/28</a:t>
             </a:fld>
             <a:endParaRPr kumimoji="1" lang="ja-JP" altLang="en-US"/>
           </a:p>
@@ -6189,7 +6196,7 @@
           <a:p>
             <a:fld id="{DA188784-5B0E-4B92-B3B5-33ACF578010C}" type="datetimeFigureOut">
               <a:rPr kumimoji="1" lang="ja-JP" altLang="en-US" smtClean="0"/>
-              <a:t>2016/4/27</a:t>
+              <a:t>2016/4/28</a:t>
             </a:fld>
             <a:endParaRPr kumimoji="1" lang="ja-JP" altLang="en-US"/>
           </a:p>
@@ -6505,7 +6512,7 @@
           <a:p>
             <a:fld id="{DA188784-5B0E-4B92-B3B5-33ACF578010C}" type="datetimeFigureOut">
               <a:rPr kumimoji="1" lang="ja-JP" altLang="en-US" smtClean="0"/>
-              <a:t>2016/4/27</a:t>
+              <a:t>2016/4/28</a:t>
             </a:fld>
             <a:endParaRPr kumimoji="1" lang="ja-JP" altLang="en-US"/>
           </a:p>
@@ -6765,7 +6772,7 @@
           <a:p>
             <a:fld id="{DA188784-5B0E-4B92-B3B5-33ACF578010C}" type="datetimeFigureOut">
               <a:rPr kumimoji="1" lang="ja-JP" altLang="en-US" smtClean="0"/>
-              <a:t>2016/4/27</a:t>
+              <a:t>2016/4/28</a:t>
             </a:fld>
             <a:endParaRPr kumimoji="1" lang="ja-JP" altLang="en-US"/>
           </a:p>
@@ -6967,7 +6974,7 @@
           <a:p>
             <a:fld id="{DA188784-5B0E-4B92-B3B5-33ACF578010C}" type="datetimeFigureOut">
               <a:rPr kumimoji="1" lang="ja-JP" altLang="en-US" smtClean="0"/>
-              <a:t>2016/4/27</a:t>
+              <a:t>2016/4/28</a:t>
             </a:fld>
             <a:endParaRPr kumimoji="1" lang="ja-JP" altLang="en-US"/>
           </a:p>
@@ -7179,7 +7186,7 @@
           <a:p>
             <a:fld id="{DA188784-5B0E-4B92-B3B5-33ACF578010C}" type="datetimeFigureOut">
               <a:rPr kumimoji="1" lang="ja-JP" altLang="en-US" smtClean="0"/>
-              <a:t>2016/4/27</a:t>
+              <a:t>2016/4/28</a:t>
             </a:fld>
             <a:endParaRPr kumimoji="1" lang="ja-JP" altLang="en-US"/>
           </a:p>
@@ -7432,7 +7439,7 @@
           <a:p>
             <a:fld id="{DA188784-5B0E-4B92-B3B5-33ACF578010C}" type="datetimeFigureOut">
               <a:rPr kumimoji="1" lang="ja-JP" altLang="en-US" smtClean="0"/>
-              <a:t>2016/4/27</a:t>
+              <a:t>2016/4/28</a:t>
             </a:fld>
             <a:endParaRPr kumimoji="1" lang="ja-JP" altLang="en-US"/>
           </a:p>
@@ -7791,7 +7798,7 @@
           <a:p>
             <a:fld id="{DA188784-5B0E-4B92-B3B5-33ACF578010C}" type="datetimeFigureOut">
               <a:rPr kumimoji="1" lang="ja-JP" altLang="en-US" smtClean="0"/>
-              <a:t>2016/4/27</a:t>
+              <a:t>2016/4/28</a:t>
             </a:fld>
             <a:endParaRPr kumimoji="1" lang="ja-JP" altLang="en-US"/>
           </a:p>
@@ -8277,7 +8284,7 @@
           <a:p>
             <a:fld id="{DA188784-5B0E-4B92-B3B5-33ACF578010C}" type="datetimeFigureOut">
               <a:rPr kumimoji="1" lang="ja-JP" altLang="en-US" smtClean="0"/>
-              <a:t>2016/4/27</a:t>
+              <a:t>2016/4/28</a:t>
             </a:fld>
             <a:endParaRPr kumimoji="1" lang="ja-JP" altLang="en-US"/>
           </a:p>
@@ -8402,7 +8409,7 @@
           <a:p>
             <a:fld id="{DA188784-5B0E-4B92-B3B5-33ACF578010C}" type="datetimeFigureOut">
               <a:rPr kumimoji="1" lang="ja-JP" altLang="en-US" smtClean="0"/>
-              <a:t>2016/4/27</a:t>
+              <a:t>2016/4/28</a:t>
             </a:fld>
             <a:endParaRPr kumimoji="1" lang="ja-JP" altLang="en-US"/>
           </a:p>
@@ -8504,7 +8511,7 @@
           <a:p>
             <a:fld id="{DA188784-5B0E-4B92-B3B5-33ACF578010C}" type="datetimeFigureOut">
               <a:rPr kumimoji="1" lang="ja-JP" altLang="en-US" smtClean="0"/>
-              <a:t>2016/4/27</a:t>
+              <a:t>2016/4/28</a:t>
             </a:fld>
             <a:endParaRPr kumimoji="1" lang="ja-JP" altLang="en-US"/>
           </a:p>
@@ -8820,7 +8827,7 @@
           <a:p>
             <a:fld id="{DA188784-5B0E-4B92-B3B5-33ACF578010C}" type="datetimeFigureOut">
               <a:rPr kumimoji="1" lang="ja-JP" altLang="en-US" smtClean="0"/>
-              <a:t>2016/4/27</a:t>
+              <a:t>2016/4/28</a:t>
             </a:fld>
             <a:endParaRPr kumimoji="1" lang="ja-JP" altLang="en-US"/>
           </a:p>
@@ -9068,7 +9075,7 @@
           <a:p>
             <a:fld id="{DA188784-5B0E-4B92-B3B5-33ACF578010C}" type="datetimeFigureOut">
               <a:rPr kumimoji="1" lang="ja-JP" altLang="en-US" smtClean="0"/>
-              <a:t>2016/4/27</a:t>
+              <a:t>2016/4/28</a:t>
             </a:fld>
             <a:endParaRPr kumimoji="1" lang="ja-JP" altLang="en-US"/>
           </a:p>
@@ -9621,7 +9628,7 @@
           <a:p>
             <a:fld id="{DA188784-5B0E-4B92-B3B5-33ACF578010C}" type="datetimeFigureOut">
               <a:rPr kumimoji="1" lang="ja-JP" altLang="en-US" smtClean="0"/>
-              <a:t>2016/4/27</a:t>
+              <a:t>2016/4/28</a:t>
             </a:fld>
             <a:endParaRPr kumimoji="1" lang="ja-JP" altLang="en-US"/>
           </a:p>
@@ -10173,7 +10180,7 @@
           <a:p>
             <a:fld id="{DA188784-5B0E-4B92-B3B5-33ACF578010C}" type="datetimeFigureOut">
               <a:rPr kumimoji="1" lang="ja-JP" altLang="en-US" smtClean="0"/>
-              <a:t>2016/4/27</a:t>
+              <a:t>2016/4/28</a:t>
             </a:fld>
             <a:endParaRPr kumimoji="1" lang="ja-JP" altLang="en-US"/>
           </a:p>
@@ -10685,53 +10692,163 @@
       </p:grpSpPr>
       <p:sp>
         <p:nvSpPr>
-          <p:cNvPr id="4" name="タイトル 1"/>
-          <p:cNvSpPr txBox="1">
-            <a:spLocks/>
-          </p:cNvSpPr>
-          <p:nvPr/>
+          <p:cNvPr id="3" name="コンテンツ プレースホルダー 2"/>
+          <p:cNvSpPr>
+            <a:spLocks noGrp="1"/>
+          </p:cNvSpPr>
+          <p:nvPr>
+            <p:ph idx="4294967295"/>
+          </p:nvPr>
         </p:nvSpPr>
         <p:spPr>
           <a:xfrm>
-            <a:off x="457200" y="2857500"/>
-            <a:ext cx="8229600" cy="1143000"/>
+            <a:off x="457200" y="764704"/>
+            <a:ext cx="8229600" cy="5040560"/>
           </a:xfrm>
           <a:prstGeom prst="rect">
             <a:avLst/>
           </a:prstGeom>
         </p:spPr>
         <p:txBody>
-          <a:bodyPr vert="horz" lIns="91440" tIns="45720" rIns="91440" bIns="45720" rtlCol="0" anchor="ctr">
+          <a:bodyPr>
             <a:normAutofit/>
           </a:bodyPr>
-          <a:lstStyle>
-            <a:lvl1pPr algn="ctr">
-              <a:spcBef>
-                <a:spcPct val="0"/>
-              </a:spcBef>
-              <a:buNone/>
-              <a:defRPr sz="6000">
+          <a:lstStyle/>
+          <a:p>
+            <a:pPr marL="0" indent="0">
+              <a:buNone/>
+            </a:pPr>
+            <a:r>
+              <a:rPr lang="en-US" altLang="ja-JP" sz="4000" dirty="0">
                 <a:solidFill>
                   <a:srgbClr val="32B490"/>
                 </a:solidFill>
-                <a:latin typeface="メイリオ" panose="020B0604030504040204" pitchFamily="50" charset="-128"/>
-                <a:ea typeface="メイリオ" panose="020B0604030504040204" pitchFamily="50" charset="-128"/>
-                <a:cs typeface="メイリオ" panose="020B0604030504040204" pitchFamily="50" charset="-128"/>
-              </a:defRPr>
-            </a:lvl1pPr>
-          </a:lstStyle>
-          <a:p>
-            <a:r>
-              <a:rPr lang="ja-JP" altLang="en-US" dirty="0"/>
-              <a:t>ライブコーディング</a:t>
-            </a:r>
+              </a:rPr>
+              <a:t>JUST THE UI</a:t>
+            </a:r>
+            <a:r>
+              <a:rPr lang="ja-JP" altLang="en-US" sz="4000" dirty="0">
+                <a:solidFill>
+                  <a:srgbClr val="32B490"/>
+                </a:solidFill>
+              </a:rPr>
+              <a:t>　</a:t>
+            </a:r>
+            <a:r>
+              <a:rPr lang="en-US" altLang="ja-JP" sz="2400" dirty="0">
+                <a:solidFill>
+                  <a:srgbClr val="32B490"/>
+                </a:solidFill>
+              </a:rPr>
+              <a:t>View</a:t>
+            </a:r>
+            <a:r>
+              <a:rPr lang="ja-JP" altLang="en-US" sz="2400" dirty="0">
+                <a:solidFill>
+                  <a:srgbClr val="32B490"/>
+                </a:solidFill>
+              </a:rPr>
+              <a:t>部分にだけ作用する</a:t>
+            </a:r>
+            <a:endParaRPr lang="ja-JP" altLang="en-US" sz="4000" dirty="0">
+              <a:solidFill>
+                <a:srgbClr val="32B490"/>
+              </a:solidFill>
+            </a:endParaRPr>
+          </a:p>
+          <a:p>
+            <a:pPr marL="0" indent="0">
+              <a:buNone/>
+            </a:pPr>
+            <a:endParaRPr lang="en-US" altLang="ja-JP" sz="4000" dirty="0" smtClean="0">
+              <a:solidFill>
+                <a:srgbClr val="32B490"/>
+              </a:solidFill>
+            </a:endParaRPr>
+          </a:p>
+          <a:p>
+            <a:pPr marL="0" indent="0">
+              <a:buNone/>
+            </a:pPr>
+            <a:r>
+              <a:rPr lang="ja-JP" altLang="en-US" sz="4000" cap="all" dirty="0" smtClean="0"/>
+              <a:t>　</a:t>
+            </a:r>
+            <a:r>
+              <a:rPr lang="en-US" altLang="ja-JP" sz="4000" cap="all" dirty="0" smtClean="0"/>
+              <a:t>MVC</a:t>
+            </a:r>
+            <a:r>
+              <a:rPr lang="ja-JP" altLang="en-US" sz="4000" cap="all" dirty="0" smtClean="0"/>
+              <a:t>でいうところの</a:t>
+            </a:r>
+            <a:r>
+              <a:rPr lang="en-US" altLang="ja-JP" sz="4000" cap="all" dirty="0" smtClean="0"/>
+              <a:t>V</a:t>
+            </a:r>
+          </a:p>
+          <a:p>
+            <a:pPr marL="0" indent="0">
+              <a:buNone/>
+            </a:pPr>
+            <a:r>
+              <a:rPr lang="ja-JP" altLang="en-US" sz="4000" cap="all" dirty="0"/>
+              <a:t>　</a:t>
+            </a:r>
+            <a:r>
+              <a:rPr lang="ja-JP" altLang="en-US" sz="4000" cap="all" dirty="0" smtClean="0"/>
+              <a:t>コンポーネント指向</a:t>
+            </a:r>
+            <a:endParaRPr lang="en-US" altLang="ja-JP" sz="4000" cap="all" dirty="0" smtClean="0"/>
+          </a:p>
+          <a:p>
+            <a:pPr marL="0" indent="0">
+              <a:buNone/>
+            </a:pPr>
+            <a:r>
+              <a:rPr lang="ja-JP" altLang="en-US" sz="4000" cap="all" dirty="0"/>
+              <a:t>　</a:t>
+            </a:r>
+            <a:r>
+              <a:rPr lang="en-US" altLang="ja-JP" sz="4000" cap="all" dirty="0" smtClean="0"/>
+              <a:t>JSX </a:t>
+            </a:r>
+            <a:r>
+              <a:rPr lang="en-US" altLang="ja-JP" sz="2800" cap="all" dirty="0" smtClean="0"/>
+              <a:t>(</a:t>
+            </a:r>
+            <a:r>
+              <a:rPr lang="ja-JP" altLang="en-US" sz="2800" cap="all" dirty="0" smtClean="0"/>
+              <a:t>≠</a:t>
+            </a:r>
+            <a:r>
+              <a:rPr lang="en-US" altLang="ja-JP" sz="2800" cap="all" dirty="0" smtClean="0"/>
+              <a:t>JS</a:t>
+            </a:r>
+            <a:r>
+              <a:rPr lang="ja-JP" altLang="en-US" sz="2800" cap="all" dirty="0" smtClean="0"/>
+              <a:t>で</a:t>
+            </a:r>
+            <a:r>
+              <a:rPr lang="en-US" altLang="ja-JP" sz="2800" cap="all" dirty="0" smtClean="0"/>
+              <a:t>HTML</a:t>
+            </a:r>
+            <a:r>
+              <a:rPr lang="ja-JP" altLang="en-US" sz="2800" cap="all" dirty="0" smtClean="0"/>
+              <a:t>を表現したもの</a:t>
+            </a:r>
+            <a:r>
+              <a:rPr lang="en-US" altLang="ja-JP" sz="2800" cap="all" dirty="0" smtClean="0"/>
+              <a:t>)</a:t>
+            </a:r>
+            <a:endParaRPr lang="ja-JP" altLang="en-US" sz="4000" dirty="0" smtClean="0"/>
           </a:p>
         </p:txBody>
       </p:sp>
     </p:spTree>
     <p:extLst>
       <p:ext uri="{BB962C8B-B14F-4D97-AF65-F5344CB8AC3E}">
-        <p14:creationId xmlns:p14="http://schemas.microsoft.com/office/powerpoint/2010/main" val="549903975"/>
+        <p14:creationId xmlns:p14="http://schemas.microsoft.com/office/powerpoint/2010/main" val="914113168"/>
       </p:ext>
     </p:extLst>
   </p:cSld>
@@ -10767,714 +10884,6 @@
       </p:grpSpPr>
       <p:sp>
         <p:nvSpPr>
-          <p:cNvPr id="3" name="コンテンツ プレースホルダー 2"/>
-          <p:cNvSpPr>
-            <a:spLocks noGrp="1"/>
-          </p:cNvSpPr>
-          <p:nvPr>
-            <p:ph idx="1"/>
-          </p:nvPr>
-        </p:nvSpPr>
-        <p:spPr>
-          <a:xfrm>
-            <a:off x="457200" y="548680"/>
-            <a:ext cx="8229600" cy="5577483"/>
-          </a:xfrm>
-          <a:prstGeom prst="rect">
-            <a:avLst/>
-          </a:prstGeom>
-        </p:spPr>
-        <p:txBody>
-          <a:bodyPr>
-            <a:normAutofit/>
-          </a:bodyPr>
-          <a:lstStyle/>
-          <a:p>
-            <a:pPr marL="0" indent="0">
-              <a:buNone/>
-            </a:pPr>
-            <a:r>
-              <a:rPr lang="ja-JP" altLang="en-US" sz="4000" dirty="0" smtClean="0">
-                <a:solidFill>
-                  <a:srgbClr val="32B490"/>
-                </a:solidFill>
-              </a:rPr>
-              <a:t>週報アプリ</a:t>
-            </a:r>
-            <a:endParaRPr lang="ja-JP" altLang="en-US" sz="3600" dirty="0">
-              <a:solidFill>
-                <a:srgbClr val="32B490"/>
-              </a:solidFill>
-            </a:endParaRPr>
-          </a:p>
-          <a:p>
-            <a:pPr marL="0" indent="0">
-              <a:buNone/>
-            </a:pPr>
-            <a:endParaRPr lang="ja-JP" altLang="en-US" sz="2000" dirty="0">
-              <a:solidFill>
-                <a:srgbClr val="32B490"/>
-              </a:solidFill>
-            </a:endParaRPr>
-          </a:p>
-          <a:p>
-            <a:pPr marL="0" indent="0">
-              <a:buNone/>
-            </a:pPr>
-            <a:r>
-              <a:rPr lang="ja-JP" altLang="en-US" sz="2800" cap="all" dirty="0" smtClean="0"/>
-              <a:t>　今日の勉強会に出てこないキーワード</a:t>
-            </a:r>
-            <a:endParaRPr lang="en-US" altLang="ja-JP" sz="2800" cap="all" dirty="0" smtClean="0"/>
-          </a:p>
-          <a:p>
-            <a:pPr marL="0" indent="0">
-              <a:buNone/>
-            </a:pPr>
-            <a:endParaRPr lang="en-US" altLang="ja-JP" sz="2800" cap="all" dirty="0"/>
-          </a:p>
-          <a:p>
-            <a:pPr marL="0" indent="0">
-              <a:buNone/>
-            </a:pPr>
-            <a:r>
-              <a:rPr lang="ja-JP" altLang="en-US" sz="2800" cap="all" dirty="0" smtClean="0"/>
-              <a:t>　</a:t>
-            </a:r>
-            <a:r>
-              <a:rPr lang="en-US" altLang="ja-JP" sz="2800" cap="all" dirty="0" smtClean="0"/>
-              <a:t>Parse.com</a:t>
-            </a:r>
-          </a:p>
-          <a:p>
-            <a:pPr marL="0" indent="0">
-              <a:buNone/>
-            </a:pPr>
-            <a:r>
-              <a:rPr lang="ja-JP" altLang="en-US" sz="2800" cap="all" dirty="0"/>
-              <a:t>　</a:t>
-            </a:r>
-            <a:r>
-              <a:rPr lang="en-US" altLang="ja-JP" sz="2800" cap="all" dirty="0" smtClean="0"/>
-              <a:t>Gulp</a:t>
-            </a:r>
-          </a:p>
-          <a:p>
-            <a:pPr marL="0" indent="0">
-              <a:buNone/>
-            </a:pPr>
-            <a:r>
-              <a:rPr lang="ja-JP" altLang="en-US" sz="2800" cap="all" dirty="0"/>
-              <a:t>　</a:t>
-            </a:r>
-            <a:r>
-              <a:rPr lang="en-US" altLang="ja-JP" sz="2800" cap="all" dirty="0" smtClean="0"/>
-              <a:t>NODEJS</a:t>
-            </a:r>
-          </a:p>
-          <a:p>
-            <a:pPr marL="0" indent="0">
-              <a:buNone/>
-            </a:pPr>
-            <a:r>
-              <a:rPr lang="ja-JP" altLang="en-US" sz="2800" cap="all" dirty="0"/>
-              <a:t>　</a:t>
-            </a:r>
-            <a:r>
-              <a:rPr lang="en-US" altLang="ja-JP" sz="2800" cap="all" dirty="0" smtClean="0"/>
-              <a:t>ES2016</a:t>
-            </a:r>
-          </a:p>
-          <a:p>
-            <a:pPr marL="0" indent="0">
-              <a:buNone/>
-            </a:pPr>
-            <a:r>
-              <a:rPr lang="ja-JP" altLang="en-US" sz="2800" cap="all" dirty="0"/>
-              <a:t>　</a:t>
-            </a:r>
-            <a:r>
-              <a:rPr lang="en-US" altLang="ja-JP" sz="2800" cap="all" dirty="0" smtClean="0"/>
-              <a:t>Twitter</a:t>
-            </a:r>
-            <a:r>
-              <a:rPr lang="ja-JP" altLang="en-US" sz="2800" cap="all" dirty="0" smtClean="0"/>
-              <a:t> </a:t>
-            </a:r>
-            <a:r>
-              <a:rPr lang="en-US" altLang="ja-JP" sz="2800" cap="all" dirty="0" smtClean="0"/>
-              <a:t>Bootstrap</a:t>
-            </a:r>
-          </a:p>
-          <a:p>
-            <a:pPr marL="0" indent="0">
-              <a:buNone/>
-            </a:pPr>
-            <a:r>
-              <a:rPr lang="ja-JP" altLang="en-US" sz="2800" cap="all" dirty="0"/>
-              <a:t>　</a:t>
-            </a:r>
-            <a:r>
-              <a:rPr lang="ja-JP" altLang="en-US" sz="2800" cap="all" dirty="0" smtClean="0"/>
-              <a:t>他</a:t>
-            </a:r>
-            <a:r>
-              <a:rPr lang="en-US" altLang="ja-JP" sz="2800" cap="all" dirty="0" smtClean="0"/>
-              <a:t>…</a:t>
-            </a:r>
-          </a:p>
-        </p:txBody>
-      </p:sp>
-    </p:spTree>
-    <p:extLst>
-      <p:ext uri="{BB962C8B-B14F-4D97-AF65-F5344CB8AC3E}">
-        <p14:creationId xmlns:p14="http://schemas.microsoft.com/office/powerpoint/2010/main" val="2932337104"/>
-      </p:ext>
-    </p:extLst>
-  </p:cSld>
-  <p:clrMapOvr>
-    <a:masterClrMapping/>
-  </p:clrMapOvr>
-  <p:timing>
-    <p:tnLst>
-      <p:par>
-        <p:cTn id="1" dur="indefinite" restart="never" nodeType="tmRoot"/>
-      </p:par>
-    </p:tnLst>
-  </p:timing>
-</p:sld>
-</file>
-
-<file path=ppt/slides/slide2.xml><?xml version="1.0" encoding="utf-8"?>
-<p:sld xmlns:a="http://schemas.openxmlformats.org/drawingml/2006/main" xmlns:r="http://schemas.openxmlformats.org/officeDocument/2006/relationships" xmlns:p="http://schemas.openxmlformats.org/presentationml/2006/main">
-  <p:cSld>
-    <p:spTree>
-      <p:nvGrpSpPr>
-        <p:cNvPr id="1" name=""/>
-        <p:cNvGrpSpPr/>
-        <p:nvPr/>
-      </p:nvGrpSpPr>
-      <p:grpSpPr>
-        <a:xfrm>
-          <a:off x="0" y="0"/>
-          <a:ext cx="0" cy="0"/>
-          <a:chOff x="0" y="0"/>
-          <a:chExt cx="0" cy="0"/>
-        </a:xfrm>
-      </p:grpSpPr>
-      <p:sp>
-        <p:nvSpPr>
-          <p:cNvPr id="2" name="タイトル 1"/>
-          <p:cNvSpPr>
-            <a:spLocks noGrp="1"/>
-          </p:cNvSpPr>
-          <p:nvPr>
-            <p:ph type="title"/>
-          </p:nvPr>
-        </p:nvSpPr>
-        <p:spPr>
-          <a:xfrm>
-            <a:off x="457200" y="2857500"/>
-            <a:ext cx="8229600" cy="1143000"/>
-          </a:xfrm>
-        </p:spPr>
-        <p:txBody>
-          <a:bodyPr>
-            <a:normAutofit/>
-          </a:bodyPr>
-          <a:lstStyle/>
-          <a:p>
-            <a:r>
-              <a:rPr kumimoji="1" lang="en-US" altLang="ja-JP" sz="6000" dirty="0" smtClean="0"/>
-              <a:t>React </a:t>
-            </a:r>
-            <a:r>
-              <a:rPr kumimoji="1" lang="ja-JP" altLang="en-US" sz="6000" dirty="0" smtClean="0"/>
-              <a:t>とは？</a:t>
-            </a:r>
-            <a:endParaRPr kumimoji="1" lang="ja-JP" altLang="en-US" sz="6000" dirty="0"/>
-          </a:p>
-        </p:txBody>
-      </p:sp>
-    </p:spTree>
-    <p:extLst>
-      <p:ext uri="{BB962C8B-B14F-4D97-AF65-F5344CB8AC3E}">
-        <p14:creationId xmlns:p14="http://schemas.microsoft.com/office/powerpoint/2010/main" val="3532187578"/>
-      </p:ext>
-    </p:extLst>
-  </p:cSld>
-  <p:clrMapOvr>
-    <a:masterClrMapping/>
-  </p:clrMapOvr>
-  <p:timing>
-    <p:tnLst>
-      <p:par>
-        <p:cTn id="1" dur="indefinite" restart="never" nodeType="tmRoot"/>
-      </p:par>
-    </p:tnLst>
-  </p:timing>
-</p:sld>
-</file>
-
-<file path=ppt/slides/slide3.xml><?xml version="1.0" encoding="utf-8"?>
-<p:sld xmlns:a="http://schemas.openxmlformats.org/drawingml/2006/main" xmlns:r="http://schemas.openxmlformats.org/officeDocument/2006/relationships" xmlns:p="http://schemas.openxmlformats.org/presentationml/2006/main">
-  <p:cSld>
-    <p:spTree>
-      <p:nvGrpSpPr>
-        <p:cNvPr id="1" name=""/>
-        <p:cNvGrpSpPr/>
-        <p:nvPr/>
-      </p:nvGrpSpPr>
-      <p:grpSpPr>
-        <a:xfrm>
-          <a:off x="0" y="0"/>
-          <a:ext cx="0" cy="0"/>
-          <a:chOff x="0" y="0"/>
-          <a:chExt cx="0" cy="0"/>
-        </a:xfrm>
-      </p:grpSpPr>
-      <p:sp>
-        <p:nvSpPr>
-          <p:cNvPr id="3" name="コンテンツ プレースホルダー 2"/>
-          <p:cNvSpPr>
-            <a:spLocks noGrp="1"/>
-          </p:cNvSpPr>
-          <p:nvPr>
-            <p:ph idx="4294967295"/>
-          </p:nvPr>
-        </p:nvSpPr>
-        <p:spPr>
-          <a:xfrm>
-            <a:off x="457200" y="764704"/>
-            <a:ext cx="8229600" cy="5040560"/>
-          </a:xfrm>
-          <a:prstGeom prst="rect">
-            <a:avLst/>
-          </a:prstGeom>
-        </p:spPr>
-        <p:txBody>
-          <a:bodyPr>
-            <a:normAutofit/>
-          </a:bodyPr>
-          <a:lstStyle/>
-          <a:p>
-            <a:pPr marL="0" indent="0">
-              <a:buNone/>
-            </a:pPr>
-            <a:r>
-              <a:rPr lang="en-US" altLang="ja-JP" sz="4000" dirty="0" smtClean="0">
-                <a:solidFill>
-                  <a:srgbClr val="32B490"/>
-                </a:solidFill>
-              </a:rPr>
-              <a:t>React</a:t>
-            </a:r>
-            <a:r>
-              <a:rPr lang="ja-JP" altLang="en-US" sz="4000" dirty="0" smtClean="0">
-                <a:solidFill>
-                  <a:srgbClr val="32B490"/>
-                </a:solidFill>
-              </a:rPr>
-              <a:t> の特徴</a:t>
-            </a:r>
-            <a:endParaRPr lang="en-US" altLang="ja-JP" sz="4000" dirty="0" smtClean="0">
-              <a:solidFill>
-                <a:srgbClr val="32B490"/>
-              </a:solidFill>
-            </a:endParaRPr>
-          </a:p>
-          <a:p>
-            <a:pPr marL="0" indent="0">
-              <a:buNone/>
-            </a:pPr>
-            <a:endParaRPr lang="en-US" altLang="ja-JP" sz="4000" dirty="0" smtClean="0">
-              <a:solidFill>
-                <a:srgbClr val="32B490"/>
-              </a:solidFill>
-            </a:endParaRPr>
-          </a:p>
-          <a:p>
-            <a:pPr marL="0" indent="0">
-              <a:buNone/>
-            </a:pPr>
-            <a:r>
-              <a:rPr lang="en-US" altLang="ja-JP" sz="4000" cap="all" dirty="0"/>
-              <a:t>JUST THE </a:t>
-            </a:r>
-            <a:r>
-              <a:rPr lang="en-US" altLang="ja-JP" sz="4000" cap="all" dirty="0" smtClean="0"/>
-              <a:t>UI</a:t>
-            </a:r>
-            <a:r>
-              <a:rPr lang="ja-JP" altLang="en-US" sz="4000" cap="all" dirty="0" smtClean="0"/>
-              <a:t>　</a:t>
-            </a:r>
-            <a:r>
-              <a:rPr lang="en-US" altLang="ja-JP" sz="2400" dirty="0" smtClean="0"/>
-              <a:t>View</a:t>
-            </a:r>
-            <a:r>
-              <a:rPr lang="ja-JP" altLang="en-US" sz="2400" dirty="0" smtClean="0"/>
-              <a:t>部分にだけ作用する</a:t>
-            </a:r>
-            <a:endParaRPr lang="en-US" altLang="ja-JP" sz="4000" dirty="0" smtClean="0"/>
-          </a:p>
-          <a:p>
-            <a:pPr marL="0" indent="0">
-              <a:buNone/>
-            </a:pPr>
-            <a:r>
-              <a:rPr lang="en-US" altLang="ja-JP" sz="4000" cap="all" dirty="0"/>
-              <a:t>VIRTUAL </a:t>
-            </a:r>
-            <a:r>
-              <a:rPr lang="en-US" altLang="ja-JP" sz="4000" cap="all" dirty="0" smtClean="0"/>
-              <a:t>DOM</a:t>
-            </a:r>
-            <a:r>
-              <a:rPr lang="ja-JP" altLang="en-US" sz="4000" cap="all" dirty="0" smtClean="0"/>
-              <a:t>　</a:t>
-            </a:r>
-            <a:r>
-              <a:rPr lang="ja-JP" altLang="en-US" sz="2400" dirty="0" smtClean="0"/>
-              <a:t>仮想</a:t>
-            </a:r>
-            <a:r>
-              <a:rPr lang="en-US" altLang="ja-JP" sz="2400" dirty="0" smtClean="0"/>
-              <a:t>DOM</a:t>
-            </a:r>
-            <a:r>
-              <a:rPr lang="ja-JP" altLang="en-US" sz="2400" dirty="0" smtClean="0"/>
-              <a:t>を提供</a:t>
-            </a:r>
-            <a:endParaRPr lang="en-US" altLang="ja-JP" sz="4000" dirty="0" smtClean="0"/>
-          </a:p>
-          <a:p>
-            <a:pPr marL="0" indent="0">
-              <a:buNone/>
-            </a:pPr>
-            <a:r>
-              <a:rPr lang="en-US" altLang="ja-JP" sz="4000" cap="all" dirty="0"/>
-              <a:t>DATA </a:t>
-            </a:r>
-            <a:r>
-              <a:rPr lang="en-US" altLang="ja-JP" sz="4000" cap="all" dirty="0" smtClean="0"/>
-              <a:t>FLOW</a:t>
-            </a:r>
-            <a:r>
-              <a:rPr lang="ja-JP" altLang="en-US" sz="4000" cap="all" dirty="0" smtClean="0"/>
-              <a:t>　</a:t>
-            </a:r>
-            <a:r>
-              <a:rPr lang="en-US" altLang="ja-JP" sz="2400" dirty="0" smtClean="0"/>
-              <a:t>Flux</a:t>
-            </a:r>
-            <a:r>
-              <a:rPr lang="ja-JP" altLang="en-US" sz="2400" dirty="0" smtClean="0"/>
-              <a:t>アーキテクチャを推奨</a:t>
-            </a:r>
-            <a:endParaRPr lang="ja-JP" altLang="en-US" sz="4000" dirty="0" smtClean="0"/>
-          </a:p>
-        </p:txBody>
-      </p:sp>
-    </p:spTree>
-    <p:extLst>
-      <p:ext uri="{BB962C8B-B14F-4D97-AF65-F5344CB8AC3E}">
-        <p14:creationId xmlns:p14="http://schemas.microsoft.com/office/powerpoint/2010/main" val="2395605294"/>
-      </p:ext>
-    </p:extLst>
-  </p:cSld>
-  <p:clrMapOvr>
-    <a:masterClrMapping/>
-  </p:clrMapOvr>
-  <p:timing>
-    <p:tnLst>
-      <p:par>
-        <p:cTn id="1" dur="indefinite" restart="never" nodeType="tmRoot"/>
-      </p:par>
-    </p:tnLst>
-  </p:timing>
-</p:sld>
-</file>
-
-<file path=ppt/slides/slide4.xml><?xml version="1.0" encoding="utf-8"?>
-<p:sld xmlns:a="http://schemas.openxmlformats.org/drawingml/2006/main" xmlns:r="http://schemas.openxmlformats.org/officeDocument/2006/relationships" xmlns:p="http://schemas.openxmlformats.org/presentationml/2006/main">
-  <p:cSld>
-    <p:spTree>
-      <p:nvGrpSpPr>
-        <p:cNvPr id="1" name=""/>
-        <p:cNvGrpSpPr/>
-        <p:nvPr/>
-      </p:nvGrpSpPr>
-      <p:grpSpPr>
-        <a:xfrm>
-          <a:off x="0" y="0"/>
-          <a:ext cx="0" cy="0"/>
-          <a:chOff x="0" y="0"/>
-          <a:chExt cx="0" cy="0"/>
-        </a:xfrm>
-      </p:grpSpPr>
-      <p:sp>
-        <p:nvSpPr>
-          <p:cNvPr id="2" name="タイトル 1"/>
-          <p:cNvSpPr>
-            <a:spLocks noGrp="1"/>
-          </p:cNvSpPr>
-          <p:nvPr>
-            <p:ph type="ctrTitle" idx="4294967295"/>
-          </p:nvPr>
-        </p:nvSpPr>
-        <p:spPr>
-          <a:xfrm>
-            <a:off x="685800" y="2693988"/>
-            <a:ext cx="7772400" cy="1470025"/>
-          </a:xfrm>
-        </p:spPr>
-        <p:txBody>
-          <a:bodyPr>
-            <a:normAutofit/>
-          </a:bodyPr>
-          <a:lstStyle/>
-          <a:p>
-            <a:r>
-              <a:rPr lang="en-US" altLang="ja-JP" sz="6000" cap="all" dirty="0"/>
-              <a:t>JUST THE UI</a:t>
-            </a:r>
-            <a:endParaRPr kumimoji="1" lang="ja-JP" altLang="en-US" sz="6000" dirty="0"/>
-          </a:p>
-        </p:txBody>
-      </p:sp>
-    </p:spTree>
-    <p:extLst>
-      <p:ext uri="{BB962C8B-B14F-4D97-AF65-F5344CB8AC3E}">
-        <p14:creationId xmlns:p14="http://schemas.microsoft.com/office/powerpoint/2010/main" val="3059117190"/>
-      </p:ext>
-    </p:extLst>
-  </p:cSld>
-  <p:clrMapOvr>
-    <a:masterClrMapping/>
-  </p:clrMapOvr>
-  <p:timing>
-    <p:tnLst>
-      <p:par>
-        <p:cTn id="1" dur="indefinite" restart="never" nodeType="tmRoot"/>
-      </p:par>
-    </p:tnLst>
-  </p:timing>
-</p:sld>
-</file>
-
-<file path=ppt/slides/slide5.xml><?xml version="1.0" encoding="utf-8"?>
-<p:sld xmlns:a="http://schemas.openxmlformats.org/drawingml/2006/main" xmlns:r="http://schemas.openxmlformats.org/officeDocument/2006/relationships" xmlns:p="http://schemas.openxmlformats.org/presentationml/2006/main">
-  <p:cSld>
-    <p:spTree>
-      <p:nvGrpSpPr>
-        <p:cNvPr id="1" name=""/>
-        <p:cNvGrpSpPr/>
-        <p:nvPr/>
-      </p:nvGrpSpPr>
-      <p:grpSpPr>
-        <a:xfrm>
-          <a:off x="0" y="0"/>
-          <a:ext cx="0" cy="0"/>
-          <a:chOff x="0" y="0"/>
-          <a:chExt cx="0" cy="0"/>
-        </a:xfrm>
-      </p:grpSpPr>
-      <p:sp>
-        <p:nvSpPr>
-          <p:cNvPr id="3" name="コンテンツ プレースホルダー 2"/>
-          <p:cNvSpPr>
-            <a:spLocks noGrp="1"/>
-          </p:cNvSpPr>
-          <p:nvPr>
-            <p:ph idx="4294967295"/>
-          </p:nvPr>
-        </p:nvSpPr>
-        <p:spPr>
-          <a:xfrm>
-            <a:off x="457200" y="764704"/>
-            <a:ext cx="8229600" cy="5040560"/>
-          </a:xfrm>
-          <a:prstGeom prst="rect">
-            <a:avLst/>
-          </a:prstGeom>
-        </p:spPr>
-        <p:txBody>
-          <a:bodyPr>
-            <a:normAutofit/>
-          </a:bodyPr>
-          <a:lstStyle/>
-          <a:p>
-            <a:pPr marL="0" indent="0">
-              <a:buNone/>
-            </a:pPr>
-            <a:r>
-              <a:rPr lang="en-US" altLang="ja-JP" sz="4000" dirty="0">
-                <a:solidFill>
-                  <a:srgbClr val="32B490"/>
-                </a:solidFill>
-              </a:rPr>
-              <a:t>JUST THE UI</a:t>
-            </a:r>
-            <a:r>
-              <a:rPr lang="ja-JP" altLang="en-US" sz="4000" dirty="0">
-                <a:solidFill>
-                  <a:srgbClr val="32B490"/>
-                </a:solidFill>
-              </a:rPr>
-              <a:t>　</a:t>
-            </a:r>
-            <a:r>
-              <a:rPr lang="en-US" altLang="ja-JP" sz="2400" dirty="0">
-                <a:solidFill>
-                  <a:srgbClr val="32B490"/>
-                </a:solidFill>
-              </a:rPr>
-              <a:t>View</a:t>
-            </a:r>
-            <a:r>
-              <a:rPr lang="ja-JP" altLang="en-US" sz="2400" dirty="0">
-                <a:solidFill>
-                  <a:srgbClr val="32B490"/>
-                </a:solidFill>
-              </a:rPr>
-              <a:t>部分にだけ作用する</a:t>
-            </a:r>
-            <a:endParaRPr lang="ja-JP" altLang="en-US" sz="4000" dirty="0">
-              <a:solidFill>
-                <a:srgbClr val="32B490"/>
-              </a:solidFill>
-            </a:endParaRPr>
-          </a:p>
-          <a:p>
-            <a:pPr marL="0" indent="0">
-              <a:buNone/>
-            </a:pPr>
-            <a:endParaRPr lang="en-US" altLang="ja-JP" sz="4000" dirty="0" smtClean="0">
-              <a:solidFill>
-                <a:srgbClr val="32B490"/>
-              </a:solidFill>
-            </a:endParaRPr>
-          </a:p>
-          <a:p>
-            <a:pPr marL="0" indent="0">
-              <a:buNone/>
-            </a:pPr>
-            <a:r>
-              <a:rPr lang="ja-JP" altLang="en-US" sz="4000" cap="all" dirty="0" smtClean="0"/>
-              <a:t>　</a:t>
-            </a:r>
-            <a:r>
-              <a:rPr lang="en-US" altLang="ja-JP" sz="4000" cap="all" dirty="0" smtClean="0"/>
-              <a:t>MVC</a:t>
-            </a:r>
-            <a:r>
-              <a:rPr lang="ja-JP" altLang="en-US" sz="4000" cap="all" dirty="0" smtClean="0"/>
-              <a:t>でいうところの</a:t>
-            </a:r>
-            <a:r>
-              <a:rPr lang="en-US" altLang="ja-JP" sz="4000" cap="all" dirty="0" smtClean="0"/>
-              <a:t>V</a:t>
-            </a:r>
-          </a:p>
-          <a:p>
-            <a:pPr marL="0" indent="0">
-              <a:buNone/>
-            </a:pPr>
-            <a:r>
-              <a:rPr lang="ja-JP" altLang="en-US" sz="4000" cap="all" dirty="0"/>
-              <a:t>　</a:t>
-            </a:r>
-            <a:r>
-              <a:rPr lang="ja-JP" altLang="en-US" sz="4000" cap="all" dirty="0" smtClean="0"/>
-              <a:t>コンポーネント指向</a:t>
-            </a:r>
-            <a:endParaRPr lang="en-US" altLang="ja-JP" sz="4000" cap="all" dirty="0" smtClean="0"/>
-          </a:p>
-          <a:p>
-            <a:pPr marL="0" indent="0">
-              <a:buNone/>
-            </a:pPr>
-            <a:r>
-              <a:rPr lang="ja-JP" altLang="en-US" sz="4000" cap="all" dirty="0"/>
-              <a:t>　</a:t>
-            </a:r>
-            <a:r>
-              <a:rPr lang="en-US" altLang="ja-JP" sz="4000" cap="all" dirty="0" smtClean="0"/>
-              <a:t>JSX </a:t>
-            </a:r>
-            <a:r>
-              <a:rPr lang="en-US" altLang="ja-JP" sz="2800" cap="all" dirty="0" smtClean="0"/>
-              <a:t>(</a:t>
-            </a:r>
-            <a:r>
-              <a:rPr lang="ja-JP" altLang="en-US" sz="2800" cap="all" dirty="0" smtClean="0"/>
-              <a:t>≠</a:t>
-            </a:r>
-            <a:r>
-              <a:rPr lang="en-US" altLang="ja-JP" sz="2800" cap="all" dirty="0" smtClean="0"/>
-              <a:t>JS</a:t>
-            </a:r>
-            <a:r>
-              <a:rPr lang="ja-JP" altLang="en-US" sz="2800" cap="all" dirty="0" smtClean="0"/>
-              <a:t>で</a:t>
-            </a:r>
-            <a:r>
-              <a:rPr lang="en-US" altLang="ja-JP" sz="2800" cap="all" dirty="0" smtClean="0"/>
-              <a:t>HTML</a:t>
-            </a:r>
-            <a:r>
-              <a:rPr lang="ja-JP" altLang="en-US" sz="2800" cap="all" dirty="0" smtClean="0"/>
-              <a:t>を表現したもの</a:t>
-            </a:r>
-            <a:r>
-              <a:rPr lang="en-US" altLang="ja-JP" sz="2800" cap="all" dirty="0" smtClean="0"/>
-              <a:t>)</a:t>
-            </a:r>
-            <a:endParaRPr lang="ja-JP" altLang="en-US" sz="4000" dirty="0" smtClean="0"/>
-          </a:p>
-        </p:txBody>
-      </p:sp>
-    </p:spTree>
-    <p:extLst>
-      <p:ext uri="{BB962C8B-B14F-4D97-AF65-F5344CB8AC3E}">
-        <p14:creationId xmlns:p14="http://schemas.microsoft.com/office/powerpoint/2010/main" val="914113168"/>
-      </p:ext>
-    </p:extLst>
-  </p:cSld>
-  <p:clrMapOvr>
-    <a:masterClrMapping/>
-  </p:clrMapOvr>
-  <p:timing>
-    <p:tnLst>
-      <p:par>
-        <p:cTn id="1" dur="indefinite" restart="never" nodeType="tmRoot"/>
-      </p:par>
-    </p:tnLst>
-  </p:timing>
-</p:sld>
-</file>
-
-<file path=ppt/slides/slide6.xml><?xml version="1.0" encoding="utf-8"?>
-<p:sld xmlns:a="http://schemas.openxmlformats.org/drawingml/2006/main" xmlns:r="http://schemas.openxmlformats.org/officeDocument/2006/relationships" xmlns:p="http://schemas.openxmlformats.org/presentationml/2006/main">
-  <p:cSld>
-    <p:spTree>
-      <p:nvGrpSpPr>
-        <p:cNvPr id="1" name=""/>
-        <p:cNvGrpSpPr/>
-        <p:nvPr/>
-      </p:nvGrpSpPr>
-      <p:grpSpPr>
-        <a:xfrm>
-          <a:off x="0" y="0"/>
-          <a:ext cx="0" cy="0"/>
-          <a:chOff x="0" y="0"/>
-          <a:chExt cx="0" cy="0"/>
-        </a:xfrm>
-      </p:grpSpPr>
-      <p:sp>
-        <p:nvSpPr>
           <p:cNvPr id="2" name="タイトル 1"/>
           <p:cNvSpPr>
             <a:spLocks noGrp="1"/>
@@ -11523,7 +10932,7 @@
 </p:sld>
 </file>
 
-<file path=ppt/slides/slide7.xml><?xml version="1.0" encoding="utf-8"?>
+<file path=ppt/slides/slide12.xml><?xml version="1.0" encoding="utf-8"?>
 <p:sld xmlns:a="http://schemas.openxmlformats.org/drawingml/2006/main" xmlns:r="http://schemas.openxmlformats.org/officeDocument/2006/relationships" xmlns:p="http://schemas.openxmlformats.org/presentationml/2006/main">
   <p:cSld>
     <p:spTree>
@@ -11738,6 +11147,7281 @@
 </p:sld>
 </file>
 
+<file path=ppt/slides/slide13.xml><?xml version="1.0" encoding="utf-8"?>
+<p:sld xmlns:a="http://schemas.openxmlformats.org/drawingml/2006/main" xmlns:r="http://schemas.openxmlformats.org/officeDocument/2006/relationships" xmlns:p="http://schemas.openxmlformats.org/presentationml/2006/main">
+  <p:cSld>
+    <p:spTree>
+      <p:nvGrpSpPr>
+        <p:cNvPr id="1" name=""/>
+        <p:cNvGrpSpPr/>
+        <p:nvPr/>
+      </p:nvGrpSpPr>
+      <p:grpSpPr>
+        <a:xfrm>
+          <a:off x="0" y="0"/>
+          <a:ext cx="0" cy="0"/>
+          <a:chOff x="0" y="0"/>
+          <a:chExt cx="0" cy="0"/>
+        </a:xfrm>
+      </p:grpSpPr>
+      <p:sp>
+        <p:nvSpPr>
+          <p:cNvPr id="3" name="コンテンツ プレースホルダー 2"/>
+          <p:cNvSpPr>
+            <a:spLocks noGrp="1"/>
+          </p:cNvSpPr>
+          <p:nvPr>
+            <p:ph idx="4294967295"/>
+          </p:nvPr>
+        </p:nvSpPr>
+        <p:spPr>
+          <a:xfrm>
+            <a:off x="457200" y="764704"/>
+            <a:ext cx="8229600" cy="5040560"/>
+          </a:xfrm>
+          <a:prstGeom prst="rect">
+            <a:avLst/>
+          </a:prstGeom>
+        </p:spPr>
+        <p:txBody>
+          <a:bodyPr>
+            <a:normAutofit/>
+          </a:bodyPr>
+          <a:lstStyle/>
+          <a:p>
+            <a:pPr marL="0" indent="0">
+              <a:buNone/>
+            </a:pPr>
+            <a:r>
+              <a:rPr lang="en-US" altLang="ja-JP" sz="4000" dirty="0">
+                <a:solidFill>
+                  <a:srgbClr val="32B490"/>
+                </a:solidFill>
+              </a:rPr>
+              <a:t>VIRTUAL DOM</a:t>
+            </a:r>
+            <a:r>
+              <a:rPr lang="ja-JP" altLang="en-US" sz="4000" dirty="0">
+                <a:solidFill>
+                  <a:srgbClr val="32B490"/>
+                </a:solidFill>
+              </a:rPr>
+              <a:t>　</a:t>
+            </a:r>
+            <a:r>
+              <a:rPr lang="ja-JP" altLang="en-US" sz="2400" dirty="0">
+                <a:solidFill>
+                  <a:srgbClr val="32B490"/>
+                </a:solidFill>
+              </a:rPr>
+              <a:t>仮想</a:t>
+            </a:r>
+            <a:r>
+              <a:rPr lang="en-US" altLang="ja-JP" sz="2400" dirty="0">
+                <a:solidFill>
+                  <a:srgbClr val="32B490"/>
+                </a:solidFill>
+              </a:rPr>
+              <a:t>DOM</a:t>
+            </a:r>
+            <a:r>
+              <a:rPr lang="ja-JP" altLang="en-US" sz="2400" dirty="0">
+                <a:solidFill>
+                  <a:srgbClr val="32B490"/>
+                </a:solidFill>
+              </a:rPr>
+              <a:t>を提供</a:t>
+            </a:r>
+            <a:endParaRPr lang="ja-JP" altLang="en-US" sz="3600" dirty="0">
+              <a:solidFill>
+                <a:srgbClr val="32B490"/>
+              </a:solidFill>
+            </a:endParaRPr>
+          </a:p>
+          <a:p>
+            <a:pPr marL="0" indent="0">
+              <a:buNone/>
+            </a:pPr>
+            <a:endParaRPr lang="ja-JP" altLang="en-US" sz="2800" dirty="0">
+              <a:solidFill>
+                <a:srgbClr val="32B490"/>
+              </a:solidFill>
+            </a:endParaRPr>
+          </a:p>
+          <a:p>
+            <a:pPr marL="0" indent="0">
+              <a:buNone/>
+            </a:pPr>
+            <a:r>
+              <a:rPr lang="ja-JP" altLang="en-US" sz="2800" cap="all" dirty="0" smtClean="0"/>
+              <a:t>　同じ概念を持つフレームワークも登場している</a:t>
+            </a:r>
+            <a:endParaRPr lang="en-US" altLang="ja-JP" sz="2800" cap="all" dirty="0" smtClean="0"/>
+          </a:p>
+          <a:p>
+            <a:pPr marL="0" indent="0">
+              <a:buNone/>
+            </a:pPr>
+            <a:endParaRPr lang="en-US" altLang="ja-JP" sz="2800" cap="all" dirty="0"/>
+          </a:p>
+          <a:p>
+            <a:pPr marL="0" indent="0">
+              <a:buNone/>
+            </a:pPr>
+            <a:r>
+              <a:rPr lang="ja-JP" altLang="en-US" sz="4000" dirty="0"/>
+              <a:t>　</a:t>
+            </a:r>
+            <a:r>
+              <a:rPr lang="en-US" altLang="ja-JP" sz="4000" dirty="0" smtClean="0"/>
+              <a:t>Vue.js</a:t>
+            </a:r>
+          </a:p>
+          <a:p>
+            <a:pPr marL="0" indent="0">
+              <a:buNone/>
+            </a:pPr>
+            <a:r>
+              <a:rPr lang="ja-JP" altLang="en-US" sz="4000" dirty="0" smtClean="0"/>
+              <a:t>　</a:t>
+            </a:r>
+            <a:r>
+              <a:rPr lang="en-US" altLang="ja-JP" sz="4000" dirty="0" smtClean="0"/>
+              <a:t>Mithril.js</a:t>
+            </a:r>
+            <a:endParaRPr lang="en-US" altLang="ja-JP" sz="4000" cap="all" dirty="0" smtClean="0"/>
+          </a:p>
+        </p:txBody>
+      </p:sp>
+    </p:spTree>
+    <p:extLst>
+      <p:ext uri="{BB962C8B-B14F-4D97-AF65-F5344CB8AC3E}">
+        <p14:creationId xmlns:p14="http://schemas.microsoft.com/office/powerpoint/2010/main" val="3306541995"/>
+      </p:ext>
+    </p:extLst>
+  </p:cSld>
+  <p:clrMapOvr>
+    <a:masterClrMapping/>
+  </p:clrMapOvr>
+  <p:timing>
+    <p:tnLst>
+      <p:par>
+        <p:cTn id="1" dur="indefinite" restart="never" nodeType="tmRoot"/>
+      </p:par>
+    </p:tnLst>
+  </p:timing>
+</p:sld>
+</file>
+
+<file path=ppt/slides/slide14.xml><?xml version="1.0" encoding="utf-8"?>
+<p:sld xmlns:a="http://schemas.openxmlformats.org/drawingml/2006/main" xmlns:r="http://schemas.openxmlformats.org/officeDocument/2006/relationships" xmlns:p="http://schemas.openxmlformats.org/presentationml/2006/main">
+  <p:cSld>
+    <p:spTree>
+      <p:nvGrpSpPr>
+        <p:cNvPr id="1" name=""/>
+        <p:cNvGrpSpPr/>
+        <p:nvPr/>
+      </p:nvGrpSpPr>
+      <p:grpSpPr>
+        <a:xfrm>
+          <a:off x="0" y="0"/>
+          <a:ext cx="0" cy="0"/>
+          <a:chOff x="0" y="0"/>
+          <a:chExt cx="0" cy="0"/>
+        </a:xfrm>
+      </p:grpSpPr>
+      <p:sp>
+        <p:nvSpPr>
+          <p:cNvPr id="2" name="タイトル 1"/>
+          <p:cNvSpPr>
+            <a:spLocks noGrp="1"/>
+          </p:cNvSpPr>
+          <p:nvPr>
+            <p:ph type="ctrTitle" idx="4294967295"/>
+          </p:nvPr>
+        </p:nvSpPr>
+        <p:spPr>
+          <a:xfrm>
+            <a:off x="685800" y="2693988"/>
+            <a:ext cx="7772400" cy="1470025"/>
+          </a:xfrm>
+        </p:spPr>
+        <p:txBody>
+          <a:bodyPr>
+            <a:normAutofit/>
+          </a:bodyPr>
+          <a:lstStyle/>
+          <a:p>
+            <a:r>
+              <a:rPr lang="en-US" altLang="ja-JP" sz="6000" cap="all" dirty="0"/>
+              <a:t>DATA FLOW</a:t>
+            </a:r>
+            <a:endParaRPr kumimoji="1" lang="ja-JP" altLang="en-US" sz="6000" dirty="0"/>
+          </a:p>
+        </p:txBody>
+      </p:sp>
+    </p:spTree>
+    <p:extLst>
+      <p:ext uri="{BB962C8B-B14F-4D97-AF65-F5344CB8AC3E}">
+        <p14:creationId xmlns:p14="http://schemas.microsoft.com/office/powerpoint/2010/main" val="343718246"/>
+      </p:ext>
+    </p:extLst>
+  </p:cSld>
+  <p:clrMapOvr>
+    <a:masterClrMapping/>
+  </p:clrMapOvr>
+  <p:timing>
+    <p:tnLst>
+      <p:par>
+        <p:cTn id="1" dur="indefinite" restart="never" nodeType="tmRoot"/>
+      </p:par>
+    </p:tnLst>
+  </p:timing>
+</p:sld>
+</file>
+
+<file path=ppt/slides/slide15.xml><?xml version="1.0" encoding="utf-8"?>
+<p:sld xmlns:a="http://schemas.openxmlformats.org/drawingml/2006/main" xmlns:r="http://schemas.openxmlformats.org/officeDocument/2006/relationships" xmlns:p="http://schemas.openxmlformats.org/presentationml/2006/main">
+  <p:cSld>
+    <p:spTree>
+      <p:nvGrpSpPr>
+        <p:cNvPr id="1" name=""/>
+        <p:cNvGrpSpPr/>
+        <p:nvPr/>
+      </p:nvGrpSpPr>
+      <p:grpSpPr>
+        <a:xfrm>
+          <a:off x="0" y="0"/>
+          <a:ext cx="0" cy="0"/>
+          <a:chOff x="0" y="0"/>
+          <a:chExt cx="0" cy="0"/>
+        </a:xfrm>
+      </p:grpSpPr>
+      <p:sp>
+        <p:nvSpPr>
+          <p:cNvPr id="3" name="コンテンツ プレースホルダー 2"/>
+          <p:cNvSpPr>
+            <a:spLocks noGrp="1"/>
+          </p:cNvSpPr>
+          <p:nvPr>
+            <p:ph idx="4294967295"/>
+          </p:nvPr>
+        </p:nvSpPr>
+        <p:spPr>
+          <a:xfrm>
+            <a:off x="457200" y="764704"/>
+            <a:ext cx="8229600" cy="5040560"/>
+          </a:xfrm>
+          <a:prstGeom prst="rect">
+            <a:avLst/>
+          </a:prstGeom>
+        </p:spPr>
+        <p:txBody>
+          <a:bodyPr>
+            <a:normAutofit/>
+          </a:bodyPr>
+          <a:lstStyle/>
+          <a:p>
+            <a:pPr marL="0" indent="0">
+              <a:buNone/>
+            </a:pPr>
+            <a:r>
+              <a:rPr lang="en-US" altLang="ja-JP" sz="4000" dirty="0">
+                <a:solidFill>
+                  <a:srgbClr val="32B490"/>
+                </a:solidFill>
+              </a:rPr>
+              <a:t>DATA FLOW</a:t>
+            </a:r>
+            <a:r>
+              <a:rPr lang="ja-JP" altLang="en-US" sz="4000" dirty="0">
+                <a:solidFill>
+                  <a:srgbClr val="32B490"/>
+                </a:solidFill>
+              </a:rPr>
+              <a:t>　</a:t>
+            </a:r>
+            <a:r>
+              <a:rPr lang="en-US" altLang="ja-JP" sz="2400" dirty="0">
+                <a:solidFill>
+                  <a:srgbClr val="32B490"/>
+                </a:solidFill>
+              </a:rPr>
+              <a:t>Flux</a:t>
+            </a:r>
+            <a:r>
+              <a:rPr lang="ja-JP" altLang="en-US" sz="2400" dirty="0">
+                <a:solidFill>
+                  <a:srgbClr val="32B490"/>
+                </a:solidFill>
+              </a:rPr>
+              <a:t>アーキテクチャを推奨</a:t>
+            </a:r>
+          </a:p>
+          <a:p>
+            <a:pPr marL="0" indent="0">
+              <a:buNone/>
+            </a:pPr>
+            <a:endParaRPr lang="ja-JP" altLang="en-US" sz="1800" dirty="0">
+              <a:solidFill>
+                <a:srgbClr val="32B490"/>
+              </a:solidFill>
+            </a:endParaRPr>
+          </a:p>
+          <a:p>
+            <a:pPr marL="0" indent="0">
+              <a:buNone/>
+            </a:pPr>
+            <a:r>
+              <a:rPr lang="ja-JP" altLang="en-US" sz="2800" cap="all" dirty="0" smtClean="0"/>
+              <a:t>　双方向バインディングの問題を改善する</a:t>
+            </a:r>
+            <a:endParaRPr lang="en-US" altLang="ja-JP" sz="2800" cap="all" dirty="0" smtClean="0"/>
+          </a:p>
+          <a:p>
+            <a:pPr marL="0" indent="0">
+              <a:buNone/>
+            </a:pPr>
+            <a:r>
+              <a:rPr lang="ja-JP" altLang="en-US" sz="2800" cap="all" dirty="0"/>
+              <a:t>　</a:t>
+            </a:r>
+            <a:r>
+              <a:rPr lang="en-US" altLang="ja-JP" sz="2800" cap="all" dirty="0" smtClean="0"/>
+              <a:t>Flux</a:t>
+            </a:r>
+            <a:r>
+              <a:rPr lang="ja-JP" altLang="en-US" sz="2800" cap="all" dirty="0" smtClean="0"/>
+              <a:t>というのは概念のみを指す</a:t>
+            </a:r>
+            <a:endParaRPr lang="en-US" altLang="ja-JP" sz="2800" cap="all" dirty="0" smtClean="0"/>
+          </a:p>
+        </p:txBody>
+      </p:sp>
+      <p:pic>
+        <p:nvPicPr>
+          <p:cNvPr id="4" name="図 3"/>
+          <p:cNvPicPr>
+            <a:picLocks noChangeAspect="1"/>
+          </p:cNvPicPr>
+          <p:nvPr/>
+        </p:nvPicPr>
+        <p:blipFill>
+          <a:blip r:embed="rId2">
+            <a:extLst>
+              <a:ext uri="{28A0092B-C50C-407E-A947-70E740481C1C}">
+                <a14:useLocalDpi xmlns:a14="http://schemas.microsoft.com/office/drawing/2010/main" val="0"/>
+              </a:ext>
+            </a:extLst>
+          </a:blip>
+          <a:stretch>
+            <a:fillRect/>
+          </a:stretch>
+        </p:blipFill>
+        <p:spPr>
+          <a:xfrm>
+            <a:off x="899592" y="2852936"/>
+            <a:ext cx="6372200" cy="3470398"/>
+          </a:xfrm>
+          <a:prstGeom prst="rect">
+            <a:avLst/>
+          </a:prstGeom>
+        </p:spPr>
+      </p:pic>
+    </p:spTree>
+    <p:extLst>
+      <p:ext uri="{BB962C8B-B14F-4D97-AF65-F5344CB8AC3E}">
+        <p14:creationId xmlns:p14="http://schemas.microsoft.com/office/powerpoint/2010/main" val="2521029692"/>
+      </p:ext>
+    </p:extLst>
+  </p:cSld>
+  <p:clrMapOvr>
+    <a:masterClrMapping/>
+  </p:clrMapOvr>
+  <p:timing>
+    <p:tnLst>
+      <p:par>
+        <p:cTn id="1" dur="indefinite" restart="never" nodeType="tmRoot"/>
+      </p:par>
+    </p:tnLst>
+  </p:timing>
+</p:sld>
+</file>
+
+<file path=ppt/slides/slide16.xml><?xml version="1.0" encoding="utf-8"?>
+<p:sld xmlns:a="http://schemas.openxmlformats.org/drawingml/2006/main" xmlns:r="http://schemas.openxmlformats.org/officeDocument/2006/relationships" xmlns:p="http://schemas.openxmlformats.org/presentationml/2006/main">
+  <p:cSld>
+    <p:spTree>
+      <p:nvGrpSpPr>
+        <p:cNvPr id="1" name=""/>
+        <p:cNvGrpSpPr/>
+        <p:nvPr/>
+      </p:nvGrpSpPr>
+      <p:grpSpPr>
+        <a:xfrm>
+          <a:off x="0" y="0"/>
+          <a:ext cx="0" cy="0"/>
+          <a:chOff x="0" y="0"/>
+          <a:chExt cx="0" cy="0"/>
+        </a:xfrm>
+      </p:grpSpPr>
+      <p:sp>
+        <p:nvSpPr>
+          <p:cNvPr id="3" name="コンテンツ プレースホルダー 2"/>
+          <p:cNvSpPr>
+            <a:spLocks noGrp="1"/>
+          </p:cNvSpPr>
+          <p:nvPr>
+            <p:ph idx="4294967295"/>
+          </p:nvPr>
+        </p:nvSpPr>
+        <p:spPr>
+          <a:xfrm>
+            <a:off x="457200" y="764704"/>
+            <a:ext cx="8229600" cy="5040560"/>
+          </a:xfrm>
+          <a:prstGeom prst="rect">
+            <a:avLst/>
+          </a:prstGeom>
+        </p:spPr>
+        <p:txBody>
+          <a:bodyPr>
+            <a:normAutofit/>
+          </a:bodyPr>
+          <a:lstStyle/>
+          <a:p>
+            <a:pPr marL="0" indent="0">
+              <a:buNone/>
+            </a:pPr>
+            <a:r>
+              <a:rPr lang="en-US" altLang="ja-JP" sz="4000" dirty="0">
+                <a:solidFill>
+                  <a:srgbClr val="32B490"/>
+                </a:solidFill>
+              </a:rPr>
+              <a:t>DATA FLOW</a:t>
+            </a:r>
+            <a:r>
+              <a:rPr lang="ja-JP" altLang="en-US" sz="4000" dirty="0">
+                <a:solidFill>
+                  <a:srgbClr val="32B490"/>
+                </a:solidFill>
+              </a:rPr>
+              <a:t>　</a:t>
+            </a:r>
+            <a:r>
+              <a:rPr lang="en-US" altLang="ja-JP" sz="2400" dirty="0">
+                <a:solidFill>
+                  <a:srgbClr val="32B490"/>
+                </a:solidFill>
+              </a:rPr>
+              <a:t>Flux</a:t>
+            </a:r>
+            <a:r>
+              <a:rPr lang="ja-JP" altLang="en-US" sz="2400" dirty="0">
+                <a:solidFill>
+                  <a:srgbClr val="32B490"/>
+                </a:solidFill>
+              </a:rPr>
+              <a:t>アーキテクチャを推奨</a:t>
+            </a:r>
+          </a:p>
+          <a:p>
+            <a:pPr marL="0" indent="0">
+              <a:buNone/>
+            </a:pPr>
+            <a:endParaRPr lang="ja-JP" altLang="en-US" sz="1800" dirty="0">
+              <a:solidFill>
+                <a:srgbClr val="32B490"/>
+              </a:solidFill>
+            </a:endParaRPr>
+          </a:p>
+          <a:p>
+            <a:pPr marL="0" indent="0">
+              <a:buNone/>
+            </a:pPr>
+            <a:r>
+              <a:rPr lang="ja-JP" altLang="en-US" sz="2800" cap="all" dirty="0" smtClean="0"/>
+              <a:t>　</a:t>
+            </a:r>
+            <a:r>
+              <a:rPr lang="en-US" altLang="ja-JP" sz="2800" cap="all" dirty="0" smtClean="0"/>
+              <a:t>flux</a:t>
+            </a:r>
+            <a:r>
+              <a:rPr lang="ja-JP" altLang="en-US" sz="2800" cap="all" dirty="0" smtClean="0"/>
+              <a:t>実装</a:t>
+            </a:r>
+            <a:endParaRPr lang="en-US" altLang="ja-JP" sz="2800" cap="all" dirty="0" smtClean="0"/>
+          </a:p>
+          <a:p>
+            <a:pPr marL="0" indent="0">
+              <a:buNone/>
+            </a:pPr>
+            <a:endParaRPr lang="en-US" altLang="ja-JP" sz="2800" cap="all" dirty="0" smtClean="0"/>
+          </a:p>
+          <a:p>
+            <a:pPr marL="0" indent="0">
+              <a:buNone/>
+            </a:pPr>
+            <a:r>
+              <a:rPr lang="ja-JP" altLang="en-US" sz="2800" cap="all" dirty="0" smtClean="0"/>
+              <a:t>　</a:t>
+            </a:r>
+            <a:r>
+              <a:rPr lang="en-US" altLang="ja-JP" cap="all" dirty="0" smtClean="0"/>
+              <a:t>Redux (</a:t>
+            </a:r>
+            <a:r>
+              <a:rPr lang="ja-JP" altLang="en-US" cap="all" dirty="0" smtClean="0"/>
+              <a:t>現状、一番有名</a:t>
+            </a:r>
+            <a:r>
+              <a:rPr lang="en-US" altLang="ja-JP" cap="all" dirty="0" smtClean="0"/>
+              <a:t>)</a:t>
+            </a:r>
+          </a:p>
+          <a:p>
+            <a:pPr marL="0" indent="0">
+              <a:buNone/>
+            </a:pPr>
+            <a:r>
+              <a:rPr lang="ja-JP" altLang="en-US" cap="all" dirty="0"/>
+              <a:t>　</a:t>
+            </a:r>
+            <a:r>
+              <a:rPr lang="en-US" altLang="ja-JP" cap="all" dirty="0" smtClean="0"/>
+              <a:t>ALT (</a:t>
+            </a:r>
+            <a:r>
+              <a:rPr lang="ja-JP" altLang="en-US" cap="all" dirty="0" smtClean="0"/>
+              <a:t>マイナーだけど週報で使ってる</a:t>
+            </a:r>
+            <a:r>
+              <a:rPr lang="en-US" altLang="ja-JP" cap="all" dirty="0" smtClean="0"/>
+              <a:t>)</a:t>
+            </a:r>
+          </a:p>
+        </p:txBody>
+      </p:sp>
+    </p:spTree>
+    <p:extLst>
+      <p:ext uri="{BB962C8B-B14F-4D97-AF65-F5344CB8AC3E}">
+        <p14:creationId xmlns:p14="http://schemas.microsoft.com/office/powerpoint/2010/main" val="733688145"/>
+      </p:ext>
+    </p:extLst>
+  </p:cSld>
+  <p:clrMapOvr>
+    <a:masterClrMapping/>
+  </p:clrMapOvr>
+  <p:timing>
+    <p:tnLst>
+      <p:par>
+        <p:cTn id="1" dur="indefinite" restart="never" nodeType="tmRoot"/>
+      </p:par>
+    </p:tnLst>
+  </p:timing>
+</p:sld>
+</file>
+
+<file path=ppt/slides/slide17.xml><?xml version="1.0" encoding="utf-8"?>
+<p:sld xmlns:a="http://schemas.openxmlformats.org/drawingml/2006/main" xmlns:r="http://schemas.openxmlformats.org/officeDocument/2006/relationships" xmlns:p="http://schemas.openxmlformats.org/presentationml/2006/main">
+  <p:cSld>
+    <p:spTree>
+      <p:nvGrpSpPr>
+        <p:cNvPr id="1" name=""/>
+        <p:cNvGrpSpPr/>
+        <p:nvPr/>
+      </p:nvGrpSpPr>
+      <p:grpSpPr>
+        <a:xfrm>
+          <a:off x="0" y="0"/>
+          <a:ext cx="0" cy="0"/>
+          <a:chOff x="0" y="0"/>
+          <a:chExt cx="0" cy="0"/>
+        </a:xfrm>
+      </p:grpSpPr>
+      <p:sp>
+        <p:nvSpPr>
+          <p:cNvPr id="4" name="タイトル 1"/>
+          <p:cNvSpPr txBox="1">
+            <a:spLocks/>
+          </p:cNvSpPr>
+          <p:nvPr/>
+        </p:nvSpPr>
+        <p:spPr>
+          <a:xfrm>
+            <a:off x="457200" y="2857500"/>
+            <a:ext cx="8229600" cy="1143000"/>
+          </a:xfrm>
+          <a:prstGeom prst="rect">
+            <a:avLst/>
+          </a:prstGeom>
+        </p:spPr>
+        <p:txBody>
+          <a:bodyPr vert="horz" lIns="91440" tIns="45720" rIns="91440" bIns="45720" rtlCol="0" anchor="ctr">
+            <a:normAutofit/>
+          </a:bodyPr>
+          <a:lstStyle>
+            <a:lvl1pPr algn="ctr">
+              <a:spcBef>
+                <a:spcPct val="0"/>
+              </a:spcBef>
+              <a:buNone/>
+              <a:defRPr sz="6000">
+                <a:solidFill>
+                  <a:srgbClr val="32B490"/>
+                </a:solidFill>
+                <a:latin typeface="メイリオ" panose="020B0604030504040204" pitchFamily="50" charset="-128"/>
+                <a:ea typeface="メイリオ" panose="020B0604030504040204" pitchFamily="50" charset="-128"/>
+                <a:cs typeface="メイリオ" panose="020B0604030504040204" pitchFamily="50" charset="-128"/>
+              </a:defRPr>
+            </a:lvl1pPr>
+          </a:lstStyle>
+          <a:p>
+            <a:r>
+              <a:rPr lang="ja-JP" altLang="en-US" dirty="0"/>
+              <a:t>ライブコーディング</a:t>
+            </a:r>
+          </a:p>
+        </p:txBody>
+      </p:sp>
+    </p:spTree>
+    <p:extLst>
+      <p:ext uri="{BB962C8B-B14F-4D97-AF65-F5344CB8AC3E}">
+        <p14:creationId xmlns:p14="http://schemas.microsoft.com/office/powerpoint/2010/main" val="549903975"/>
+      </p:ext>
+    </p:extLst>
+  </p:cSld>
+  <p:clrMapOvr>
+    <a:masterClrMapping/>
+  </p:clrMapOvr>
+  <p:timing>
+    <p:tnLst>
+      <p:par>
+        <p:cTn id="1" dur="indefinite" restart="never" nodeType="tmRoot"/>
+      </p:par>
+    </p:tnLst>
+  </p:timing>
+</p:sld>
+</file>
+
+<file path=ppt/slides/slide18.xml><?xml version="1.0" encoding="utf-8"?>
+<p:sld xmlns:a="http://schemas.openxmlformats.org/drawingml/2006/main" xmlns:r="http://schemas.openxmlformats.org/officeDocument/2006/relationships" xmlns:p="http://schemas.openxmlformats.org/presentationml/2006/main">
+  <p:cSld>
+    <p:spTree>
+      <p:nvGrpSpPr>
+        <p:cNvPr id="1" name=""/>
+        <p:cNvGrpSpPr/>
+        <p:nvPr/>
+      </p:nvGrpSpPr>
+      <p:grpSpPr>
+        <a:xfrm>
+          <a:off x="0" y="0"/>
+          <a:ext cx="0" cy="0"/>
+          <a:chOff x="0" y="0"/>
+          <a:chExt cx="0" cy="0"/>
+        </a:xfrm>
+      </p:grpSpPr>
+      <p:sp>
+        <p:nvSpPr>
+          <p:cNvPr id="3" name="コンテンツ プレースホルダー 2"/>
+          <p:cNvSpPr>
+            <a:spLocks noGrp="1"/>
+          </p:cNvSpPr>
+          <p:nvPr>
+            <p:ph idx="1"/>
+          </p:nvPr>
+        </p:nvSpPr>
+        <p:spPr>
+          <a:xfrm>
+            <a:off x="457200" y="548680"/>
+            <a:ext cx="8229600" cy="5577483"/>
+          </a:xfrm>
+          <a:prstGeom prst="rect">
+            <a:avLst/>
+          </a:prstGeom>
+        </p:spPr>
+        <p:txBody>
+          <a:bodyPr>
+            <a:normAutofit/>
+          </a:bodyPr>
+          <a:lstStyle/>
+          <a:p>
+            <a:pPr marL="0" indent="0">
+              <a:buNone/>
+            </a:pPr>
+            <a:r>
+              <a:rPr lang="ja-JP" altLang="en-US" sz="4000" dirty="0" smtClean="0">
+                <a:solidFill>
+                  <a:srgbClr val="32B490"/>
+                </a:solidFill>
+              </a:rPr>
+              <a:t>週報アプリ</a:t>
+            </a:r>
+            <a:endParaRPr lang="ja-JP" altLang="en-US" sz="3600" dirty="0">
+              <a:solidFill>
+                <a:srgbClr val="32B490"/>
+              </a:solidFill>
+            </a:endParaRPr>
+          </a:p>
+          <a:p>
+            <a:pPr marL="0" indent="0">
+              <a:buNone/>
+            </a:pPr>
+            <a:endParaRPr lang="ja-JP" altLang="en-US" sz="2000" dirty="0">
+              <a:solidFill>
+                <a:srgbClr val="32B490"/>
+              </a:solidFill>
+            </a:endParaRPr>
+          </a:p>
+          <a:p>
+            <a:pPr marL="0" indent="0">
+              <a:buNone/>
+            </a:pPr>
+            <a:r>
+              <a:rPr lang="ja-JP" altLang="en-US" sz="2800" cap="all" dirty="0" smtClean="0"/>
+              <a:t>　今日の勉強会に出てこないキーワード</a:t>
+            </a:r>
+            <a:endParaRPr lang="en-US" altLang="ja-JP" sz="2800" cap="all" dirty="0" smtClean="0"/>
+          </a:p>
+          <a:p>
+            <a:pPr marL="0" indent="0">
+              <a:buNone/>
+            </a:pPr>
+            <a:endParaRPr lang="en-US" altLang="ja-JP" sz="2800" cap="all" dirty="0"/>
+          </a:p>
+          <a:p>
+            <a:pPr marL="0" indent="0">
+              <a:buNone/>
+            </a:pPr>
+            <a:r>
+              <a:rPr lang="ja-JP" altLang="en-US" sz="2800" cap="all" dirty="0" smtClean="0"/>
+              <a:t>　</a:t>
+            </a:r>
+            <a:r>
+              <a:rPr lang="en-US" altLang="ja-JP" sz="2800" cap="all" dirty="0" smtClean="0"/>
+              <a:t>Parse.com</a:t>
+            </a:r>
+          </a:p>
+          <a:p>
+            <a:pPr marL="0" indent="0">
+              <a:buNone/>
+            </a:pPr>
+            <a:r>
+              <a:rPr lang="ja-JP" altLang="en-US" sz="2800" cap="all" dirty="0"/>
+              <a:t>　</a:t>
+            </a:r>
+            <a:r>
+              <a:rPr lang="en-US" altLang="ja-JP" sz="2800" cap="all" dirty="0" smtClean="0"/>
+              <a:t>Gulp</a:t>
+            </a:r>
+          </a:p>
+          <a:p>
+            <a:pPr marL="0" indent="0">
+              <a:buNone/>
+            </a:pPr>
+            <a:r>
+              <a:rPr lang="ja-JP" altLang="en-US" sz="2800" cap="all" dirty="0"/>
+              <a:t>　</a:t>
+            </a:r>
+            <a:r>
+              <a:rPr lang="en-US" altLang="ja-JP" sz="2800" cap="all" dirty="0" smtClean="0"/>
+              <a:t>NODEJS</a:t>
+            </a:r>
+          </a:p>
+          <a:p>
+            <a:pPr marL="0" indent="0">
+              <a:buNone/>
+            </a:pPr>
+            <a:r>
+              <a:rPr lang="ja-JP" altLang="en-US" sz="2800" cap="all" dirty="0"/>
+              <a:t>　</a:t>
+            </a:r>
+            <a:r>
+              <a:rPr lang="en-US" altLang="ja-JP" sz="2800" cap="all" dirty="0" smtClean="0"/>
+              <a:t>ES2016</a:t>
+            </a:r>
+          </a:p>
+          <a:p>
+            <a:pPr marL="0" indent="0">
+              <a:buNone/>
+            </a:pPr>
+            <a:r>
+              <a:rPr lang="ja-JP" altLang="en-US" sz="2800" cap="all" dirty="0"/>
+              <a:t>　</a:t>
+            </a:r>
+            <a:r>
+              <a:rPr lang="en-US" altLang="ja-JP" sz="2800" cap="all" dirty="0" smtClean="0"/>
+              <a:t>Twitter</a:t>
+            </a:r>
+            <a:r>
+              <a:rPr lang="ja-JP" altLang="en-US" sz="2800" cap="all" dirty="0" smtClean="0"/>
+              <a:t> </a:t>
+            </a:r>
+            <a:r>
+              <a:rPr lang="en-US" altLang="ja-JP" sz="2800" cap="all" dirty="0" smtClean="0"/>
+              <a:t>Bootstrap</a:t>
+            </a:r>
+          </a:p>
+          <a:p>
+            <a:pPr marL="0" indent="0">
+              <a:buNone/>
+            </a:pPr>
+            <a:r>
+              <a:rPr lang="ja-JP" altLang="en-US" sz="2800" cap="all" dirty="0"/>
+              <a:t>　</a:t>
+            </a:r>
+            <a:r>
+              <a:rPr lang="ja-JP" altLang="en-US" sz="2800" cap="all" dirty="0" smtClean="0"/>
+              <a:t>他</a:t>
+            </a:r>
+            <a:r>
+              <a:rPr lang="en-US" altLang="ja-JP" sz="2800" cap="all" dirty="0" smtClean="0"/>
+              <a:t>…</a:t>
+            </a:r>
+          </a:p>
+        </p:txBody>
+      </p:sp>
+    </p:spTree>
+    <p:extLst>
+      <p:ext uri="{BB962C8B-B14F-4D97-AF65-F5344CB8AC3E}">
+        <p14:creationId xmlns:p14="http://schemas.microsoft.com/office/powerpoint/2010/main" val="2932337104"/>
+      </p:ext>
+    </p:extLst>
+  </p:cSld>
+  <p:clrMapOvr>
+    <a:masterClrMapping/>
+  </p:clrMapOvr>
+  <p:timing>
+    <p:tnLst>
+      <p:par>
+        <p:cTn id="1" dur="indefinite" restart="never" nodeType="tmRoot"/>
+      </p:par>
+    </p:tnLst>
+  </p:timing>
+</p:sld>
+</file>
+
+<file path=ppt/slides/slide2.xml><?xml version="1.0" encoding="utf-8"?>
+<p:sld xmlns:a="http://schemas.openxmlformats.org/drawingml/2006/main" xmlns:r="http://schemas.openxmlformats.org/officeDocument/2006/relationships" xmlns:p="http://schemas.openxmlformats.org/presentationml/2006/main">
+  <p:cSld>
+    <p:spTree>
+      <p:nvGrpSpPr>
+        <p:cNvPr id="1" name=""/>
+        <p:cNvGrpSpPr/>
+        <p:nvPr/>
+      </p:nvGrpSpPr>
+      <p:grpSpPr>
+        <a:xfrm>
+          <a:off x="0" y="0"/>
+          <a:ext cx="0" cy="0"/>
+          <a:chOff x="0" y="0"/>
+          <a:chExt cx="0" cy="0"/>
+        </a:xfrm>
+      </p:grpSpPr>
+      <p:sp>
+        <p:nvSpPr>
+          <p:cNvPr id="2" name="タイトル 1"/>
+          <p:cNvSpPr>
+            <a:spLocks noGrp="1"/>
+          </p:cNvSpPr>
+          <p:nvPr>
+            <p:ph type="title"/>
+          </p:nvPr>
+        </p:nvSpPr>
+        <p:spPr>
+          <a:xfrm>
+            <a:off x="457200" y="2857500"/>
+            <a:ext cx="8229600" cy="1143000"/>
+          </a:xfrm>
+        </p:spPr>
+        <p:txBody>
+          <a:bodyPr>
+            <a:normAutofit/>
+          </a:bodyPr>
+          <a:lstStyle/>
+          <a:p>
+            <a:r>
+              <a:rPr kumimoji="1" lang="ja-JP" altLang="en-US" sz="6000" dirty="0" smtClean="0"/>
+              <a:t>これまでの</a:t>
+            </a:r>
+            <a:r>
+              <a:rPr kumimoji="1" lang="en-US" altLang="ja-JP" sz="6000" dirty="0" smtClean="0"/>
+              <a:t>WEB</a:t>
+            </a:r>
+            <a:endParaRPr kumimoji="1" lang="ja-JP" altLang="en-US" sz="6000" dirty="0"/>
+          </a:p>
+        </p:txBody>
+      </p:sp>
+    </p:spTree>
+    <p:extLst>
+      <p:ext uri="{BB962C8B-B14F-4D97-AF65-F5344CB8AC3E}">
+        <p14:creationId xmlns:p14="http://schemas.microsoft.com/office/powerpoint/2010/main" val="1424474227"/>
+      </p:ext>
+    </p:extLst>
+  </p:cSld>
+  <p:clrMapOvr>
+    <a:masterClrMapping/>
+  </p:clrMapOvr>
+  <p:timing>
+    <p:tnLst>
+      <p:par>
+        <p:cTn id="1" dur="indefinite" restart="never" nodeType="tmRoot"/>
+      </p:par>
+    </p:tnLst>
+  </p:timing>
+</p:sld>
+</file>
+
+<file path=ppt/slides/slide3.xml><?xml version="1.0" encoding="utf-8"?>
+<p:sld xmlns:a="http://schemas.openxmlformats.org/drawingml/2006/main" xmlns:r="http://schemas.openxmlformats.org/officeDocument/2006/relationships" xmlns:p="http://schemas.openxmlformats.org/presentationml/2006/main">
+  <p:cSld>
+    <p:spTree>
+      <p:nvGrpSpPr>
+        <p:cNvPr id="1" name=""/>
+        <p:cNvGrpSpPr/>
+        <p:nvPr/>
+      </p:nvGrpSpPr>
+      <p:grpSpPr>
+        <a:xfrm>
+          <a:off x="0" y="0"/>
+          <a:ext cx="0" cy="0"/>
+          <a:chOff x="0" y="0"/>
+          <a:chExt cx="0" cy="0"/>
+        </a:xfrm>
+      </p:grpSpPr>
+      <p:sp>
+        <p:nvSpPr>
+          <p:cNvPr id="3" name="コンテンツ プレースホルダー 2"/>
+          <p:cNvSpPr>
+            <a:spLocks noGrp="1"/>
+          </p:cNvSpPr>
+          <p:nvPr>
+            <p:ph idx="4294967295"/>
+          </p:nvPr>
+        </p:nvSpPr>
+        <p:spPr>
+          <a:xfrm>
+            <a:off x="361950" y="455384"/>
+            <a:ext cx="8229600" cy="5040313"/>
+          </a:xfrm>
+          <a:prstGeom prst="rect">
+            <a:avLst/>
+          </a:prstGeom>
+        </p:spPr>
+        <p:txBody>
+          <a:bodyPr>
+            <a:normAutofit/>
+          </a:bodyPr>
+          <a:lstStyle/>
+          <a:p>
+            <a:pPr marL="0" indent="0">
+              <a:buNone/>
+            </a:pPr>
+            <a:r>
+              <a:rPr lang="ja-JP" altLang="en-US" sz="4000" dirty="0" smtClean="0">
+                <a:solidFill>
+                  <a:srgbClr val="32B490"/>
+                </a:solidFill>
+              </a:rPr>
+              <a:t>かなり昔</a:t>
+            </a:r>
+            <a:endParaRPr lang="en-US" altLang="ja-JP" sz="4000" dirty="0" smtClean="0">
+              <a:solidFill>
+                <a:srgbClr val="32B490"/>
+              </a:solidFill>
+            </a:endParaRPr>
+          </a:p>
+          <a:p>
+            <a:pPr marL="0" indent="0">
+              <a:buNone/>
+            </a:pPr>
+            <a:endParaRPr lang="en-US" altLang="ja-JP" sz="1800" dirty="0" smtClean="0">
+              <a:solidFill>
+                <a:srgbClr val="32B490"/>
+              </a:solidFill>
+            </a:endParaRPr>
+          </a:p>
+          <a:p>
+            <a:pPr marL="0" indent="0" algn="ctr">
+              <a:buNone/>
+            </a:pPr>
+            <a:r>
+              <a:rPr lang="en-US" altLang="ja-JP" sz="4000" dirty="0" smtClean="0">
+                <a:solidFill>
+                  <a:srgbClr val="32B490"/>
+                </a:solidFill>
+              </a:rPr>
+              <a:t>HTML </a:t>
+            </a:r>
+            <a:r>
+              <a:rPr lang="ja-JP" altLang="en-US" sz="4000" dirty="0" smtClean="0">
+                <a:solidFill>
+                  <a:srgbClr val="32B490"/>
+                </a:solidFill>
+              </a:rPr>
+              <a:t>→ </a:t>
+            </a:r>
+            <a:r>
+              <a:rPr lang="en-US" altLang="ja-JP" sz="4000" dirty="0" smtClean="0">
+                <a:solidFill>
+                  <a:srgbClr val="32B490"/>
+                </a:solidFill>
+              </a:rPr>
+              <a:t>HTML</a:t>
+            </a:r>
+            <a:endParaRPr lang="en-US" altLang="ja-JP" sz="4000" dirty="0" smtClean="0">
+              <a:solidFill>
+                <a:srgbClr val="32B490"/>
+              </a:solidFill>
+            </a:endParaRPr>
+          </a:p>
+        </p:txBody>
+      </p:sp>
+      <p:sp>
+        <p:nvSpPr>
+          <p:cNvPr id="48" name="正方形/長方形 47"/>
+          <p:cNvSpPr/>
+          <p:nvPr/>
+        </p:nvSpPr>
+        <p:spPr>
+          <a:xfrm>
+            <a:off x="1504950" y="3607933"/>
+            <a:ext cx="2313579" cy="2857500"/>
+          </a:xfrm>
+          <a:prstGeom prst="rect">
+            <a:avLst/>
+          </a:prstGeom>
+        </p:spPr>
+        <p:style>
+          <a:lnRef idx="2">
+            <a:schemeClr val="accent6"/>
+          </a:lnRef>
+          <a:fillRef idx="1">
+            <a:schemeClr val="lt1"/>
+          </a:fillRef>
+          <a:effectRef idx="0">
+            <a:schemeClr val="accent6"/>
+          </a:effectRef>
+          <a:fontRef idx="minor">
+            <a:schemeClr val="dk1"/>
+          </a:fontRef>
+        </p:style>
+        <p:txBody>
+          <a:bodyPr rot="0" spcFirstLastPara="0" vert="horz" wrap="square" lIns="91440" tIns="45720" rIns="91440" bIns="45720" numCol="1" spcCol="0" rtlCol="0" fromWordArt="0" anchor="t" anchorCtr="0" forceAA="0" compatLnSpc="1">
+            <a:prstTxWarp prst="textNoShape">
+              <a:avLst/>
+            </a:prstTxWarp>
+            <a:noAutofit/>
+          </a:bodyPr>
+          <a:lstStyle>
+            <a:lvl1pPr marL="0" indent="0">
+              <a:defRPr sz="1100">
+                <a:solidFill>
+                  <a:schemeClr val="dk1"/>
+                </a:solidFill>
+                <a:latin typeface="+mn-lt"/>
+                <a:ea typeface="+mn-ea"/>
+                <a:cs typeface="+mn-cs"/>
+              </a:defRPr>
+            </a:lvl1pPr>
+            <a:lvl2pPr marL="457200" indent="0">
+              <a:defRPr sz="1100">
+                <a:solidFill>
+                  <a:schemeClr val="dk1"/>
+                </a:solidFill>
+                <a:latin typeface="+mn-lt"/>
+                <a:ea typeface="+mn-ea"/>
+                <a:cs typeface="+mn-cs"/>
+              </a:defRPr>
+            </a:lvl2pPr>
+            <a:lvl3pPr marL="914400" indent="0">
+              <a:defRPr sz="1100">
+                <a:solidFill>
+                  <a:schemeClr val="dk1"/>
+                </a:solidFill>
+                <a:latin typeface="+mn-lt"/>
+                <a:ea typeface="+mn-ea"/>
+                <a:cs typeface="+mn-cs"/>
+              </a:defRPr>
+            </a:lvl3pPr>
+            <a:lvl4pPr marL="1371600" indent="0">
+              <a:defRPr sz="1100">
+                <a:solidFill>
+                  <a:schemeClr val="dk1"/>
+                </a:solidFill>
+                <a:latin typeface="+mn-lt"/>
+                <a:ea typeface="+mn-ea"/>
+                <a:cs typeface="+mn-cs"/>
+              </a:defRPr>
+            </a:lvl4pPr>
+            <a:lvl5pPr marL="1828800" indent="0">
+              <a:defRPr sz="1100">
+                <a:solidFill>
+                  <a:schemeClr val="dk1"/>
+                </a:solidFill>
+                <a:latin typeface="+mn-lt"/>
+                <a:ea typeface="+mn-ea"/>
+                <a:cs typeface="+mn-cs"/>
+              </a:defRPr>
+            </a:lvl5pPr>
+            <a:lvl6pPr marL="2286000" indent="0">
+              <a:defRPr sz="1100">
+                <a:solidFill>
+                  <a:schemeClr val="dk1"/>
+                </a:solidFill>
+                <a:latin typeface="+mn-lt"/>
+                <a:ea typeface="+mn-ea"/>
+                <a:cs typeface="+mn-cs"/>
+              </a:defRPr>
+            </a:lvl6pPr>
+            <a:lvl7pPr marL="2743200" indent="0">
+              <a:defRPr sz="1100">
+                <a:solidFill>
+                  <a:schemeClr val="dk1"/>
+                </a:solidFill>
+                <a:latin typeface="+mn-lt"/>
+                <a:ea typeface="+mn-ea"/>
+                <a:cs typeface="+mn-cs"/>
+              </a:defRPr>
+            </a:lvl7pPr>
+            <a:lvl8pPr marL="3200400" indent="0">
+              <a:defRPr sz="1100">
+                <a:solidFill>
+                  <a:schemeClr val="dk1"/>
+                </a:solidFill>
+                <a:latin typeface="+mn-lt"/>
+                <a:ea typeface="+mn-ea"/>
+                <a:cs typeface="+mn-cs"/>
+              </a:defRPr>
+            </a:lvl8pPr>
+            <a:lvl9pPr marL="3657600" indent="0">
+              <a:defRPr sz="1100">
+                <a:solidFill>
+                  <a:schemeClr val="dk1"/>
+                </a:solidFill>
+                <a:latin typeface="+mn-lt"/>
+                <a:ea typeface="+mn-ea"/>
+                <a:cs typeface="+mn-cs"/>
+              </a:defRPr>
+            </a:lvl9pPr>
+          </a:lstStyle>
+          <a:p>
+            <a:pPr algn="r"/>
+            <a:r>
+              <a:rPr kumimoji="1" lang="en-US" altLang="ja-JP" sz="1600">
+                <a:solidFill>
+                  <a:schemeClr val="bg1">
+                    <a:lumMod val="50000"/>
+                  </a:schemeClr>
+                </a:solidFill>
+              </a:rPr>
+              <a:t>HTML</a:t>
+            </a:r>
+            <a:endParaRPr kumimoji="1" lang="ja-JP" altLang="en-US" sz="1600">
+              <a:solidFill>
+                <a:schemeClr val="bg1">
+                  <a:lumMod val="50000"/>
+                </a:schemeClr>
+              </a:solidFill>
+            </a:endParaRPr>
+          </a:p>
+        </p:txBody>
+      </p:sp>
+      <p:sp>
+        <p:nvSpPr>
+          <p:cNvPr id="49" name="正方形/長方形 48"/>
+          <p:cNvSpPr/>
+          <p:nvPr/>
+        </p:nvSpPr>
+        <p:spPr>
+          <a:xfrm>
+            <a:off x="5057775" y="3598408"/>
+            <a:ext cx="2313579" cy="2857500"/>
+          </a:xfrm>
+          <a:prstGeom prst="rect">
+            <a:avLst/>
+          </a:prstGeom>
+        </p:spPr>
+        <p:style>
+          <a:lnRef idx="2">
+            <a:schemeClr val="accent6"/>
+          </a:lnRef>
+          <a:fillRef idx="1">
+            <a:schemeClr val="lt1"/>
+          </a:fillRef>
+          <a:effectRef idx="0">
+            <a:schemeClr val="accent6"/>
+          </a:effectRef>
+          <a:fontRef idx="minor">
+            <a:schemeClr val="dk1"/>
+          </a:fontRef>
+        </p:style>
+        <p:txBody>
+          <a:bodyPr rot="0" spcFirstLastPara="0" vert="horz" wrap="square" lIns="91440" tIns="45720" rIns="91440" bIns="45720" numCol="1" spcCol="0" rtlCol="0" fromWordArt="0" anchor="t" anchorCtr="0" forceAA="0" compatLnSpc="1">
+            <a:prstTxWarp prst="textNoShape">
+              <a:avLst/>
+            </a:prstTxWarp>
+            <a:noAutofit/>
+          </a:bodyPr>
+          <a:lstStyle>
+            <a:lvl1pPr marL="0" indent="0">
+              <a:defRPr sz="1100">
+                <a:solidFill>
+                  <a:schemeClr val="dk1"/>
+                </a:solidFill>
+                <a:latin typeface="+mn-lt"/>
+                <a:ea typeface="+mn-ea"/>
+                <a:cs typeface="+mn-cs"/>
+              </a:defRPr>
+            </a:lvl1pPr>
+            <a:lvl2pPr marL="457200" indent="0">
+              <a:defRPr sz="1100">
+                <a:solidFill>
+                  <a:schemeClr val="dk1"/>
+                </a:solidFill>
+                <a:latin typeface="+mn-lt"/>
+                <a:ea typeface="+mn-ea"/>
+                <a:cs typeface="+mn-cs"/>
+              </a:defRPr>
+            </a:lvl2pPr>
+            <a:lvl3pPr marL="914400" indent="0">
+              <a:defRPr sz="1100">
+                <a:solidFill>
+                  <a:schemeClr val="dk1"/>
+                </a:solidFill>
+                <a:latin typeface="+mn-lt"/>
+                <a:ea typeface="+mn-ea"/>
+                <a:cs typeface="+mn-cs"/>
+              </a:defRPr>
+            </a:lvl3pPr>
+            <a:lvl4pPr marL="1371600" indent="0">
+              <a:defRPr sz="1100">
+                <a:solidFill>
+                  <a:schemeClr val="dk1"/>
+                </a:solidFill>
+                <a:latin typeface="+mn-lt"/>
+                <a:ea typeface="+mn-ea"/>
+                <a:cs typeface="+mn-cs"/>
+              </a:defRPr>
+            </a:lvl4pPr>
+            <a:lvl5pPr marL="1828800" indent="0">
+              <a:defRPr sz="1100">
+                <a:solidFill>
+                  <a:schemeClr val="dk1"/>
+                </a:solidFill>
+                <a:latin typeface="+mn-lt"/>
+                <a:ea typeface="+mn-ea"/>
+                <a:cs typeface="+mn-cs"/>
+              </a:defRPr>
+            </a:lvl5pPr>
+            <a:lvl6pPr marL="2286000" indent="0">
+              <a:defRPr sz="1100">
+                <a:solidFill>
+                  <a:schemeClr val="dk1"/>
+                </a:solidFill>
+                <a:latin typeface="+mn-lt"/>
+                <a:ea typeface="+mn-ea"/>
+                <a:cs typeface="+mn-cs"/>
+              </a:defRPr>
+            </a:lvl6pPr>
+            <a:lvl7pPr marL="2743200" indent="0">
+              <a:defRPr sz="1100">
+                <a:solidFill>
+                  <a:schemeClr val="dk1"/>
+                </a:solidFill>
+                <a:latin typeface="+mn-lt"/>
+                <a:ea typeface="+mn-ea"/>
+                <a:cs typeface="+mn-cs"/>
+              </a:defRPr>
+            </a:lvl7pPr>
+            <a:lvl8pPr marL="3200400" indent="0">
+              <a:defRPr sz="1100">
+                <a:solidFill>
+                  <a:schemeClr val="dk1"/>
+                </a:solidFill>
+                <a:latin typeface="+mn-lt"/>
+                <a:ea typeface="+mn-ea"/>
+                <a:cs typeface="+mn-cs"/>
+              </a:defRPr>
+            </a:lvl8pPr>
+            <a:lvl9pPr marL="3657600" indent="0">
+              <a:defRPr sz="1100">
+                <a:solidFill>
+                  <a:schemeClr val="dk1"/>
+                </a:solidFill>
+                <a:latin typeface="+mn-lt"/>
+                <a:ea typeface="+mn-ea"/>
+                <a:cs typeface="+mn-cs"/>
+              </a:defRPr>
+            </a:lvl9pPr>
+          </a:lstStyle>
+          <a:p>
+            <a:pPr algn="r"/>
+            <a:r>
+              <a:rPr kumimoji="1" lang="en-US" altLang="ja-JP" sz="1600">
+                <a:solidFill>
+                  <a:schemeClr val="bg1">
+                    <a:lumMod val="50000"/>
+                  </a:schemeClr>
+                </a:solidFill>
+              </a:rPr>
+              <a:t>HTML</a:t>
+            </a:r>
+            <a:endParaRPr kumimoji="1" lang="ja-JP" altLang="en-US" sz="1600">
+              <a:solidFill>
+                <a:schemeClr val="bg1">
+                  <a:lumMod val="50000"/>
+                </a:schemeClr>
+              </a:solidFill>
+            </a:endParaRPr>
+          </a:p>
+        </p:txBody>
+      </p:sp>
+      <p:sp>
+        <p:nvSpPr>
+          <p:cNvPr id="50" name="正方形/長方形 49"/>
+          <p:cNvSpPr/>
+          <p:nvPr/>
+        </p:nvSpPr>
+        <p:spPr>
+          <a:xfrm>
+            <a:off x="1762125" y="5903457"/>
+            <a:ext cx="1784980" cy="383043"/>
+          </a:xfrm>
+          <a:prstGeom prst="rect">
+            <a:avLst/>
+          </a:prstGeom>
+        </p:spPr>
+        <p:style>
+          <a:lnRef idx="2">
+            <a:schemeClr val="accent6"/>
+          </a:lnRef>
+          <a:fillRef idx="1">
+            <a:schemeClr val="lt1"/>
+          </a:fillRef>
+          <a:effectRef idx="0">
+            <a:schemeClr val="accent6"/>
+          </a:effectRef>
+          <a:fontRef idx="minor">
+            <a:schemeClr val="dk1"/>
+          </a:fontRef>
+        </p:style>
+        <p:txBody>
+          <a:bodyPr rot="0" spcFirstLastPara="0" vert="horz" wrap="square" lIns="91440" tIns="45720" rIns="91440" bIns="45720" numCol="1" spcCol="0" rtlCol="0" fromWordArt="0" anchor="ctr" anchorCtr="0" forceAA="0" compatLnSpc="1">
+            <a:prstTxWarp prst="textNoShape">
+              <a:avLst/>
+            </a:prstTxWarp>
+            <a:noAutofit/>
+          </a:bodyPr>
+          <a:lstStyle>
+            <a:lvl1pPr marL="0" indent="0">
+              <a:defRPr sz="1100">
+                <a:solidFill>
+                  <a:schemeClr val="dk1"/>
+                </a:solidFill>
+                <a:latin typeface="+mn-lt"/>
+                <a:ea typeface="+mn-ea"/>
+                <a:cs typeface="+mn-cs"/>
+              </a:defRPr>
+            </a:lvl1pPr>
+            <a:lvl2pPr marL="457200" indent="0">
+              <a:defRPr sz="1100">
+                <a:solidFill>
+                  <a:schemeClr val="dk1"/>
+                </a:solidFill>
+                <a:latin typeface="+mn-lt"/>
+                <a:ea typeface="+mn-ea"/>
+                <a:cs typeface="+mn-cs"/>
+              </a:defRPr>
+            </a:lvl2pPr>
+            <a:lvl3pPr marL="914400" indent="0">
+              <a:defRPr sz="1100">
+                <a:solidFill>
+                  <a:schemeClr val="dk1"/>
+                </a:solidFill>
+                <a:latin typeface="+mn-lt"/>
+                <a:ea typeface="+mn-ea"/>
+                <a:cs typeface="+mn-cs"/>
+              </a:defRPr>
+            </a:lvl3pPr>
+            <a:lvl4pPr marL="1371600" indent="0">
+              <a:defRPr sz="1100">
+                <a:solidFill>
+                  <a:schemeClr val="dk1"/>
+                </a:solidFill>
+                <a:latin typeface="+mn-lt"/>
+                <a:ea typeface="+mn-ea"/>
+                <a:cs typeface="+mn-cs"/>
+              </a:defRPr>
+            </a:lvl4pPr>
+            <a:lvl5pPr marL="1828800" indent="0">
+              <a:defRPr sz="1100">
+                <a:solidFill>
+                  <a:schemeClr val="dk1"/>
+                </a:solidFill>
+                <a:latin typeface="+mn-lt"/>
+                <a:ea typeface="+mn-ea"/>
+                <a:cs typeface="+mn-cs"/>
+              </a:defRPr>
+            </a:lvl5pPr>
+            <a:lvl6pPr marL="2286000" indent="0">
+              <a:defRPr sz="1100">
+                <a:solidFill>
+                  <a:schemeClr val="dk1"/>
+                </a:solidFill>
+                <a:latin typeface="+mn-lt"/>
+                <a:ea typeface="+mn-ea"/>
+                <a:cs typeface="+mn-cs"/>
+              </a:defRPr>
+            </a:lvl6pPr>
+            <a:lvl7pPr marL="2743200" indent="0">
+              <a:defRPr sz="1100">
+                <a:solidFill>
+                  <a:schemeClr val="dk1"/>
+                </a:solidFill>
+                <a:latin typeface="+mn-lt"/>
+                <a:ea typeface="+mn-ea"/>
+                <a:cs typeface="+mn-cs"/>
+              </a:defRPr>
+            </a:lvl7pPr>
+            <a:lvl8pPr marL="3200400" indent="0">
+              <a:defRPr sz="1100">
+                <a:solidFill>
+                  <a:schemeClr val="dk1"/>
+                </a:solidFill>
+                <a:latin typeface="+mn-lt"/>
+                <a:ea typeface="+mn-ea"/>
+                <a:cs typeface="+mn-cs"/>
+              </a:defRPr>
+            </a:lvl8pPr>
+            <a:lvl9pPr marL="3657600" indent="0">
+              <a:defRPr sz="1100">
+                <a:solidFill>
+                  <a:schemeClr val="dk1"/>
+                </a:solidFill>
+                <a:latin typeface="+mn-lt"/>
+                <a:ea typeface="+mn-ea"/>
+                <a:cs typeface="+mn-cs"/>
+              </a:defRPr>
+            </a:lvl9pPr>
+          </a:lstStyle>
+          <a:p>
+            <a:pPr algn="ctr"/>
+            <a:r>
+              <a:rPr kumimoji="1" lang="ja-JP" altLang="en-US" sz="1600">
+                <a:solidFill>
+                  <a:schemeClr val="bg1">
+                    <a:lumMod val="50000"/>
+                  </a:schemeClr>
+                </a:solidFill>
+              </a:rPr>
+              <a:t>ボタン</a:t>
+            </a:r>
+            <a:r>
+              <a:rPr kumimoji="1" lang="en-US" altLang="ja-JP" sz="1600">
+                <a:solidFill>
+                  <a:schemeClr val="bg1">
+                    <a:lumMod val="50000"/>
+                  </a:schemeClr>
+                </a:solidFill>
+              </a:rPr>
+              <a:t>1</a:t>
+            </a:r>
+            <a:endParaRPr kumimoji="1" lang="ja-JP" altLang="en-US" sz="1600">
+              <a:solidFill>
+                <a:schemeClr val="bg1">
+                  <a:lumMod val="50000"/>
+                </a:schemeClr>
+              </a:solidFill>
+            </a:endParaRPr>
+          </a:p>
+        </p:txBody>
+      </p:sp>
+      <p:sp>
+        <p:nvSpPr>
+          <p:cNvPr id="51" name="正方形/長方形 50"/>
+          <p:cNvSpPr/>
+          <p:nvPr/>
+        </p:nvSpPr>
+        <p:spPr>
+          <a:xfrm>
+            <a:off x="1771650" y="4227057"/>
+            <a:ext cx="1784980" cy="1571906"/>
+          </a:xfrm>
+          <a:prstGeom prst="rect">
+            <a:avLst/>
+          </a:prstGeom>
+        </p:spPr>
+        <p:style>
+          <a:lnRef idx="2">
+            <a:schemeClr val="accent6"/>
+          </a:lnRef>
+          <a:fillRef idx="1">
+            <a:schemeClr val="lt1"/>
+          </a:fillRef>
+          <a:effectRef idx="0">
+            <a:schemeClr val="accent6"/>
+          </a:effectRef>
+          <a:fontRef idx="minor">
+            <a:schemeClr val="dk1"/>
+          </a:fontRef>
+        </p:style>
+        <p:txBody>
+          <a:bodyPr rot="0" spcFirstLastPara="0" vert="horz" wrap="square" lIns="91440" tIns="45720" rIns="91440" bIns="45720" numCol="1" spcCol="0" rtlCol="0" fromWordArt="0" anchor="ctr" anchorCtr="0" forceAA="0" compatLnSpc="1">
+            <a:prstTxWarp prst="textNoShape">
+              <a:avLst/>
+            </a:prstTxWarp>
+            <a:noAutofit/>
+          </a:bodyPr>
+          <a:lstStyle>
+            <a:lvl1pPr marL="0" indent="0">
+              <a:defRPr sz="1100">
+                <a:solidFill>
+                  <a:schemeClr val="dk1"/>
+                </a:solidFill>
+                <a:latin typeface="+mn-lt"/>
+                <a:ea typeface="+mn-ea"/>
+                <a:cs typeface="+mn-cs"/>
+              </a:defRPr>
+            </a:lvl1pPr>
+            <a:lvl2pPr marL="457200" indent="0">
+              <a:defRPr sz="1100">
+                <a:solidFill>
+                  <a:schemeClr val="dk1"/>
+                </a:solidFill>
+                <a:latin typeface="+mn-lt"/>
+                <a:ea typeface="+mn-ea"/>
+                <a:cs typeface="+mn-cs"/>
+              </a:defRPr>
+            </a:lvl2pPr>
+            <a:lvl3pPr marL="914400" indent="0">
+              <a:defRPr sz="1100">
+                <a:solidFill>
+                  <a:schemeClr val="dk1"/>
+                </a:solidFill>
+                <a:latin typeface="+mn-lt"/>
+                <a:ea typeface="+mn-ea"/>
+                <a:cs typeface="+mn-cs"/>
+              </a:defRPr>
+            </a:lvl3pPr>
+            <a:lvl4pPr marL="1371600" indent="0">
+              <a:defRPr sz="1100">
+                <a:solidFill>
+                  <a:schemeClr val="dk1"/>
+                </a:solidFill>
+                <a:latin typeface="+mn-lt"/>
+                <a:ea typeface="+mn-ea"/>
+                <a:cs typeface="+mn-cs"/>
+              </a:defRPr>
+            </a:lvl4pPr>
+            <a:lvl5pPr marL="1828800" indent="0">
+              <a:defRPr sz="1100">
+                <a:solidFill>
+                  <a:schemeClr val="dk1"/>
+                </a:solidFill>
+                <a:latin typeface="+mn-lt"/>
+                <a:ea typeface="+mn-ea"/>
+                <a:cs typeface="+mn-cs"/>
+              </a:defRPr>
+            </a:lvl5pPr>
+            <a:lvl6pPr marL="2286000" indent="0">
+              <a:defRPr sz="1100">
+                <a:solidFill>
+                  <a:schemeClr val="dk1"/>
+                </a:solidFill>
+                <a:latin typeface="+mn-lt"/>
+                <a:ea typeface="+mn-ea"/>
+                <a:cs typeface="+mn-cs"/>
+              </a:defRPr>
+            </a:lvl6pPr>
+            <a:lvl7pPr marL="2743200" indent="0">
+              <a:defRPr sz="1100">
+                <a:solidFill>
+                  <a:schemeClr val="dk1"/>
+                </a:solidFill>
+                <a:latin typeface="+mn-lt"/>
+                <a:ea typeface="+mn-ea"/>
+                <a:cs typeface="+mn-cs"/>
+              </a:defRPr>
+            </a:lvl7pPr>
+            <a:lvl8pPr marL="3200400" indent="0">
+              <a:defRPr sz="1100">
+                <a:solidFill>
+                  <a:schemeClr val="dk1"/>
+                </a:solidFill>
+                <a:latin typeface="+mn-lt"/>
+                <a:ea typeface="+mn-ea"/>
+                <a:cs typeface="+mn-cs"/>
+              </a:defRPr>
+            </a:lvl8pPr>
+            <a:lvl9pPr marL="3657600" indent="0">
+              <a:defRPr sz="1100">
+                <a:solidFill>
+                  <a:schemeClr val="dk1"/>
+                </a:solidFill>
+                <a:latin typeface="+mn-lt"/>
+                <a:ea typeface="+mn-ea"/>
+                <a:cs typeface="+mn-cs"/>
+              </a:defRPr>
+            </a:lvl9pPr>
+          </a:lstStyle>
+          <a:p>
+            <a:pPr algn="ctr"/>
+            <a:r>
+              <a:rPr kumimoji="1" lang="ja-JP" altLang="en-US" sz="1600">
+                <a:solidFill>
+                  <a:schemeClr val="bg1">
+                    <a:lumMod val="50000"/>
+                  </a:schemeClr>
+                </a:solidFill>
+              </a:rPr>
+              <a:t>コンテンツ</a:t>
+            </a:r>
+            <a:r>
+              <a:rPr kumimoji="1" lang="en-US" altLang="ja-JP" sz="1600">
+                <a:solidFill>
+                  <a:schemeClr val="bg1">
+                    <a:lumMod val="50000"/>
+                  </a:schemeClr>
+                </a:solidFill>
+              </a:rPr>
+              <a:t>A</a:t>
+            </a:r>
+            <a:endParaRPr kumimoji="1" lang="ja-JP" altLang="en-US" sz="1600">
+              <a:solidFill>
+                <a:schemeClr val="bg1">
+                  <a:lumMod val="50000"/>
+                </a:schemeClr>
+              </a:solidFill>
+            </a:endParaRPr>
+          </a:p>
+        </p:txBody>
+      </p:sp>
+      <p:sp>
+        <p:nvSpPr>
+          <p:cNvPr id="52" name="正方形/長方形 51"/>
+          <p:cNvSpPr/>
+          <p:nvPr/>
+        </p:nvSpPr>
+        <p:spPr>
+          <a:xfrm>
+            <a:off x="5353050" y="4217532"/>
+            <a:ext cx="1784980" cy="1581150"/>
+          </a:xfrm>
+          <a:prstGeom prst="rect">
+            <a:avLst/>
+          </a:prstGeom>
+        </p:spPr>
+        <p:style>
+          <a:lnRef idx="2">
+            <a:schemeClr val="accent6"/>
+          </a:lnRef>
+          <a:fillRef idx="1">
+            <a:schemeClr val="lt1"/>
+          </a:fillRef>
+          <a:effectRef idx="0">
+            <a:schemeClr val="accent6"/>
+          </a:effectRef>
+          <a:fontRef idx="minor">
+            <a:schemeClr val="dk1"/>
+          </a:fontRef>
+        </p:style>
+        <p:txBody>
+          <a:bodyPr rot="0" spcFirstLastPara="0" vert="horz" wrap="square" lIns="91440" tIns="45720" rIns="91440" bIns="45720" numCol="1" spcCol="0" rtlCol="0" fromWordArt="0" anchor="ctr" anchorCtr="0" forceAA="0" compatLnSpc="1">
+            <a:prstTxWarp prst="textNoShape">
+              <a:avLst/>
+            </a:prstTxWarp>
+            <a:noAutofit/>
+          </a:bodyPr>
+          <a:lstStyle>
+            <a:lvl1pPr marL="0" indent="0">
+              <a:defRPr sz="1100">
+                <a:solidFill>
+                  <a:schemeClr val="dk1"/>
+                </a:solidFill>
+                <a:latin typeface="+mn-lt"/>
+                <a:ea typeface="+mn-ea"/>
+                <a:cs typeface="+mn-cs"/>
+              </a:defRPr>
+            </a:lvl1pPr>
+            <a:lvl2pPr marL="457200" indent="0">
+              <a:defRPr sz="1100">
+                <a:solidFill>
+                  <a:schemeClr val="dk1"/>
+                </a:solidFill>
+                <a:latin typeface="+mn-lt"/>
+                <a:ea typeface="+mn-ea"/>
+                <a:cs typeface="+mn-cs"/>
+              </a:defRPr>
+            </a:lvl2pPr>
+            <a:lvl3pPr marL="914400" indent="0">
+              <a:defRPr sz="1100">
+                <a:solidFill>
+                  <a:schemeClr val="dk1"/>
+                </a:solidFill>
+                <a:latin typeface="+mn-lt"/>
+                <a:ea typeface="+mn-ea"/>
+                <a:cs typeface="+mn-cs"/>
+              </a:defRPr>
+            </a:lvl3pPr>
+            <a:lvl4pPr marL="1371600" indent="0">
+              <a:defRPr sz="1100">
+                <a:solidFill>
+                  <a:schemeClr val="dk1"/>
+                </a:solidFill>
+                <a:latin typeface="+mn-lt"/>
+                <a:ea typeface="+mn-ea"/>
+                <a:cs typeface="+mn-cs"/>
+              </a:defRPr>
+            </a:lvl4pPr>
+            <a:lvl5pPr marL="1828800" indent="0">
+              <a:defRPr sz="1100">
+                <a:solidFill>
+                  <a:schemeClr val="dk1"/>
+                </a:solidFill>
+                <a:latin typeface="+mn-lt"/>
+                <a:ea typeface="+mn-ea"/>
+                <a:cs typeface="+mn-cs"/>
+              </a:defRPr>
+            </a:lvl5pPr>
+            <a:lvl6pPr marL="2286000" indent="0">
+              <a:defRPr sz="1100">
+                <a:solidFill>
+                  <a:schemeClr val="dk1"/>
+                </a:solidFill>
+                <a:latin typeface="+mn-lt"/>
+                <a:ea typeface="+mn-ea"/>
+                <a:cs typeface="+mn-cs"/>
+              </a:defRPr>
+            </a:lvl6pPr>
+            <a:lvl7pPr marL="2743200" indent="0">
+              <a:defRPr sz="1100">
+                <a:solidFill>
+                  <a:schemeClr val="dk1"/>
+                </a:solidFill>
+                <a:latin typeface="+mn-lt"/>
+                <a:ea typeface="+mn-ea"/>
+                <a:cs typeface="+mn-cs"/>
+              </a:defRPr>
+            </a:lvl7pPr>
+            <a:lvl8pPr marL="3200400" indent="0">
+              <a:defRPr sz="1100">
+                <a:solidFill>
+                  <a:schemeClr val="dk1"/>
+                </a:solidFill>
+                <a:latin typeface="+mn-lt"/>
+                <a:ea typeface="+mn-ea"/>
+                <a:cs typeface="+mn-cs"/>
+              </a:defRPr>
+            </a:lvl8pPr>
+            <a:lvl9pPr marL="3657600" indent="0">
+              <a:defRPr sz="1100">
+                <a:solidFill>
+                  <a:schemeClr val="dk1"/>
+                </a:solidFill>
+                <a:latin typeface="+mn-lt"/>
+                <a:ea typeface="+mn-ea"/>
+                <a:cs typeface="+mn-cs"/>
+              </a:defRPr>
+            </a:lvl9pPr>
+          </a:lstStyle>
+          <a:p>
+            <a:pPr algn="ctr"/>
+            <a:r>
+              <a:rPr kumimoji="1" lang="ja-JP" altLang="en-US" sz="1600">
+                <a:solidFill>
+                  <a:schemeClr val="bg1">
+                    <a:lumMod val="50000"/>
+                  </a:schemeClr>
+                </a:solidFill>
+              </a:rPr>
+              <a:t>コンテンツ</a:t>
+            </a:r>
+            <a:r>
+              <a:rPr kumimoji="1" lang="en-US" altLang="ja-JP" sz="1600">
+                <a:solidFill>
+                  <a:schemeClr val="bg1">
+                    <a:lumMod val="50000"/>
+                  </a:schemeClr>
+                </a:solidFill>
+              </a:rPr>
+              <a:t>B</a:t>
+            </a:r>
+            <a:endParaRPr kumimoji="1" lang="ja-JP" altLang="en-US" sz="1600">
+              <a:solidFill>
+                <a:schemeClr val="bg1">
+                  <a:lumMod val="50000"/>
+                </a:schemeClr>
+              </a:solidFill>
+            </a:endParaRPr>
+          </a:p>
+        </p:txBody>
+      </p:sp>
+      <p:sp>
+        <p:nvSpPr>
+          <p:cNvPr id="53" name="右矢印 52"/>
+          <p:cNvSpPr/>
+          <p:nvPr/>
+        </p:nvSpPr>
+        <p:spPr>
+          <a:xfrm rot="18900000">
+            <a:off x="3486737" y="3123365"/>
+            <a:ext cx="314096" cy="344739"/>
+          </a:xfrm>
+          <a:prstGeom prst="rightArrow">
+            <a:avLst/>
+          </a:prstGeom>
+        </p:spPr>
+        <p:style>
+          <a:lnRef idx="2">
+            <a:schemeClr val="accent4"/>
+          </a:lnRef>
+          <a:fillRef idx="1">
+            <a:schemeClr val="lt1"/>
+          </a:fillRef>
+          <a:effectRef idx="0">
+            <a:schemeClr val="accent4"/>
+          </a:effectRef>
+          <a:fontRef idx="minor">
+            <a:schemeClr val="dk1"/>
+          </a:fontRef>
+        </p:style>
+        <p:txBody>
+          <a:bodyPr rot="0" spcFirstLastPara="0" vert="horz" wrap="square" lIns="91440" tIns="45720" rIns="91440" bIns="45720" numCol="1" spcCol="0" rtlCol="0" fromWordArt="0" anchor="t" anchorCtr="0" forceAA="0" compatLnSpc="1">
+            <a:prstTxWarp prst="textNoShape">
+              <a:avLst/>
+            </a:prstTxWarp>
+            <a:noAutofit/>
+          </a:bodyPr>
+          <a:lstStyle>
+            <a:lvl1pPr marL="0" indent="0">
+              <a:defRPr sz="1100">
+                <a:solidFill>
+                  <a:schemeClr val="dk1"/>
+                </a:solidFill>
+                <a:latin typeface="+mn-lt"/>
+                <a:ea typeface="+mn-ea"/>
+                <a:cs typeface="+mn-cs"/>
+              </a:defRPr>
+            </a:lvl1pPr>
+            <a:lvl2pPr marL="457200" indent="0">
+              <a:defRPr sz="1100">
+                <a:solidFill>
+                  <a:schemeClr val="dk1"/>
+                </a:solidFill>
+                <a:latin typeface="+mn-lt"/>
+                <a:ea typeface="+mn-ea"/>
+                <a:cs typeface="+mn-cs"/>
+              </a:defRPr>
+            </a:lvl2pPr>
+            <a:lvl3pPr marL="914400" indent="0">
+              <a:defRPr sz="1100">
+                <a:solidFill>
+                  <a:schemeClr val="dk1"/>
+                </a:solidFill>
+                <a:latin typeface="+mn-lt"/>
+                <a:ea typeface="+mn-ea"/>
+                <a:cs typeface="+mn-cs"/>
+              </a:defRPr>
+            </a:lvl3pPr>
+            <a:lvl4pPr marL="1371600" indent="0">
+              <a:defRPr sz="1100">
+                <a:solidFill>
+                  <a:schemeClr val="dk1"/>
+                </a:solidFill>
+                <a:latin typeface="+mn-lt"/>
+                <a:ea typeface="+mn-ea"/>
+                <a:cs typeface="+mn-cs"/>
+              </a:defRPr>
+            </a:lvl4pPr>
+            <a:lvl5pPr marL="1828800" indent="0">
+              <a:defRPr sz="1100">
+                <a:solidFill>
+                  <a:schemeClr val="dk1"/>
+                </a:solidFill>
+                <a:latin typeface="+mn-lt"/>
+                <a:ea typeface="+mn-ea"/>
+                <a:cs typeface="+mn-cs"/>
+              </a:defRPr>
+            </a:lvl5pPr>
+            <a:lvl6pPr marL="2286000" indent="0">
+              <a:defRPr sz="1100">
+                <a:solidFill>
+                  <a:schemeClr val="dk1"/>
+                </a:solidFill>
+                <a:latin typeface="+mn-lt"/>
+                <a:ea typeface="+mn-ea"/>
+                <a:cs typeface="+mn-cs"/>
+              </a:defRPr>
+            </a:lvl6pPr>
+            <a:lvl7pPr marL="2743200" indent="0">
+              <a:defRPr sz="1100">
+                <a:solidFill>
+                  <a:schemeClr val="dk1"/>
+                </a:solidFill>
+                <a:latin typeface="+mn-lt"/>
+                <a:ea typeface="+mn-ea"/>
+                <a:cs typeface="+mn-cs"/>
+              </a:defRPr>
+            </a:lvl7pPr>
+            <a:lvl8pPr marL="3200400" indent="0">
+              <a:defRPr sz="1100">
+                <a:solidFill>
+                  <a:schemeClr val="dk1"/>
+                </a:solidFill>
+                <a:latin typeface="+mn-lt"/>
+                <a:ea typeface="+mn-ea"/>
+                <a:cs typeface="+mn-cs"/>
+              </a:defRPr>
+            </a:lvl8pPr>
+            <a:lvl9pPr marL="3657600" indent="0">
+              <a:defRPr sz="1100">
+                <a:solidFill>
+                  <a:schemeClr val="dk1"/>
+                </a:solidFill>
+                <a:latin typeface="+mn-lt"/>
+                <a:ea typeface="+mn-ea"/>
+                <a:cs typeface="+mn-cs"/>
+              </a:defRPr>
+            </a:lvl9pPr>
+          </a:lstStyle>
+          <a:p>
+            <a:pPr algn="l"/>
+            <a:endParaRPr kumimoji="1" lang="ja-JP" altLang="en-US" sz="1100"/>
+          </a:p>
+        </p:txBody>
+      </p:sp>
+      <p:sp>
+        <p:nvSpPr>
+          <p:cNvPr id="54" name="正方形/長方形 53"/>
+          <p:cNvSpPr/>
+          <p:nvPr/>
+        </p:nvSpPr>
+        <p:spPr>
+          <a:xfrm>
+            <a:off x="3590925" y="2607807"/>
+            <a:ext cx="1784980" cy="383043"/>
+          </a:xfrm>
+          <a:prstGeom prst="rect">
+            <a:avLst/>
+          </a:prstGeom>
+        </p:spPr>
+        <p:style>
+          <a:lnRef idx="2">
+            <a:schemeClr val="accent6"/>
+          </a:lnRef>
+          <a:fillRef idx="1">
+            <a:schemeClr val="lt1"/>
+          </a:fillRef>
+          <a:effectRef idx="0">
+            <a:schemeClr val="accent6"/>
+          </a:effectRef>
+          <a:fontRef idx="minor">
+            <a:schemeClr val="dk1"/>
+          </a:fontRef>
+        </p:style>
+        <p:txBody>
+          <a:bodyPr rot="0" spcFirstLastPara="0" vert="horz" wrap="square" lIns="91440" tIns="45720" rIns="91440" bIns="45720" numCol="1" spcCol="0" rtlCol="0" fromWordArt="0" anchor="ctr" anchorCtr="0" forceAA="0" compatLnSpc="1">
+            <a:prstTxWarp prst="textNoShape">
+              <a:avLst/>
+            </a:prstTxWarp>
+            <a:noAutofit/>
+          </a:bodyPr>
+          <a:lstStyle>
+            <a:lvl1pPr marL="0" indent="0">
+              <a:defRPr sz="1100">
+                <a:solidFill>
+                  <a:schemeClr val="dk1"/>
+                </a:solidFill>
+                <a:latin typeface="+mn-lt"/>
+                <a:ea typeface="+mn-ea"/>
+                <a:cs typeface="+mn-cs"/>
+              </a:defRPr>
+            </a:lvl1pPr>
+            <a:lvl2pPr marL="457200" indent="0">
+              <a:defRPr sz="1100">
+                <a:solidFill>
+                  <a:schemeClr val="dk1"/>
+                </a:solidFill>
+                <a:latin typeface="+mn-lt"/>
+                <a:ea typeface="+mn-ea"/>
+                <a:cs typeface="+mn-cs"/>
+              </a:defRPr>
+            </a:lvl2pPr>
+            <a:lvl3pPr marL="914400" indent="0">
+              <a:defRPr sz="1100">
+                <a:solidFill>
+                  <a:schemeClr val="dk1"/>
+                </a:solidFill>
+                <a:latin typeface="+mn-lt"/>
+                <a:ea typeface="+mn-ea"/>
+                <a:cs typeface="+mn-cs"/>
+              </a:defRPr>
+            </a:lvl3pPr>
+            <a:lvl4pPr marL="1371600" indent="0">
+              <a:defRPr sz="1100">
+                <a:solidFill>
+                  <a:schemeClr val="dk1"/>
+                </a:solidFill>
+                <a:latin typeface="+mn-lt"/>
+                <a:ea typeface="+mn-ea"/>
+                <a:cs typeface="+mn-cs"/>
+              </a:defRPr>
+            </a:lvl4pPr>
+            <a:lvl5pPr marL="1828800" indent="0">
+              <a:defRPr sz="1100">
+                <a:solidFill>
+                  <a:schemeClr val="dk1"/>
+                </a:solidFill>
+                <a:latin typeface="+mn-lt"/>
+                <a:ea typeface="+mn-ea"/>
+                <a:cs typeface="+mn-cs"/>
+              </a:defRPr>
+            </a:lvl5pPr>
+            <a:lvl6pPr marL="2286000" indent="0">
+              <a:defRPr sz="1100">
+                <a:solidFill>
+                  <a:schemeClr val="dk1"/>
+                </a:solidFill>
+                <a:latin typeface="+mn-lt"/>
+                <a:ea typeface="+mn-ea"/>
+                <a:cs typeface="+mn-cs"/>
+              </a:defRPr>
+            </a:lvl6pPr>
+            <a:lvl7pPr marL="2743200" indent="0">
+              <a:defRPr sz="1100">
+                <a:solidFill>
+                  <a:schemeClr val="dk1"/>
+                </a:solidFill>
+                <a:latin typeface="+mn-lt"/>
+                <a:ea typeface="+mn-ea"/>
+                <a:cs typeface="+mn-cs"/>
+              </a:defRPr>
+            </a:lvl7pPr>
+            <a:lvl8pPr marL="3200400" indent="0">
+              <a:defRPr sz="1100">
+                <a:solidFill>
+                  <a:schemeClr val="dk1"/>
+                </a:solidFill>
+                <a:latin typeface="+mn-lt"/>
+                <a:ea typeface="+mn-ea"/>
+                <a:cs typeface="+mn-cs"/>
+              </a:defRPr>
+            </a:lvl8pPr>
+            <a:lvl9pPr marL="3657600" indent="0">
+              <a:defRPr sz="1100">
+                <a:solidFill>
+                  <a:schemeClr val="dk1"/>
+                </a:solidFill>
+                <a:latin typeface="+mn-lt"/>
+                <a:ea typeface="+mn-ea"/>
+                <a:cs typeface="+mn-cs"/>
+              </a:defRPr>
+            </a:lvl9pPr>
+          </a:lstStyle>
+          <a:p>
+            <a:pPr algn="ctr"/>
+            <a:r>
+              <a:rPr kumimoji="1" lang="ja-JP" altLang="en-US" sz="1600">
+                <a:solidFill>
+                  <a:schemeClr val="bg1">
+                    <a:lumMod val="50000"/>
+                  </a:schemeClr>
+                </a:solidFill>
+              </a:rPr>
+              <a:t>サーバ</a:t>
+            </a:r>
+          </a:p>
+        </p:txBody>
+      </p:sp>
+      <p:sp>
+        <p:nvSpPr>
+          <p:cNvPr id="55" name="右矢印 54"/>
+          <p:cNvSpPr/>
+          <p:nvPr/>
+        </p:nvSpPr>
+        <p:spPr>
+          <a:xfrm rot="3600000">
+            <a:off x="5088182" y="3161503"/>
+            <a:ext cx="314095" cy="344738"/>
+          </a:xfrm>
+          <a:prstGeom prst="rightArrow">
+            <a:avLst/>
+          </a:prstGeom>
+        </p:spPr>
+        <p:style>
+          <a:lnRef idx="2">
+            <a:schemeClr val="accent4"/>
+          </a:lnRef>
+          <a:fillRef idx="1">
+            <a:schemeClr val="lt1"/>
+          </a:fillRef>
+          <a:effectRef idx="0">
+            <a:schemeClr val="accent4"/>
+          </a:effectRef>
+          <a:fontRef idx="minor">
+            <a:schemeClr val="dk1"/>
+          </a:fontRef>
+        </p:style>
+        <p:txBody>
+          <a:bodyPr rot="0" spcFirstLastPara="0" vert="horz" wrap="square" lIns="91440" tIns="45720" rIns="91440" bIns="45720" numCol="1" spcCol="0" rtlCol="0" fromWordArt="0" anchor="t" anchorCtr="0" forceAA="0" compatLnSpc="1">
+            <a:prstTxWarp prst="textNoShape">
+              <a:avLst/>
+            </a:prstTxWarp>
+            <a:noAutofit/>
+          </a:bodyPr>
+          <a:lstStyle>
+            <a:lvl1pPr marL="0" indent="0">
+              <a:defRPr sz="1100">
+                <a:solidFill>
+                  <a:schemeClr val="dk1"/>
+                </a:solidFill>
+                <a:latin typeface="+mn-lt"/>
+                <a:ea typeface="+mn-ea"/>
+                <a:cs typeface="+mn-cs"/>
+              </a:defRPr>
+            </a:lvl1pPr>
+            <a:lvl2pPr marL="457200" indent="0">
+              <a:defRPr sz="1100">
+                <a:solidFill>
+                  <a:schemeClr val="dk1"/>
+                </a:solidFill>
+                <a:latin typeface="+mn-lt"/>
+                <a:ea typeface="+mn-ea"/>
+                <a:cs typeface="+mn-cs"/>
+              </a:defRPr>
+            </a:lvl2pPr>
+            <a:lvl3pPr marL="914400" indent="0">
+              <a:defRPr sz="1100">
+                <a:solidFill>
+                  <a:schemeClr val="dk1"/>
+                </a:solidFill>
+                <a:latin typeface="+mn-lt"/>
+                <a:ea typeface="+mn-ea"/>
+                <a:cs typeface="+mn-cs"/>
+              </a:defRPr>
+            </a:lvl3pPr>
+            <a:lvl4pPr marL="1371600" indent="0">
+              <a:defRPr sz="1100">
+                <a:solidFill>
+                  <a:schemeClr val="dk1"/>
+                </a:solidFill>
+                <a:latin typeface="+mn-lt"/>
+                <a:ea typeface="+mn-ea"/>
+                <a:cs typeface="+mn-cs"/>
+              </a:defRPr>
+            </a:lvl4pPr>
+            <a:lvl5pPr marL="1828800" indent="0">
+              <a:defRPr sz="1100">
+                <a:solidFill>
+                  <a:schemeClr val="dk1"/>
+                </a:solidFill>
+                <a:latin typeface="+mn-lt"/>
+                <a:ea typeface="+mn-ea"/>
+                <a:cs typeface="+mn-cs"/>
+              </a:defRPr>
+            </a:lvl5pPr>
+            <a:lvl6pPr marL="2286000" indent="0">
+              <a:defRPr sz="1100">
+                <a:solidFill>
+                  <a:schemeClr val="dk1"/>
+                </a:solidFill>
+                <a:latin typeface="+mn-lt"/>
+                <a:ea typeface="+mn-ea"/>
+                <a:cs typeface="+mn-cs"/>
+              </a:defRPr>
+            </a:lvl6pPr>
+            <a:lvl7pPr marL="2743200" indent="0">
+              <a:defRPr sz="1100">
+                <a:solidFill>
+                  <a:schemeClr val="dk1"/>
+                </a:solidFill>
+                <a:latin typeface="+mn-lt"/>
+                <a:ea typeface="+mn-ea"/>
+                <a:cs typeface="+mn-cs"/>
+              </a:defRPr>
+            </a:lvl7pPr>
+            <a:lvl8pPr marL="3200400" indent="0">
+              <a:defRPr sz="1100">
+                <a:solidFill>
+                  <a:schemeClr val="dk1"/>
+                </a:solidFill>
+                <a:latin typeface="+mn-lt"/>
+                <a:ea typeface="+mn-ea"/>
+                <a:cs typeface="+mn-cs"/>
+              </a:defRPr>
+            </a:lvl8pPr>
+            <a:lvl9pPr marL="3657600" indent="0">
+              <a:defRPr sz="1100">
+                <a:solidFill>
+                  <a:schemeClr val="dk1"/>
+                </a:solidFill>
+                <a:latin typeface="+mn-lt"/>
+                <a:ea typeface="+mn-ea"/>
+                <a:cs typeface="+mn-cs"/>
+              </a:defRPr>
+            </a:lvl9pPr>
+          </a:lstStyle>
+          <a:p>
+            <a:pPr algn="l"/>
+            <a:endParaRPr kumimoji="1" lang="ja-JP" altLang="en-US" sz="1100"/>
+          </a:p>
+        </p:txBody>
+      </p:sp>
+      <p:sp>
+        <p:nvSpPr>
+          <p:cNvPr id="56" name="正方形/長方形 55"/>
+          <p:cNvSpPr/>
+          <p:nvPr/>
+        </p:nvSpPr>
+        <p:spPr>
+          <a:xfrm>
+            <a:off x="5353050" y="5922507"/>
+            <a:ext cx="1784980" cy="383043"/>
+          </a:xfrm>
+          <a:prstGeom prst="rect">
+            <a:avLst/>
+          </a:prstGeom>
+        </p:spPr>
+        <p:style>
+          <a:lnRef idx="2">
+            <a:schemeClr val="accent6"/>
+          </a:lnRef>
+          <a:fillRef idx="1">
+            <a:schemeClr val="lt1"/>
+          </a:fillRef>
+          <a:effectRef idx="0">
+            <a:schemeClr val="accent6"/>
+          </a:effectRef>
+          <a:fontRef idx="minor">
+            <a:schemeClr val="dk1"/>
+          </a:fontRef>
+        </p:style>
+        <p:txBody>
+          <a:bodyPr rot="0" spcFirstLastPara="0" vert="horz" wrap="square" lIns="91440" tIns="45720" rIns="91440" bIns="45720" numCol="1" spcCol="0" rtlCol="0" fromWordArt="0" anchor="ctr" anchorCtr="0" forceAA="0" compatLnSpc="1">
+            <a:prstTxWarp prst="textNoShape">
+              <a:avLst/>
+            </a:prstTxWarp>
+            <a:noAutofit/>
+          </a:bodyPr>
+          <a:lstStyle>
+            <a:lvl1pPr marL="0" indent="0">
+              <a:defRPr sz="1100">
+                <a:solidFill>
+                  <a:schemeClr val="dk1"/>
+                </a:solidFill>
+                <a:latin typeface="+mn-lt"/>
+                <a:ea typeface="+mn-ea"/>
+                <a:cs typeface="+mn-cs"/>
+              </a:defRPr>
+            </a:lvl1pPr>
+            <a:lvl2pPr marL="457200" indent="0">
+              <a:defRPr sz="1100">
+                <a:solidFill>
+                  <a:schemeClr val="dk1"/>
+                </a:solidFill>
+                <a:latin typeface="+mn-lt"/>
+                <a:ea typeface="+mn-ea"/>
+                <a:cs typeface="+mn-cs"/>
+              </a:defRPr>
+            </a:lvl2pPr>
+            <a:lvl3pPr marL="914400" indent="0">
+              <a:defRPr sz="1100">
+                <a:solidFill>
+                  <a:schemeClr val="dk1"/>
+                </a:solidFill>
+                <a:latin typeface="+mn-lt"/>
+                <a:ea typeface="+mn-ea"/>
+                <a:cs typeface="+mn-cs"/>
+              </a:defRPr>
+            </a:lvl3pPr>
+            <a:lvl4pPr marL="1371600" indent="0">
+              <a:defRPr sz="1100">
+                <a:solidFill>
+                  <a:schemeClr val="dk1"/>
+                </a:solidFill>
+                <a:latin typeface="+mn-lt"/>
+                <a:ea typeface="+mn-ea"/>
+                <a:cs typeface="+mn-cs"/>
+              </a:defRPr>
+            </a:lvl4pPr>
+            <a:lvl5pPr marL="1828800" indent="0">
+              <a:defRPr sz="1100">
+                <a:solidFill>
+                  <a:schemeClr val="dk1"/>
+                </a:solidFill>
+                <a:latin typeface="+mn-lt"/>
+                <a:ea typeface="+mn-ea"/>
+                <a:cs typeface="+mn-cs"/>
+              </a:defRPr>
+            </a:lvl5pPr>
+            <a:lvl6pPr marL="2286000" indent="0">
+              <a:defRPr sz="1100">
+                <a:solidFill>
+                  <a:schemeClr val="dk1"/>
+                </a:solidFill>
+                <a:latin typeface="+mn-lt"/>
+                <a:ea typeface="+mn-ea"/>
+                <a:cs typeface="+mn-cs"/>
+              </a:defRPr>
+            </a:lvl6pPr>
+            <a:lvl7pPr marL="2743200" indent="0">
+              <a:defRPr sz="1100">
+                <a:solidFill>
+                  <a:schemeClr val="dk1"/>
+                </a:solidFill>
+                <a:latin typeface="+mn-lt"/>
+                <a:ea typeface="+mn-ea"/>
+                <a:cs typeface="+mn-cs"/>
+              </a:defRPr>
+            </a:lvl7pPr>
+            <a:lvl8pPr marL="3200400" indent="0">
+              <a:defRPr sz="1100">
+                <a:solidFill>
+                  <a:schemeClr val="dk1"/>
+                </a:solidFill>
+                <a:latin typeface="+mn-lt"/>
+                <a:ea typeface="+mn-ea"/>
+                <a:cs typeface="+mn-cs"/>
+              </a:defRPr>
+            </a:lvl8pPr>
+            <a:lvl9pPr marL="3657600" indent="0">
+              <a:defRPr sz="1100">
+                <a:solidFill>
+                  <a:schemeClr val="dk1"/>
+                </a:solidFill>
+                <a:latin typeface="+mn-lt"/>
+                <a:ea typeface="+mn-ea"/>
+                <a:cs typeface="+mn-cs"/>
+              </a:defRPr>
+            </a:lvl9pPr>
+          </a:lstStyle>
+          <a:p>
+            <a:pPr algn="ctr"/>
+            <a:r>
+              <a:rPr kumimoji="1" lang="ja-JP" altLang="en-US" sz="1600">
+                <a:solidFill>
+                  <a:schemeClr val="bg1">
+                    <a:lumMod val="50000"/>
+                  </a:schemeClr>
+                </a:solidFill>
+              </a:rPr>
+              <a:t>ボタン</a:t>
+            </a:r>
+            <a:r>
+              <a:rPr kumimoji="1" lang="en-US" altLang="ja-JP" sz="1600">
+                <a:solidFill>
+                  <a:schemeClr val="bg1">
+                    <a:lumMod val="50000"/>
+                  </a:schemeClr>
+                </a:solidFill>
+              </a:rPr>
+              <a:t>2</a:t>
+            </a:r>
+            <a:endParaRPr kumimoji="1" lang="ja-JP" altLang="en-US" sz="1600">
+              <a:solidFill>
+                <a:schemeClr val="bg1">
+                  <a:lumMod val="50000"/>
+                </a:schemeClr>
+              </a:solidFill>
+            </a:endParaRPr>
+          </a:p>
+        </p:txBody>
+      </p:sp>
+      <p:sp>
+        <p:nvSpPr>
+          <p:cNvPr id="57" name="正方形/長方形 56"/>
+          <p:cNvSpPr/>
+          <p:nvPr/>
+        </p:nvSpPr>
+        <p:spPr>
+          <a:xfrm>
+            <a:off x="1771650" y="3912732"/>
+            <a:ext cx="1784980" cy="268743"/>
+          </a:xfrm>
+          <a:prstGeom prst="rect">
+            <a:avLst/>
+          </a:prstGeom>
+        </p:spPr>
+        <p:style>
+          <a:lnRef idx="2">
+            <a:schemeClr val="accent6"/>
+          </a:lnRef>
+          <a:fillRef idx="1">
+            <a:schemeClr val="lt1"/>
+          </a:fillRef>
+          <a:effectRef idx="0">
+            <a:schemeClr val="accent6"/>
+          </a:effectRef>
+          <a:fontRef idx="minor">
+            <a:schemeClr val="dk1"/>
+          </a:fontRef>
+        </p:style>
+        <p:txBody>
+          <a:bodyPr rot="0" spcFirstLastPara="0" vert="horz" wrap="square" lIns="91440" tIns="45720" rIns="91440" bIns="45720" numCol="1" spcCol="0" rtlCol="0" fromWordArt="0" anchor="ctr" anchorCtr="0" forceAA="0" compatLnSpc="1">
+            <a:prstTxWarp prst="textNoShape">
+              <a:avLst/>
+            </a:prstTxWarp>
+            <a:noAutofit/>
+          </a:bodyPr>
+          <a:lstStyle>
+            <a:lvl1pPr marL="0" indent="0">
+              <a:defRPr sz="1100">
+                <a:solidFill>
+                  <a:schemeClr val="dk1"/>
+                </a:solidFill>
+                <a:latin typeface="+mn-lt"/>
+                <a:ea typeface="+mn-ea"/>
+                <a:cs typeface="+mn-cs"/>
+              </a:defRPr>
+            </a:lvl1pPr>
+            <a:lvl2pPr marL="457200" indent="0">
+              <a:defRPr sz="1100">
+                <a:solidFill>
+                  <a:schemeClr val="dk1"/>
+                </a:solidFill>
+                <a:latin typeface="+mn-lt"/>
+                <a:ea typeface="+mn-ea"/>
+                <a:cs typeface="+mn-cs"/>
+              </a:defRPr>
+            </a:lvl2pPr>
+            <a:lvl3pPr marL="914400" indent="0">
+              <a:defRPr sz="1100">
+                <a:solidFill>
+                  <a:schemeClr val="dk1"/>
+                </a:solidFill>
+                <a:latin typeface="+mn-lt"/>
+                <a:ea typeface="+mn-ea"/>
+                <a:cs typeface="+mn-cs"/>
+              </a:defRPr>
+            </a:lvl3pPr>
+            <a:lvl4pPr marL="1371600" indent="0">
+              <a:defRPr sz="1100">
+                <a:solidFill>
+                  <a:schemeClr val="dk1"/>
+                </a:solidFill>
+                <a:latin typeface="+mn-lt"/>
+                <a:ea typeface="+mn-ea"/>
+                <a:cs typeface="+mn-cs"/>
+              </a:defRPr>
+            </a:lvl4pPr>
+            <a:lvl5pPr marL="1828800" indent="0">
+              <a:defRPr sz="1100">
+                <a:solidFill>
+                  <a:schemeClr val="dk1"/>
+                </a:solidFill>
+                <a:latin typeface="+mn-lt"/>
+                <a:ea typeface="+mn-ea"/>
+                <a:cs typeface="+mn-cs"/>
+              </a:defRPr>
+            </a:lvl5pPr>
+            <a:lvl6pPr marL="2286000" indent="0">
+              <a:defRPr sz="1100">
+                <a:solidFill>
+                  <a:schemeClr val="dk1"/>
+                </a:solidFill>
+                <a:latin typeface="+mn-lt"/>
+                <a:ea typeface="+mn-ea"/>
+                <a:cs typeface="+mn-cs"/>
+              </a:defRPr>
+            </a:lvl6pPr>
+            <a:lvl7pPr marL="2743200" indent="0">
+              <a:defRPr sz="1100">
+                <a:solidFill>
+                  <a:schemeClr val="dk1"/>
+                </a:solidFill>
+                <a:latin typeface="+mn-lt"/>
+                <a:ea typeface="+mn-ea"/>
+                <a:cs typeface="+mn-cs"/>
+              </a:defRPr>
+            </a:lvl7pPr>
+            <a:lvl8pPr marL="3200400" indent="0">
+              <a:defRPr sz="1100">
+                <a:solidFill>
+                  <a:schemeClr val="dk1"/>
+                </a:solidFill>
+                <a:latin typeface="+mn-lt"/>
+                <a:ea typeface="+mn-ea"/>
+                <a:cs typeface="+mn-cs"/>
+              </a:defRPr>
+            </a:lvl8pPr>
+            <a:lvl9pPr marL="3657600" indent="0">
+              <a:defRPr sz="1100">
+                <a:solidFill>
+                  <a:schemeClr val="dk1"/>
+                </a:solidFill>
+                <a:latin typeface="+mn-lt"/>
+                <a:ea typeface="+mn-ea"/>
+                <a:cs typeface="+mn-cs"/>
+              </a:defRPr>
+            </a:lvl9pPr>
+          </a:lstStyle>
+          <a:p>
+            <a:pPr algn="ctr"/>
+            <a:r>
+              <a:rPr kumimoji="1" lang="ja-JP" altLang="en-US" sz="1600">
+                <a:solidFill>
+                  <a:schemeClr val="bg1">
+                    <a:lumMod val="50000"/>
+                  </a:schemeClr>
+                </a:solidFill>
+              </a:rPr>
+              <a:t>ヘッダー</a:t>
+            </a:r>
+          </a:p>
+        </p:txBody>
+      </p:sp>
+      <p:sp>
+        <p:nvSpPr>
+          <p:cNvPr id="58" name="正方形/長方形 57"/>
+          <p:cNvSpPr/>
+          <p:nvPr/>
+        </p:nvSpPr>
+        <p:spPr>
+          <a:xfrm>
+            <a:off x="5353050" y="3903207"/>
+            <a:ext cx="1784980" cy="268743"/>
+          </a:xfrm>
+          <a:prstGeom prst="rect">
+            <a:avLst/>
+          </a:prstGeom>
+        </p:spPr>
+        <p:style>
+          <a:lnRef idx="2">
+            <a:schemeClr val="accent6"/>
+          </a:lnRef>
+          <a:fillRef idx="1">
+            <a:schemeClr val="lt1"/>
+          </a:fillRef>
+          <a:effectRef idx="0">
+            <a:schemeClr val="accent6"/>
+          </a:effectRef>
+          <a:fontRef idx="minor">
+            <a:schemeClr val="dk1"/>
+          </a:fontRef>
+        </p:style>
+        <p:txBody>
+          <a:bodyPr rot="0" spcFirstLastPara="0" vert="horz" wrap="square" lIns="91440" tIns="45720" rIns="91440" bIns="45720" numCol="1" spcCol="0" rtlCol="0" fromWordArt="0" anchor="ctr" anchorCtr="0" forceAA="0" compatLnSpc="1">
+            <a:prstTxWarp prst="textNoShape">
+              <a:avLst/>
+            </a:prstTxWarp>
+            <a:noAutofit/>
+          </a:bodyPr>
+          <a:lstStyle>
+            <a:lvl1pPr marL="0" indent="0">
+              <a:defRPr sz="1100">
+                <a:solidFill>
+                  <a:schemeClr val="dk1"/>
+                </a:solidFill>
+                <a:latin typeface="+mn-lt"/>
+                <a:ea typeface="+mn-ea"/>
+                <a:cs typeface="+mn-cs"/>
+              </a:defRPr>
+            </a:lvl1pPr>
+            <a:lvl2pPr marL="457200" indent="0">
+              <a:defRPr sz="1100">
+                <a:solidFill>
+                  <a:schemeClr val="dk1"/>
+                </a:solidFill>
+                <a:latin typeface="+mn-lt"/>
+                <a:ea typeface="+mn-ea"/>
+                <a:cs typeface="+mn-cs"/>
+              </a:defRPr>
+            </a:lvl2pPr>
+            <a:lvl3pPr marL="914400" indent="0">
+              <a:defRPr sz="1100">
+                <a:solidFill>
+                  <a:schemeClr val="dk1"/>
+                </a:solidFill>
+                <a:latin typeface="+mn-lt"/>
+                <a:ea typeface="+mn-ea"/>
+                <a:cs typeface="+mn-cs"/>
+              </a:defRPr>
+            </a:lvl3pPr>
+            <a:lvl4pPr marL="1371600" indent="0">
+              <a:defRPr sz="1100">
+                <a:solidFill>
+                  <a:schemeClr val="dk1"/>
+                </a:solidFill>
+                <a:latin typeface="+mn-lt"/>
+                <a:ea typeface="+mn-ea"/>
+                <a:cs typeface="+mn-cs"/>
+              </a:defRPr>
+            </a:lvl4pPr>
+            <a:lvl5pPr marL="1828800" indent="0">
+              <a:defRPr sz="1100">
+                <a:solidFill>
+                  <a:schemeClr val="dk1"/>
+                </a:solidFill>
+                <a:latin typeface="+mn-lt"/>
+                <a:ea typeface="+mn-ea"/>
+                <a:cs typeface="+mn-cs"/>
+              </a:defRPr>
+            </a:lvl5pPr>
+            <a:lvl6pPr marL="2286000" indent="0">
+              <a:defRPr sz="1100">
+                <a:solidFill>
+                  <a:schemeClr val="dk1"/>
+                </a:solidFill>
+                <a:latin typeface="+mn-lt"/>
+                <a:ea typeface="+mn-ea"/>
+                <a:cs typeface="+mn-cs"/>
+              </a:defRPr>
+            </a:lvl6pPr>
+            <a:lvl7pPr marL="2743200" indent="0">
+              <a:defRPr sz="1100">
+                <a:solidFill>
+                  <a:schemeClr val="dk1"/>
+                </a:solidFill>
+                <a:latin typeface="+mn-lt"/>
+                <a:ea typeface="+mn-ea"/>
+                <a:cs typeface="+mn-cs"/>
+              </a:defRPr>
+            </a:lvl7pPr>
+            <a:lvl8pPr marL="3200400" indent="0">
+              <a:defRPr sz="1100">
+                <a:solidFill>
+                  <a:schemeClr val="dk1"/>
+                </a:solidFill>
+                <a:latin typeface="+mn-lt"/>
+                <a:ea typeface="+mn-ea"/>
+                <a:cs typeface="+mn-cs"/>
+              </a:defRPr>
+            </a:lvl8pPr>
+            <a:lvl9pPr marL="3657600" indent="0">
+              <a:defRPr sz="1100">
+                <a:solidFill>
+                  <a:schemeClr val="dk1"/>
+                </a:solidFill>
+                <a:latin typeface="+mn-lt"/>
+                <a:ea typeface="+mn-ea"/>
+                <a:cs typeface="+mn-cs"/>
+              </a:defRPr>
+            </a:lvl9pPr>
+          </a:lstStyle>
+          <a:p>
+            <a:pPr algn="ctr"/>
+            <a:r>
+              <a:rPr kumimoji="1" lang="ja-JP" altLang="en-US" sz="1600">
+                <a:solidFill>
+                  <a:schemeClr val="bg1">
+                    <a:lumMod val="50000"/>
+                  </a:schemeClr>
+                </a:solidFill>
+              </a:rPr>
+              <a:t>ヘッダー</a:t>
+            </a:r>
+          </a:p>
+        </p:txBody>
+      </p:sp>
+    </p:spTree>
+    <p:extLst>
+      <p:ext uri="{BB962C8B-B14F-4D97-AF65-F5344CB8AC3E}">
+        <p14:creationId xmlns:p14="http://schemas.microsoft.com/office/powerpoint/2010/main" val="3319547865"/>
+      </p:ext>
+    </p:extLst>
+  </p:cSld>
+  <p:clrMapOvr>
+    <a:masterClrMapping/>
+  </p:clrMapOvr>
+  <p:timing>
+    <p:tnLst>
+      <p:par>
+        <p:cTn id="1" dur="indefinite" restart="never" nodeType="tmRoot"/>
+      </p:par>
+    </p:tnLst>
+  </p:timing>
+</p:sld>
+</file>
+
+<file path=ppt/slides/slide4.xml><?xml version="1.0" encoding="utf-8"?>
+<p:sld xmlns:a="http://schemas.openxmlformats.org/drawingml/2006/main" xmlns:r="http://schemas.openxmlformats.org/officeDocument/2006/relationships" xmlns:p="http://schemas.openxmlformats.org/presentationml/2006/main">
+  <p:cSld>
+    <p:spTree>
+      <p:nvGrpSpPr>
+        <p:cNvPr id="1" name=""/>
+        <p:cNvGrpSpPr/>
+        <p:nvPr/>
+      </p:nvGrpSpPr>
+      <p:grpSpPr>
+        <a:xfrm>
+          <a:off x="0" y="0"/>
+          <a:ext cx="0" cy="0"/>
+          <a:chOff x="0" y="0"/>
+          <a:chExt cx="0" cy="0"/>
+        </a:xfrm>
+      </p:grpSpPr>
+      <p:sp>
+        <p:nvSpPr>
+          <p:cNvPr id="28" name="正方形/長方形 27"/>
+          <p:cNvSpPr/>
+          <p:nvPr/>
+        </p:nvSpPr>
+        <p:spPr>
+          <a:xfrm>
+            <a:off x="1575030" y="3703371"/>
+            <a:ext cx="2313579" cy="2857500"/>
+          </a:xfrm>
+          <a:prstGeom prst="rect">
+            <a:avLst/>
+          </a:prstGeom>
+        </p:spPr>
+        <p:style>
+          <a:lnRef idx="2">
+            <a:schemeClr val="accent6"/>
+          </a:lnRef>
+          <a:fillRef idx="1">
+            <a:schemeClr val="lt1"/>
+          </a:fillRef>
+          <a:effectRef idx="0">
+            <a:schemeClr val="accent6"/>
+          </a:effectRef>
+          <a:fontRef idx="minor">
+            <a:schemeClr val="dk1"/>
+          </a:fontRef>
+        </p:style>
+        <p:txBody>
+          <a:bodyPr rot="0" spcFirstLastPara="0" vert="horz" wrap="square" lIns="91440" tIns="45720" rIns="91440" bIns="45720" numCol="1" spcCol="0" rtlCol="0" fromWordArt="0" anchor="t" anchorCtr="0" forceAA="0" compatLnSpc="1">
+            <a:prstTxWarp prst="textNoShape">
+              <a:avLst/>
+            </a:prstTxWarp>
+            <a:noAutofit/>
+          </a:bodyPr>
+          <a:lstStyle>
+            <a:lvl1pPr marL="0" indent="0">
+              <a:defRPr sz="1100">
+                <a:solidFill>
+                  <a:schemeClr val="dk1"/>
+                </a:solidFill>
+                <a:latin typeface="+mn-lt"/>
+                <a:ea typeface="+mn-ea"/>
+                <a:cs typeface="+mn-cs"/>
+              </a:defRPr>
+            </a:lvl1pPr>
+            <a:lvl2pPr marL="457200" indent="0">
+              <a:defRPr sz="1100">
+                <a:solidFill>
+                  <a:schemeClr val="dk1"/>
+                </a:solidFill>
+                <a:latin typeface="+mn-lt"/>
+                <a:ea typeface="+mn-ea"/>
+                <a:cs typeface="+mn-cs"/>
+              </a:defRPr>
+            </a:lvl2pPr>
+            <a:lvl3pPr marL="914400" indent="0">
+              <a:defRPr sz="1100">
+                <a:solidFill>
+                  <a:schemeClr val="dk1"/>
+                </a:solidFill>
+                <a:latin typeface="+mn-lt"/>
+                <a:ea typeface="+mn-ea"/>
+                <a:cs typeface="+mn-cs"/>
+              </a:defRPr>
+            </a:lvl3pPr>
+            <a:lvl4pPr marL="1371600" indent="0">
+              <a:defRPr sz="1100">
+                <a:solidFill>
+                  <a:schemeClr val="dk1"/>
+                </a:solidFill>
+                <a:latin typeface="+mn-lt"/>
+                <a:ea typeface="+mn-ea"/>
+                <a:cs typeface="+mn-cs"/>
+              </a:defRPr>
+            </a:lvl4pPr>
+            <a:lvl5pPr marL="1828800" indent="0">
+              <a:defRPr sz="1100">
+                <a:solidFill>
+                  <a:schemeClr val="dk1"/>
+                </a:solidFill>
+                <a:latin typeface="+mn-lt"/>
+                <a:ea typeface="+mn-ea"/>
+                <a:cs typeface="+mn-cs"/>
+              </a:defRPr>
+            </a:lvl5pPr>
+            <a:lvl6pPr marL="2286000" indent="0">
+              <a:defRPr sz="1100">
+                <a:solidFill>
+                  <a:schemeClr val="dk1"/>
+                </a:solidFill>
+                <a:latin typeface="+mn-lt"/>
+                <a:ea typeface="+mn-ea"/>
+                <a:cs typeface="+mn-cs"/>
+              </a:defRPr>
+            </a:lvl6pPr>
+            <a:lvl7pPr marL="2743200" indent="0">
+              <a:defRPr sz="1100">
+                <a:solidFill>
+                  <a:schemeClr val="dk1"/>
+                </a:solidFill>
+                <a:latin typeface="+mn-lt"/>
+                <a:ea typeface="+mn-ea"/>
+                <a:cs typeface="+mn-cs"/>
+              </a:defRPr>
+            </a:lvl7pPr>
+            <a:lvl8pPr marL="3200400" indent="0">
+              <a:defRPr sz="1100">
+                <a:solidFill>
+                  <a:schemeClr val="dk1"/>
+                </a:solidFill>
+                <a:latin typeface="+mn-lt"/>
+                <a:ea typeface="+mn-ea"/>
+                <a:cs typeface="+mn-cs"/>
+              </a:defRPr>
+            </a:lvl8pPr>
+            <a:lvl9pPr marL="3657600" indent="0">
+              <a:defRPr sz="1100">
+                <a:solidFill>
+                  <a:schemeClr val="dk1"/>
+                </a:solidFill>
+                <a:latin typeface="+mn-lt"/>
+                <a:ea typeface="+mn-ea"/>
+                <a:cs typeface="+mn-cs"/>
+              </a:defRPr>
+            </a:lvl9pPr>
+          </a:lstStyle>
+          <a:p>
+            <a:pPr algn="r"/>
+            <a:r>
+              <a:rPr kumimoji="1" lang="en-US" altLang="ja-JP" sz="1600">
+                <a:solidFill>
+                  <a:schemeClr val="bg1">
+                    <a:lumMod val="50000"/>
+                  </a:schemeClr>
+                </a:solidFill>
+              </a:rPr>
+              <a:t>HTML</a:t>
+            </a:r>
+            <a:endParaRPr kumimoji="1" lang="ja-JP" altLang="en-US" sz="1600">
+              <a:solidFill>
+                <a:schemeClr val="bg1">
+                  <a:lumMod val="50000"/>
+                </a:schemeClr>
+              </a:solidFill>
+            </a:endParaRPr>
+          </a:p>
+        </p:txBody>
+      </p:sp>
+      <p:sp>
+        <p:nvSpPr>
+          <p:cNvPr id="29" name="正方形/長方形 28"/>
+          <p:cNvSpPr/>
+          <p:nvPr/>
+        </p:nvSpPr>
+        <p:spPr>
+          <a:xfrm>
+            <a:off x="5127855" y="3693846"/>
+            <a:ext cx="2313579" cy="2857500"/>
+          </a:xfrm>
+          <a:prstGeom prst="rect">
+            <a:avLst/>
+          </a:prstGeom>
+          <a:solidFill>
+            <a:schemeClr val="bg1">
+              <a:lumMod val="85000"/>
+            </a:schemeClr>
+          </a:solidFill>
+          <a:ln>
+            <a:solidFill>
+              <a:schemeClr val="bg1">
+                <a:lumMod val="50000"/>
+              </a:schemeClr>
+            </a:solidFill>
+          </a:ln>
+        </p:spPr>
+        <p:style>
+          <a:lnRef idx="2">
+            <a:schemeClr val="accent6"/>
+          </a:lnRef>
+          <a:fillRef idx="1">
+            <a:schemeClr val="lt1"/>
+          </a:fillRef>
+          <a:effectRef idx="0">
+            <a:schemeClr val="accent6"/>
+          </a:effectRef>
+          <a:fontRef idx="minor">
+            <a:schemeClr val="dk1"/>
+          </a:fontRef>
+        </p:style>
+        <p:txBody>
+          <a:bodyPr rot="0" spcFirstLastPara="0" vert="horz" wrap="square" lIns="91440" tIns="45720" rIns="91440" bIns="45720" numCol="1" spcCol="0" rtlCol="0" fromWordArt="0" anchor="t" anchorCtr="0" forceAA="0" compatLnSpc="1">
+            <a:prstTxWarp prst="textNoShape">
+              <a:avLst/>
+            </a:prstTxWarp>
+            <a:noAutofit/>
+          </a:bodyPr>
+          <a:lstStyle>
+            <a:lvl1pPr marL="0" indent="0">
+              <a:defRPr sz="1100">
+                <a:solidFill>
+                  <a:schemeClr val="dk1"/>
+                </a:solidFill>
+                <a:latin typeface="+mn-lt"/>
+                <a:ea typeface="+mn-ea"/>
+                <a:cs typeface="+mn-cs"/>
+              </a:defRPr>
+            </a:lvl1pPr>
+            <a:lvl2pPr marL="457200" indent="0">
+              <a:defRPr sz="1100">
+                <a:solidFill>
+                  <a:schemeClr val="dk1"/>
+                </a:solidFill>
+                <a:latin typeface="+mn-lt"/>
+                <a:ea typeface="+mn-ea"/>
+                <a:cs typeface="+mn-cs"/>
+              </a:defRPr>
+            </a:lvl2pPr>
+            <a:lvl3pPr marL="914400" indent="0">
+              <a:defRPr sz="1100">
+                <a:solidFill>
+                  <a:schemeClr val="dk1"/>
+                </a:solidFill>
+                <a:latin typeface="+mn-lt"/>
+                <a:ea typeface="+mn-ea"/>
+                <a:cs typeface="+mn-cs"/>
+              </a:defRPr>
+            </a:lvl3pPr>
+            <a:lvl4pPr marL="1371600" indent="0">
+              <a:defRPr sz="1100">
+                <a:solidFill>
+                  <a:schemeClr val="dk1"/>
+                </a:solidFill>
+                <a:latin typeface="+mn-lt"/>
+                <a:ea typeface="+mn-ea"/>
+                <a:cs typeface="+mn-cs"/>
+              </a:defRPr>
+            </a:lvl4pPr>
+            <a:lvl5pPr marL="1828800" indent="0">
+              <a:defRPr sz="1100">
+                <a:solidFill>
+                  <a:schemeClr val="dk1"/>
+                </a:solidFill>
+                <a:latin typeface="+mn-lt"/>
+                <a:ea typeface="+mn-ea"/>
+                <a:cs typeface="+mn-cs"/>
+              </a:defRPr>
+            </a:lvl5pPr>
+            <a:lvl6pPr marL="2286000" indent="0">
+              <a:defRPr sz="1100">
+                <a:solidFill>
+                  <a:schemeClr val="dk1"/>
+                </a:solidFill>
+                <a:latin typeface="+mn-lt"/>
+                <a:ea typeface="+mn-ea"/>
+                <a:cs typeface="+mn-cs"/>
+              </a:defRPr>
+            </a:lvl6pPr>
+            <a:lvl7pPr marL="2743200" indent="0">
+              <a:defRPr sz="1100">
+                <a:solidFill>
+                  <a:schemeClr val="dk1"/>
+                </a:solidFill>
+                <a:latin typeface="+mn-lt"/>
+                <a:ea typeface="+mn-ea"/>
+                <a:cs typeface="+mn-cs"/>
+              </a:defRPr>
+            </a:lvl7pPr>
+            <a:lvl8pPr marL="3200400" indent="0">
+              <a:defRPr sz="1100">
+                <a:solidFill>
+                  <a:schemeClr val="dk1"/>
+                </a:solidFill>
+                <a:latin typeface="+mn-lt"/>
+                <a:ea typeface="+mn-ea"/>
+                <a:cs typeface="+mn-cs"/>
+              </a:defRPr>
+            </a:lvl8pPr>
+            <a:lvl9pPr marL="3657600" indent="0">
+              <a:defRPr sz="1100">
+                <a:solidFill>
+                  <a:schemeClr val="dk1"/>
+                </a:solidFill>
+                <a:latin typeface="+mn-lt"/>
+                <a:ea typeface="+mn-ea"/>
+                <a:cs typeface="+mn-cs"/>
+              </a:defRPr>
+            </a:lvl9pPr>
+          </a:lstStyle>
+          <a:p>
+            <a:pPr algn="r"/>
+            <a:r>
+              <a:rPr kumimoji="1" lang="en-US" altLang="ja-JP" sz="1600">
+                <a:solidFill>
+                  <a:schemeClr val="bg1">
+                    <a:lumMod val="50000"/>
+                  </a:schemeClr>
+                </a:solidFill>
+              </a:rPr>
+              <a:t>HTML</a:t>
+            </a:r>
+            <a:endParaRPr kumimoji="1" lang="ja-JP" altLang="en-US" sz="1600">
+              <a:solidFill>
+                <a:schemeClr val="bg1">
+                  <a:lumMod val="50000"/>
+                </a:schemeClr>
+              </a:solidFill>
+            </a:endParaRPr>
+          </a:p>
+        </p:txBody>
+      </p:sp>
+      <p:sp>
+        <p:nvSpPr>
+          <p:cNvPr id="3" name="コンテンツ プレースホルダー 2"/>
+          <p:cNvSpPr>
+            <a:spLocks noGrp="1"/>
+          </p:cNvSpPr>
+          <p:nvPr>
+            <p:ph idx="4294967295"/>
+          </p:nvPr>
+        </p:nvSpPr>
+        <p:spPr>
+          <a:xfrm>
+            <a:off x="467544" y="517252"/>
+            <a:ext cx="8229600" cy="5040313"/>
+          </a:xfrm>
+          <a:prstGeom prst="rect">
+            <a:avLst/>
+          </a:prstGeom>
+        </p:spPr>
+        <p:txBody>
+          <a:bodyPr>
+            <a:normAutofit/>
+          </a:bodyPr>
+          <a:lstStyle/>
+          <a:p>
+            <a:pPr marL="0" indent="0">
+              <a:buNone/>
+            </a:pPr>
+            <a:r>
+              <a:rPr lang="ja-JP" altLang="en-US" sz="4000" dirty="0" smtClean="0">
+                <a:solidFill>
+                  <a:srgbClr val="32B490"/>
+                </a:solidFill>
+              </a:rPr>
+              <a:t>昔</a:t>
+            </a:r>
+            <a:endParaRPr lang="en-US" altLang="ja-JP" sz="4000" dirty="0" smtClean="0">
+              <a:solidFill>
+                <a:srgbClr val="32B490"/>
+              </a:solidFill>
+            </a:endParaRPr>
+          </a:p>
+          <a:p>
+            <a:pPr marL="0" indent="0">
+              <a:buNone/>
+            </a:pPr>
+            <a:endParaRPr lang="en-US" altLang="ja-JP" sz="1800" dirty="0" smtClean="0">
+              <a:solidFill>
+                <a:srgbClr val="32B490"/>
+              </a:solidFill>
+            </a:endParaRPr>
+          </a:p>
+          <a:p>
+            <a:pPr marL="0" indent="0" algn="ctr">
+              <a:buNone/>
+            </a:pPr>
+            <a:r>
+              <a:rPr lang="en-US" altLang="ja-JP" sz="4000" dirty="0" smtClean="0">
+                <a:solidFill>
+                  <a:srgbClr val="32B490"/>
+                </a:solidFill>
+              </a:rPr>
+              <a:t>Ajax on HTMLs</a:t>
+            </a:r>
+            <a:endParaRPr lang="en-US" altLang="ja-JP" sz="4000" dirty="0" smtClean="0">
+              <a:solidFill>
+                <a:srgbClr val="32B490"/>
+              </a:solidFill>
+            </a:endParaRPr>
+          </a:p>
+        </p:txBody>
+      </p:sp>
+      <p:sp>
+        <p:nvSpPr>
+          <p:cNvPr id="16" name="正方形/長方形 15"/>
+          <p:cNvSpPr/>
+          <p:nvPr/>
+        </p:nvSpPr>
+        <p:spPr>
+          <a:xfrm>
+            <a:off x="1412140" y="3582541"/>
+            <a:ext cx="2313579" cy="2857500"/>
+          </a:xfrm>
+          <a:prstGeom prst="rect">
+            <a:avLst/>
+          </a:prstGeom>
+        </p:spPr>
+        <p:style>
+          <a:lnRef idx="2">
+            <a:schemeClr val="accent6"/>
+          </a:lnRef>
+          <a:fillRef idx="1">
+            <a:schemeClr val="lt1"/>
+          </a:fillRef>
+          <a:effectRef idx="0">
+            <a:schemeClr val="accent6"/>
+          </a:effectRef>
+          <a:fontRef idx="minor">
+            <a:schemeClr val="dk1"/>
+          </a:fontRef>
+        </p:style>
+        <p:txBody>
+          <a:bodyPr rot="0" spcFirstLastPara="0" vert="horz" wrap="square" lIns="91440" tIns="45720" rIns="91440" bIns="45720" numCol="1" spcCol="0" rtlCol="0" fromWordArt="0" anchor="t" anchorCtr="0" forceAA="0" compatLnSpc="1">
+            <a:prstTxWarp prst="textNoShape">
+              <a:avLst/>
+            </a:prstTxWarp>
+            <a:noAutofit/>
+          </a:bodyPr>
+          <a:lstStyle>
+            <a:lvl1pPr marL="0" indent="0">
+              <a:defRPr sz="1100">
+                <a:solidFill>
+                  <a:schemeClr val="dk1"/>
+                </a:solidFill>
+                <a:latin typeface="+mn-lt"/>
+                <a:ea typeface="+mn-ea"/>
+                <a:cs typeface="+mn-cs"/>
+              </a:defRPr>
+            </a:lvl1pPr>
+            <a:lvl2pPr marL="457200" indent="0">
+              <a:defRPr sz="1100">
+                <a:solidFill>
+                  <a:schemeClr val="dk1"/>
+                </a:solidFill>
+                <a:latin typeface="+mn-lt"/>
+                <a:ea typeface="+mn-ea"/>
+                <a:cs typeface="+mn-cs"/>
+              </a:defRPr>
+            </a:lvl2pPr>
+            <a:lvl3pPr marL="914400" indent="0">
+              <a:defRPr sz="1100">
+                <a:solidFill>
+                  <a:schemeClr val="dk1"/>
+                </a:solidFill>
+                <a:latin typeface="+mn-lt"/>
+                <a:ea typeface="+mn-ea"/>
+                <a:cs typeface="+mn-cs"/>
+              </a:defRPr>
+            </a:lvl3pPr>
+            <a:lvl4pPr marL="1371600" indent="0">
+              <a:defRPr sz="1100">
+                <a:solidFill>
+                  <a:schemeClr val="dk1"/>
+                </a:solidFill>
+                <a:latin typeface="+mn-lt"/>
+                <a:ea typeface="+mn-ea"/>
+                <a:cs typeface="+mn-cs"/>
+              </a:defRPr>
+            </a:lvl4pPr>
+            <a:lvl5pPr marL="1828800" indent="0">
+              <a:defRPr sz="1100">
+                <a:solidFill>
+                  <a:schemeClr val="dk1"/>
+                </a:solidFill>
+                <a:latin typeface="+mn-lt"/>
+                <a:ea typeface="+mn-ea"/>
+                <a:cs typeface="+mn-cs"/>
+              </a:defRPr>
+            </a:lvl5pPr>
+            <a:lvl6pPr marL="2286000" indent="0">
+              <a:defRPr sz="1100">
+                <a:solidFill>
+                  <a:schemeClr val="dk1"/>
+                </a:solidFill>
+                <a:latin typeface="+mn-lt"/>
+                <a:ea typeface="+mn-ea"/>
+                <a:cs typeface="+mn-cs"/>
+              </a:defRPr>
+            </a:lvl6pPr>
+            <a:lvl7pPr marL="2743200" indent="0">
+              <a:defRPr sz="1100">
+                <a:solidFill>
+                  <a:schemeClr val="dk1"/>
+                </a:solidFill>
+                <a:latin typeface="+mn-lt"/>
+                <a:ea typeface="+mn-ea"/>
+                <a:cs typeface="+mn-cs"/>
+              </a:defRPr>
+            </a:lvl7pPr>
+            <a:lvl8pPr marL="3200400" indent="0">
+              <a:defRPr sz="1100">
+                <a:solidFill>
+                  <a:schemeClr val="dk1"/>
+                </a:solidFill>
+                <a:latin typeface="+mn-lt"/>
+                <a:ea typeface="+mn-ea"/>
+                <a:cs typeface="+mn-cs"/>
+              </a:defRPr>
+            </a:lvl8pPr>
+            <a:lvl9pPr marL="3657600" indent="0">
+              <a:defRPr sz="1100">
+                <a:solidFill>
+                  <a:schemeClr val="dk1"/>
+                </a:solidFill>
+                <a:latin typeface="+mn-lt"/>
+                <a:ea typeface="+mn-ea"/>
+                <a:cs typeface="+mn-cs"/>
+              </a:defRPr>
+            </a:lvl9pPr>
+          </a:lstStyle>
+          <a:p>
+            <a:pPr algn="r"/>
+            <a:r>
+              <a:rPr kumimoji="1" lang="en-US" altLang="ja-JP" sz="1600">
+                <a:solidFill>
+                  <a:schemeClr val="bg1">
+                    <a:lumMod val="50000"/>
+                  </a:schemeClr>
+                </a:solidFill>
+              </a:rPr>
+              <a:t>HTML</a:t>
+            </a:r>
+            <a:endParaRPr kumimoji="1" lang="ja-JP" altLang="en-US" sz="1600">
+              <a:solidFill>
+                <a:schemeClr val="bg1">
+                  <a:lumMod val="50000"/>
+                </a:schemeClr>
+              </a:solidFill>
+            </a:endParaRPr>
+          </a:p>
+        </p:txBody>
+      </p:sp>
+      <p:sp>
+        <p:nvSpPr>
+          <p:cNvPr id="17" name="正方形/長方形 16"/>
+          <p:cNvSpPr/>
+          <p:nvPr/>
+        </p:nvSpPr>
+        <p:spPr>
+          <a:xfrm>
+            <a:off x="4964965" y="3573016"/>
+            <a:ext cx="2313579" cy="2857500"/>
+          </a:xfrm>
+          <a:prstGeom prst="rect">
+            <a:avLst/>
+          </a:prstGeom>
+          <a:solidFill>
+            <a:schemeClr val="bg1">
+              <a:lumMod val="85000"/>
+            </a:schemeClr>
+          </a:solidFill>
+          <a:ln>
+            <a:solidFill>
+              <a:schemeClr val="bg1">
+                <a:lumMod val="50000"/>
+              </a:schemeClr>
+            </a:solidFill>
+          </a:ln>
+        </p:spPr>
+        <p:style>
+          <a:lnRef idx="2">
+            <a:schemeClr val="accent6"/>
+          </a:lnRef>
+          <a:fillRef idx="1">
+            <a:schemeClr val="lt1"/>
+          </a:fillRef>
+          <a:effectRef idx="0">
+            <a:schemeClr val="accent6"/>
+          </a:effectRef>
+          <a:fontRef idx="minor">
+            <a:schemeClr val="dk1"/>
+          </a:fontRef>
+        </p:style>
+        <p:txBody>
+          <a:bodyPr rot="0" spcFirstLastPara="0" vert="horz" wrap="square" lIns="91440" tIns="45720" rIns="91440" bIns="45720" numCol="1" spcCol="0" rtlCol="0" fromWordArt="0" anchor="t" anchorCtr="0" forceAA="0" compatLnSpc="1">
+            <a:prstTxWarp prst="textNoShape">
+              <a:avLst/>
+            </a:prstTxWarp>
+            <a:noAutofit/>
+          </a:bodyPr>
+          <a:lstStyle>
+            <a:lvl1pPr marL="0" indent="0">
+              <a:defRPr sz="1100">
+                <a:solidFill>
+                  <a:schemeClr val="dk1"/>
+                </a:solidFill>
+                <a:latin typeface="+mn-lt"/>
+                <a:ea typeface="+mn-ea"/>
+                <a:cs typeface="+mn-cs"/>
+              </a:defRPr>
+            </a:lvl1pPr>
+            <a:lvl2pPr marL="457200" indent="0">
+              <a:defRPr sz="1100">
+                <a:solidFill>
+                  <a:schemeClr val="dk1"/>
+                </a:solidFill>
+                <a:latin typeface="+mn-lt"/>
+                <a:ea typeface="+mn-ea"/>
+                <a:cs typeface="+mn-cs"/>
+              </a:defRPr>
+            </a:lvl2pPr>
+            <a:lvl3pPr marL="914400" indent="0">
+              <a:defRPr sz="1100">
+                <a:solidFill>
+                  <a:schemeClr val="dk1"/>
+                </a:solidFill>
+                <a:latin typeface="+mn-lt"/>
+                <a:ea typeface="+mn-ea"/>
+                <a:cs typeface="+mn-cs"/>
+              </a:defRPr>
+            </a:lvl3pPr>
+            <a:lvl4pPr marL="1371600" indent="0">
+              <a:defRPr sz="1100">
+                <a:solidFill>
+                  <a:schemeClr val="dk1"/>
+                </a:solidFill>
+                <a:latin typeface="+mn-lt"/>
+                <a:ea typeface="+mn-ea"/>
+                <a:cs typeface="+mn-cs"/>
+              </a:defRPr>
+            </a:lvl4pPr>
+            <a:lvl5pPr marL="1828800" indent="0">
+              <a:defRPr sz="1100">
+                <a:solidFill>
+                  <a:schemeClr val="dk1"/>
+                </a:solidFill>
+                <a:latin typeface="+mn-lt"/>
+                <a:ea typeface="+mn-ea"/>
+                <a:cs typeface="+mn-cs"/>
+              </a:defRPr>
+            </a:lvl5pPr>
+            <a:lvl6pPr marL="2286000" indent="0">
+              <a:defRPr sz="1100">
+                <a:solidFill>
+                  <a:schemeClr val="dk1"/>
+                </a:solidFill>
+                <a:latin typeface="+mn-lt"/>
+                <a:ea typeface="+mn-ea"/>
+                <a:cs typeface="+mn-cs"/>
+              </a:defRPr>
+            </a:lvl6pPr>
+            <a:lvl7pPr marL="2743200" indent="0">
+              <a:defRPr sz="1100">
+                <a:solidFill>
+                  <a:schemeClr val="dk1"/>
+                </a:solidFill>
+                <a:latin typeface="+mn-lt"/>
+                <a:ea typeface="+mn-ea"/>
+                <a:cs typeface="+mn-cs"/>
+              </a:defRPr>
+            </a:lvl7pPr>
+            <a:lvl8pPr marL="3200400" indent="0">
+              <a:defRPr sz="1100">
+                <a:solidFill>
+                  <a:schemeClr val="dk1"/>
+                </a:solidFill>
+                <a:latin typeface="+mn-lt"/>
+                <a:ea typeface="+mn-ea"/>
+                <a:cs typeface="+mn-cs"/>
+              </a:defRPr>
+            </a:lvl8pPr>
+            <a:lvl9pPr marL="3657600" indent="0">
+              <a:defRPr sz="1100">
+                <a:solidFill>
+                  <a:schemeClr val="dk1"/>
+                </a:solidFill>
+                <a:latin typeface="+mn-lt"/>
+                <a:ea typeface="+mn-ea"/>
+                <a:cs typeface="+mn-cs"/>
+              </a:defRPr>
+            </a:lvl9pPr>
+          </a:lstStyle>
+          <a:p>
+            <a:pPr algn="r"/>
+            <a:r>
+              <a:rPr kumimoji="1" lang="en-US" altLang="ja-JP" sz="1600">
+                <a:solidFill>
+                  <a:schemeClr val="bg1">
+                    <a:lumMod val="50000"/>
+                  </a:schemeClr>
+                </a:solidFill>
+              </a:rPr>
+              <a:t>HTML</a:t>
+            </a:r>
+            <a:endParaRPr kumimoji="1" lang="ja-JP" altLang="en-US" sz="1600">
+              <a:solidFill>
+                <a:schemeClr val="bg1">
+                  <a:lumMod val="50000"/>
+                </a:schemeClr>
+              </a:solidFill>
+            </a:endParaRPr>
+          </a:p>
+        </p:txBody>
+      </p:sp>
+      <p:sp>
+        <p:nvSpPr>
+          <p:cNvPr id="18" name="正方形/長方形 17"/>
+          <p:cNvSpPr/>
+          <p:nvPr/>
+        </p:nvSpPr>
+        <p:spPr>
+          <a:xfrm>
+            <a:off x="1669315" y="5878065"/>
+            <a:ext cx="1784980" cy="383043"/>
+          </a:xfrm>
+          <a:prstGeom prst="rect">
+            <a:avLst/>
+          </a:prstGeom>
+        </p:spPr>
+        <p:style>
+          <a:lnRef idx="2">
+            <a:schemeClr val="accent6"/>
+          </a:lnRef>
+          <a:fillRef idx="1">
+            <a:schemeClr val="lt1"/>
+          </a:fillRef>
+          <a:effectRef idx="0">
+            <a:schemeClr val="accent6"/>
+          </a:effectRef>
+          <a:fontRef idx="minor">
+            <a:schemeClr val="dk1"/>
+          </a:fontRef>
+        </p:style>
+        <p:txBody>
+          <a:bodyPr rot="0" spcFirstLastPara="0" vert="horz" wrap="square" lIns="91440" tIns="45720" rIns="91440" bIns="45720" numCol="1" spcCol="0" rtlCol="0" fromWordArt="0" anchor="ctr" anchorCtr="0" forceAA="0" compatLnSpc="1">
+            <a:prstTxWarp prst="textNoShape">
+              <a:avLst/>
+            </a:prstTxWarp>
+            <a:noAutofit/>
+          </a:bodyPr>
+          <a:lstStyle>
+            <a:lvl1pPr marL="0" indent="0">
+              <a:defRPr sz="1100">
+                <a:solidFill>
+                  <a:schemeClr val="dk1"/>
+                </a:solidFill>
+                <a:latin typeface="+mn-lt"/>
+                <a:ea typeface="+mn-ea"/>
+                <a:cs typeface="+mn-cs"/>
+              </a:defRPr>
+            </a:lvl1pPr>
+            <a:lvl2pPr marL="457200" indent="0">
+              <a:defRPr sz="1100">
+                <a:solidFill>
+                  <a:schemeClr val="dk1"/>
+                </a:solidFill>
+                <a:latin typeface="+mn-lt"/>
+                <a:ea typeface="+mn-ea"/>
+                <a:cs typeface="+mn-cs"/>
+              </a:defRPr>
+            </a:lvl2pPr>
+            <a:lvl3pPr marL="914400" indent="0">
+              <a:defRPr sz="1100">
+                <a:solidFill>
+                  <a:schemeClr val="dk1"/>
+                </a:solidFill>
+                <a:latin typeface="+mn-lt"/>
+                <a:ea typeface="+mn-ea"/>
+                <a:cs typeface="+mn-cs"/>
+              </a:defRPr>
+            </a:lvl3pPr>
+            <a:lvl4pPr marL="1371600" indent="0">
+              <a:defRPr sz="1100">
+                <a:solidFill>
+                  <a:schemeClr val="dk1"/>
+                </a:solidFill>
+                <a:latin typeface="+mn-lt"/>
+                <a:ea typeface="+mn-ea"/>
+                <a:cs typeface="+mn-cs"/>
+              </a:defRPr>
+            </a:lvl4pPr>
+            <a:lvl5pPr marL="1828800" indent="0">
+              <a:defRPr sz="1100">
+                <a:solidFill>
+                  <a:schemeClr val="dk1"/>
+                </a:solidFill>
+                <a:latin typeface="+mn-lt"/>
+                <a:ea typeface="+mn-ea"/>
+                <a:cs typeface="+mn-cs"/>
+              </a:defRPr>
+            </a:lvl5pPr>
+            <a:lvl6pPr marL="2286000" indent="0">
+              <a:defRPr sz="1100">
+                <a:solidFill>
+                  <a:schemeClr val="dk1"/>
+                </a:solidFill>
+                <a:latin typeface="+mn-lt"/>
+                <a:ea typeface="+mn-ea"/>
+                <a:cs typeface="+mn-cs"/>
+              </a:defRPr>
+            </a:lvl6pPr>
+            <a:lvl7pPr marL="2743200" indent="0">
+              <a:defRPr sz="1100">
+                <a:solidFill>
+                  <a:schemeClr val="dk1"/>
+                </a:solidFill>
+                <a:latin typeface="+mn-lt"/>
+                <a:ea typeface="+mn-ea"/>
+                <a:cs typeface="+mn-cs"/>
+              </a:defRPr>
+            </a:lvl7pPr>
+            <a:lvl8pPr marL="3200400" indent="0">
+              <a:defRPr sz="1100">
+                <a:solidFill>
+                  <a:schemeClr val="dk1"/>
+                </a:solidFill>
+                <a:latin typeface="+mn-lt"/>
+                <a:ea typeface="+mn-ea"/>
+                <a:cs typeface="+mn-cs"/>
+              </a:defRPr>
+            </a:lvl8pPr>
+            <a:lvl9pPr marL="3657600" indent="0">
+              <a:defRPr sz="1100">
+                <a:solidFill>
+                  <a:schemeClr val="dk1"/>
+                </a:solidFill>
+                <a:latin typeface="+mn-lt"/>
+                <a:ea typeface="+mn-ea"/>
+                <a:cs typeface="+mn-cs"/>
+              </a:defRPr>
+            </a:lvl9pPr>
+          </a:lstStyle>
+          <a:p>
+            <a:pPr algn="ctr"/>
+            <a:r>
+              <a:rPr kumimoji="1" lang="ja-JP" altLang="en-US" sz="1600">
+                <a:solidFill>
+                  <a:schemeClr val="bg1">
+                    <a:lumMod val="50000"/>
+                  </a:schemeClr>
+                </a:solidFill>
+              </a:rPr>
+              <a:t>ボタン</a:t>
+            </a:r>
+            <a:r>
+              <a:rPr kumimoji="1" lang="en-US" altLang="ja-JP" sz="1600">
+                <a:solidFill>
+                  <a:schemeClr val="bg1">
+                    <a:lumMod val="50000"/>
+                  </a:schemeClr>
+                </a:solidFill>
+              </a:rPr>
+              <a:t>1</a:t>
+            </a:r>
+            <a:endParaRPr kumimoji="1" lang="ja-JP" altLang="en-US" sz="1600">
+              <a:solidFill>
+                <a:schemeClr val="bg1">
+                  <a:lumMod val="50000"/>
+                </a:schemeClr>
+              </a:solidFill>
+            </a:endParaRPr>
+          </a:p>
+        </p:txBody>
+      </p:sp>
+      <p:sp>
+        <p:nvSpPr>
+          <p:cNvPr id="19" name="正方形/長方形 18"/>
+          <p:cNvSpPr/>
+          <p:nvPr/>
+        </p:nvSpPr>
+        <p:spPr>
+          <a:xfrm>
+            <a:off x="1678840" y="4201665"/>
+            <a:ext cx="1784980" cy="1571906"/>
+          </a:xfrm>
+          <a:prstGeom prst="rect">
+            <a:avLst/>
+          </a:prstGeom>
+        </p:spPr>
+        <p:style>
+          <a:lnRef idx="2">
+            <a:schemeClr val="accent6"/>
+          </a:lnRef>
+          <a:fillRef idx="1">
+            <a:schemeClr val="lt1"/>
+          </a:fillRef>
+          <a:effectRef idx="0">
+            <a:schemeClr val="accent6"/>
+          </a:effectRef>
+          <a:fontRef idx="minor">
+            <a:schemeClr val="dk1"/>
+          </a:fontRef>
+        </p:style>
+        <p:txBody>
+          <a:bodyPr rot="0" spcFirstLastPara="0" vert="horz" wrap="square" lIns="91440" tIns="45720" rIns="91440" bIns="45720" numCol="1" spcCol="0" rtlCol="0" fromWordArt="0" anchor="ctr" anchorCtr="0" forceAA="0" compatLnSpc="1">
+            <a:prstTxWarp prst="textNoShape">
+              <a:avLst/>
+            </a:prstTxWarp>
+            <a:noAutofit/>
+          </a:bodyPr>
+          <a:lstStyle>
+            <a:lvl1pPr marL="0" indent="0">
+              <a:defRPr sz="1100">
+                <a:solidFill>
+                  <a:schemeClr val="dk1"/>
+                </a:solidFill>
+                <a:latin typeface="+mn-lt"/>
+                <a:ea typeface="+mn-ea"/>
+                <a:cs typeface="+mn-cs"/>
+              </a:defRPr>
+            </a:lvl1pPr>
+            <a:lvl2pPr marL="457200" indent="0">
+              <a:defRPr sz="1100">
+                <a:solidFill>
+                  <a:schemeClr val="dk1"/>
+                </a:solidFill>
+                <a:latin typeface="+mn-lt"/>
+                <a:ea typeface="+mn-ea"/>
+                <a:cs typeface="+mn-cs"/>
+              </a:defRPr>
+            </a:lvl2pPr>
+            <a:lvl3pPr marL="914400" indent="0">
+              <a:defRPr sz="1100">
+                <a:solidFill>
+                  <a:schemeClr val="dk1"/>
+                </a:solidFill>
+                <a:latin typeface="+mn-lt"/>
+                <a:ea typeface="+mn-ea"/>
+                <a:cs typeface="+mn-cs"/>
+              </a:defRPr>
+            </a:lvl3pPr>
+            <a:lvl4pPr marL="1371600" indent="0">
+              <a:defRPr sz="1100">
+                <a:solidFill>
+                  <a:schemeClr val="dk1"/>
+                </a:solidFill>
+                <a:latin typeface="+mn-lt"/>
+                <a:ea typeface="+mn-ea"/>
+                <a:cs typeface="+mn-cs"/>
+              </a:defRPr>
+            </a:lvl4pPr>
+            <a:lvl5pPr marL="1828800" indent="0">
+              <a:defRPr sz="1100">
+                <a:solidFill>
+                  <a:schemeClr val="dk1"/>
+                </a:solidFill>
+                <a:latin typeface="+mn-lt"/>
+                <a:ea typeface="+mn-ea"/>
+                <a:cs typeface="+mn-cs"/>
+              </a:defRPr>
+            </a:lvl5pPr>
+            <a:lvl6pPr marL="2286000" indent="0">
+              <a:defRPr sz="1100">
+                <a:solidFill>
+                  <a:schemeClr val="dk1"/>
+                </a:solidFill>
+                <a:latin typeface="+mn-lt"/>
+                <a:ea typeface="+mn-ea"/>
+                <a:cs typeface="+mn-cs"/>
+              </a:defRPr>
+            </a:lvl6pPr>
+            <a:lvl7pPr marL="2743200" indent="0">
+              <a:defRPr sz="1100">
+                <a:solidFill>
+                  <a:schemeClr val="dk1"/>
+                </a:solidFill>
+                <a:latin typeface="+mn-lt"/>
+                <a:ea typeface="+mn-ea"/>
+                <a:cs typeface="+mn-cs"/>
+              </a:defRPr>
+            </a:lvl7pPr>
+            <a:lvl8pPr marL="3200400" indent="0">
+              <a:defRPr sz="1100">
+                <a:solidFill>
+                  <a:schemeClr val="dk1"/>
+                </a:solidFill>
+                <a:latin typeface="+mn-lt"/>
+                <a:ea typeface="+mn-ea"/>
+                <a:cs typeface="+mn-cs"/>
+              </a:defRPr>
+            </a:lvl8pPr>
+            <a:lvl9pPr marL="3657600" indent="0">
+              <a:defRPr sz="1100">
+                <a:solidFill>
+                  <a:schemeClr val="dk1"/>
+                </a:solidFill>
+                <a:latin typeface="+mn-lt"/>
+                <a:ea typeface="+mn-ea"/>
+                <a:cs typeface="+mn-cs"/>
+              </a:defRPr>
+            </a:lvl9pPr>
+          </a:lstStyle>
+          <a:p>
+            <a:pPr algn="ctr"/>
+            <a:r>
+              <a:rPr kumimoji="1" lang="ja-JP" altLang="en-US" sz="1600">
+                <a:solidFill>
+                  <a:schemeClr val="bg1">
+                    <a:lumMod val="50000"/>
+                  </a:schemeClr>
+                </a:solidFill>
+              </a:rPr>
+              <a:t>コンテンツ</a:t>
+            </a:r>
+            <a:r>
+              <a:rPr kumimoji="1" lang="en-US" altLang="ja-JP" sz="1600">
+                <a:solidFill>
+                  <a:schemeClr val="bg1">
+                    <a:lumMod val="50000"/>
+                  </a:schemeClr>
+                </a:solidFill>
+              </a:rPr>
+              <a:t>A</a:t>
+            </a:r>
+            <a:endParaRPr kumimoji="1" lang="ja-JP" altLang="en-US" sz="1600">
+              <a:solidFill>
+                <a:schemeClr val="bg1">
+                  <a:lumMod val="50000"/>
+                </a:schemeClr>
+              </a:solidFill>
+            </a:endParaRPr>
+          </a:p>
+        </p:txBody>
+      </p:sp>
+      <p:sp>
+        <p:nvSpPr>
+          <p:cNvPr id="20" name="正方形/長方形 19"/>
+          <p:cNvSpPr/>
+          <p:nvPr/>
+        </p:nvSpPr>
+        <p:spPr>
+          <a:xfrm>
+            <a:off x="5260240" y="4192140"/>
+            <a:ext cx="1784980" cy="1581150"/>
+          </a:xfrm>
+          <a:prstGeom prst="rect">
+            <a:avLst/>
+          </a:prstGeom>
+        </p:spPr>
+        <p:style>
+          <a:lnRef idx="2">
+            <a:schemeClr val="accent6"/>
+          </a:lnRef>
+          <a:fillRef idx="1">
+            <a:schemeClr val="lt1"/>
+          </a:fillRef>
+          <a:effectRef idx="0">
+            <a:schemeClr val="accent6"/>
+          </a:effectRef>
+          <a:fontRef idx="minor">
+            <a:schemeClr val="dk1"/>
+          </a:fontRef>
+        </p:style>
+        <p:txBody>
+          <a:bodyPr rot="0" spcFirstLastPara="0" vert="horz" wrap="square" lIns="91440" tIns="45720" rIns="91440" bIns="45720" numCol="1" spcCol="0" rtlCol="0" fromWordArt="0" anchor="ctr" anchorCtr="0" forceAA="0" compatLnSpc="1">
+            <a:prstTxWarp prst="textNoShape">
+              <a:avLst/>
+            </a:prstTxWarp>
+            <a:noAutofit/>
+          </a:bodyPr>
+          <a:lstStyle>
+            <a:lvl1pPr marL="0" indent="0">
+              <a:defRPr sz="1100">
+                <a:solidFill>
+                  <a:schemeClr val="dk1"/>
+                </a:solidFill>
+                <a:latin typeface="+mn-lt"/>
+                <a:ea typeface="+mn-ea"/>
+                <a:cs typeface="+mn-cs"/>
+              </a:defRPr>
+            </a:lvl1pPr>
+            <a:lvl2pPr marL="457200" indent="0">
+              <a:defRPr sz="1100">
+                <a:solidFill>
+                  <a:schemeClr val="dk1"/>
+                </a:solidFill>
+                <a:latin typeface="+mn-lt"/>
+                <a:ea typeface="+mn-ea"/>
+                <a:cs typeface="+mn-cs"/>
+              </a:defRPr>
+            </a:lvl2pPr>
+            <a:lvl3pPr marL="914400" indent="0">
+              <a:defRPr sz="1100">
+                <a:solidFill>
+                  <a:schemeClr val="dk1"/>
+                </a:solidFill>
+                <a:latin typeface="+mn-lt"/>
+                <a:ea typeface="+mn-ea"/>
+                <a:cs typeface="+mn-cs"/>
+              </a:defRPr>
+            </a:lvl3pPr>
+            <a:lvl4pPr marL="1371600" indent="0">
+              <a:defRPr sz="1100">
+                <a:solidFill>
+                  <a:schemeClr val="dk1"/>
+                </a:solidFill>
+                <a:latin typeface="+mn-lt"/>
+                <a:ea typeface="+mn-ea"/>
+                <a:cs typeface="+mn-cs"/>
+              </a:defRPr>
+            </a:lvl4pPr>
+            <a:lvl5pPr marL="1828800" indent="0">
+              <a:defRPr sz="1100">
+                <a:solidFill>
+                  <a:schemeClr val="dk1"/>
+                </a:solidFill>
+                <a:latin typeface="+mn-lt"/>
+                <a:ea typeface="+mn-ea"/>
+                <a:cs typeface="+mn-cs"/>
+              </a:defRPr>
+            </a:lvl5pPr>
+            <a:lvl6pPr marL="2286000" indent="0">
+              <a:defRPr sz="1100">
+                <a:solidFill>
+                  <a:schemeClr val="dk1"/>
+                </a:solidFill>
+                <a:latin typeface="+mn-lt"/>
+                <a:ea typeface="+mn-ea"/>
+                <a:cs typeface="+mn-cs"/>
+              </a:defRPr>
+            </a:lvl6pPr>
+            <a:lvl7pPr marL="2743200" indent="0">
+              <a:defRPr sz="1100">
+                <a:solidFill>
+                  <a:schemeClr val="dk1"/>
+                </a:solidFill>
+                <a:latin typeface="+mn-lt"/>
+                <a:ea typeface="+mn-ea"/>
+                <a:cs typeface="+mn-cs"/>
+              </a:defRPr>
+            </a:lvl7pPr>
+            <a:lvl8pPr marL="3200400" indent="0">
+              <a:defRPr sz="1100">
+                <a:solidFill>
+                  <a:schemeClr val="dk1"/>
+                </a:solidFill>
+                <a:latin typeface="+mn-lt"/>
+                <a:ea typeface="+mn-ea"/>
+                <a:cs typeface="+mn-cs"/>
+              </a:defRPr>
+            </a:lvl8pPr>
+            <a:lvl9pPr marL="3657600" indent="0">
+              <a:defRPr sz="1100">
+                <a:solidFill>
+                  <a:schemeClr val="dk1"/>
+                </a:solidFill>
+                <a:latin typeface="+mn-lt"/>
+                <a:ea typeface="+mn-ea"/>
+                <a:cs typeface="+mn-cs"/>
+              </a:defRPr>
+            </a:lvl9pPr>
+          </a:lstStyle>
+          <a:p>
+            <a:pPr algn="ctr"/>
+            <a:r>
+              <a:rPr kumimoji="1" lang="ja-JP" altLang="en-US" sz="1600">
+                <a:solidFill>
+                  <a:schemeClr val="bg1">
+                    <a:lumMod val="50000"/>
+                  </a:schemeClr>
+                </a:solidFill>
+              </a:rPr>
+              <a:t>コンテンツ</a:t>
+            </a:r>
+            <a:r>
+              <a:rPr kumimoji="1" lang="en-US" altLang="ja-JP" sz="1600">
+                <a:solidFill>
+                  <a:schemeClr val="bg1">
+                    <a:lumMod val="50000"/>
+                  </a:schemeClr>
+                </a:solidFill>
+              </a:rPr>
+              <a:t>B</a:t>
+            </a:r>
+            <a:endParaRPr kumimoji="1" lang="ja-JP" altLang="en-US" sz="1600">
+              <a:solidFill>
+                <a:schemeClr val="bg1">
+                  <a:lumMod val="50000"/>
+                </a:schemeClr>
+              </a:solidFill>
+            </a:endParaRPr>
+          </a:p>
+        </p:txBody>
+      </p:sp>
+      <p:sp>
+        <p:nvSpPr>
+          <p:cNvPr id="21" name="右矢印 20"/>
+          <p:cNvSpPr/>
+          <p:nvPr/>
+        </p:nvSpPr>
+        <p:spPr>
+          <a:xfrm rot="18900000">
+            <a:off x="3393927" y="3097973"/>
+            <a:ext cx="314096" cy="344739"/>
+          </a:xfrm>
+          <a:prstGeom prst="rightArrow">
+            <a:avLst/>
+          </a:prstGeom>
+        </p:spPr>
+        <p:style>
+          <a:lnRef idx="2">
+            <a:schemeClr val="accent4"/>
+          </a:lnRef>
+          <a:fillRef idx="1">
+            <a:schemeClr val="lt1"/>
+          </a:fillRef>
+          <a:effectRef idx="0">
+            <a:schemeClr val="accent4"/>
+          </a:effectRef>
+          <a:fontRef idx="minor">
+            <a:schemeClr val="dk1"/>
+          </a:fontRef>
+        </p:style>
+        <p:txBody>
+          <a:bodyPr rot="0" spcFirstLastPara="0" vert="horz" wrap="square" lIns="91440" tIns="45720" rIns="91440" bIns="45720" numCol="1" spcCol="0" rtlCol="0" fromWordArt="0" anchor="t" anchorCtr="0" forceAA="0" compatLnSpc="1">
+            <a:prstTxWarp prst="textNoShape">
+              <a:avLst/>
+            </a:prstTxWarp>
+            <a:noAutofit/>
+          </a:bodyPr>
+          <a:lstStyle>
+            <a:lvl1pPr marL="0" indent="0">
+              <a:defRPr sz="1100">
+                <a:solidFill>
+                  <a:schemeClr val="dk1"/>
+                </a:solidFill>
+                <a:latin typeface="+mn-lt"/>
+                <a:ea typeface="+mn-ea"/>
+                <a:cs typeface="+mn-cs"/>
+              </a:defRPr>
+            </a:lvl1pPr>
+            <a:lvl2pPr marL="457200" indent="0">
+              <a:defRPr sz="1100">
+                <a:solidFill>
+                  <a:schemeClr val="dk1"/>
+                </a:solidFill>
+                <a:latin typeface="+mn-lt"/>
+                <a:ea typeface="+mn-ea"/>
+                <a:cs typeface="+mn-cs"/>
+              </a:defRPr>
+            </a:lvl2pPr>
+            <a:lvl3pPr marL="914400" indent="0">
+              <a:defRPr sz="1100">
+                <a:solidFill>
+                  <a:schemeClr val="dk1"/>
+                </a:solidFill>
+                <a:latin typeface="+mn-lt"/>
+                <a:ea typeface="+mn-ea"/>
+                <a:cs typeface="+mn-cs"/>
+              </a:defRPr>
+            </a:lvl3pPr>
+            <a:lvl4pPr marL="1371600" indent="0">
+              <a:defRPr sz="1100">
+                <a:solidFill>
+                  <a:schemeClr val="dk1"/>
+                </a:solidFill>
+                <a:latin typeface="+mn-lt"/>
+                <a:ea typeface="+mn-ea"/>
+                <a:cs typeface="+mn-cs"/>
+              </a:defRPr>
+            </a:lvl4pPr>
+            <a:lvl5pPr marL="1828800" indent="0">
+              <a:defRPr sz="1100">
+                <a:solidFill>
+                  <a:schemeClr val="dk1"/>
+                </a:solidFill>
+                <a:latin typeface="+mn-lt"/>
+                <a:ea typeface="+mn-ea"/>
+                <a:cs typeface="+mn-cs"/>
+              </a:defRPr>
+            </a:lvl5pPr>
+            <a:lvl6pPr marL="2286000" indent="0">
+              <a:defRPr sz="1100">
+                <a:solidFill>
+                  <a:schemeClr val="dk1"/>
+                </a:solidFill>
+                <a:latin typeface="+mn-lt"/>
+                <a:ea typeface="+mn-ea"/>
+                <a:cs typeface="+mn-cs"/>
+              </a:defRPr>
+            </a:lvl6pPr>
+            <a:lvl7pPr marL="2743200" indent="0">
+              <a:defRPr sz="1100">
+                <a:solidFill>
+                  <a:schemeClr val="dk1"/>
+                </a:solidFill>
+                <a:latin typeface="+mn-lt"/>
+                <a:ea typeface="+mn-ea"/>
+                <a:cs typeface="+mn-cs"/>
+              </a:defRPr>
+            </a:lvl7pPr>
+            <a:lvl8pPr marL="3200400" indent="0">
+              <a:defRPr sz="1100">
+                <a:solidFill>
+                  <a:schemeClr val="dk1"/>
+                </a:solidFill>
+                <a:latin typeface="+mn-lt"/>
+                <a:ea typeface="+mn-ea"/>
+                <a:cs typeface="+mn-cs"/>
+              </a:defRPr>
+            </a:lvl8pPr>
+            <a:lvl9pPr marL="3657600" indent="0">
+              <a:defRPr sz="1100">
+                <a:solidFill>
+                  <a:schemeClr val="dk1"/>
+                </a:solidFill>
+                <a:latin typeface="+mn-lt"/>
+                <a:ea typeface="+mn-ea"/>
+                <a:cs typeface="+mn-cs"/>
+              </a:defRPr>
+            </a:lvl9pPr>
+          </a:lstStyle>
+          <a:p>
+            <a:pPr algn="l"/>
+            <a:endParaRPr kumimoji="1" lang="ja-JP" altLang="en-US" sz="1100"/>
+          </a:p>
+        </p:txBody>
+      </p:sp>
+      <p:sp>
+        <p:nvSpPr>
+          <p:cNvPr id="22" name="正方形/長方形 21"/>
+          <p:cNvSpPr/>
+          <p:nvPr/>
+        </p:nvSpPr>
+        <p:spPr>
+          <a:xfrm>
+            <a:off x="3498115" y="2582415"/>
+            <a:ext cx="1784980" cy="383043"/>
+          </a:xfrm>
+          <a:prstGeom prst="rect">
+            <a:avLst/>
+          </a:prstGeom>
+        </p:spPr>
+        <p:style>
+          <a:lnRef idx="2">
+            <a:schemeClr val="accent6"/>
+          </a:lnRef>
+          <a:fillRef idx="1">
+            <a:schemeClr val="lt1"/>
+          </a:fillRef>
+          <a:effectRef idx="0">
+            <a:schemeClr val="accent6"/>
+          </a:effectRef>
+          <a:fontRef idx="minor">
+            <a:schemeClr val="dk1"/>
+          </a:fontRef>
+        </p:style>
+        <p:txBody>
+          <a:bodyPr rot="0" spcFirstLastPara="0" vert="horz" wrap="square" lIns="91440" tIns="45720" rIns="91440" bIns="45720" numCol="1" spcCol="0" rtlCol="0" fromWordArt="0" anchor="ctr" anchorCtr="0" forceAA="0" compatLnSpc="1">
+            <a:prstTxWarp prst="textNoShape">
+              <a:avLst/>
+            </a:prstTxWarp>
+            <a:noAutofit/>
+          </a:bodyPr>
+          <a:lstStyle>
+            <a:lvl1pPr marL="0" indent="0">
+              <a:defRPr sz="1100">
+                <a:solidFill>
+                  <a:schemeClr val="dk1"/>
+                </a:solidFill>
+                <a:latin typeface="+mn-lt"/>
+                <a:ea typeface="+mn-ea"/>
+                <a:cs typeface="+mn-cs"/>
+              </a:defRPr>
+            </a:lvl1pPr>
+            <a:lvl2pPr marL="457200" indent="0">
+              <a:defRPr sz="1100">
+                <a:solidFill>
+                  <a:schemeClr val="dk1"/>
+                </a:solidFill>
+                <a:latin typeface="+mn-lt"/>
+                <a:ea typeface="+mn-ea"/>
+                <a:cs typeface="+mn-cs"/>
+              </a:defRPr>
+            </a:lvl2pPr>
+            <a:lvl3pPr marL="914400" indent="0">
+              <a:defRPr sz="1100">
+                <a:solidFill>
+                  <a:schemeClr val="dk1"/>
+                </a:solidFill>
+                <a:latin typeface="+mn-lt"/>
+                <a:ea typeface="+mn-ea"/>
+                <a:cs typeface="+mn-cs"/>
+              </a:defRPr>
+            </a:lvl3pPr>
+            <a:lvl4pPr marL="1371600" indent="0">
+              <a:defRPr sz="1100">
+                <a:solidFill>
+                  <a:schemeClr val="dk1"/>
+                </a:solidFill>
+                <a:latin typeface="+mn-lt"/>
+                <a:ea typeface="+mn-ea"/>
+                <a:cs typeface="+mn-cs"/>
+              </a:defRPr>
+            </a:lvl4pPr>
+            <a:lvl5pPr marL="1828800" indent="0">
+              <a:defRPr sz="1100">
+                <a:solidFill>
+                  <a:schemeClr val="dk1"/>
+                </a:solidFill>
+                <a:latin typeface="+mn-lt"/>
+                <a:ea typeface="+mn-ea"/>
+                <a:cs typeface="+mn-cs"/>
+              </a:defRPr>
+            </a:lvl5pPr>
+            <a:lvl6pPr marL="2286000" indent="0">
+              <a:defRPr sz="1100">
+                <a:solidFill>
+                  <a:schemeClr val="dk1"/>
+                </a:solidFill>
+                <a:latin typeface="+mn-lt"/>
+                <a:ea typeface="+mn-ea"/>
+                <a:cs typeface="+mn-cs"/>
+              </a:defRPr>
+            </a:lvl6pPr>
+            <a:lvl7pPr marL="2743200" indent="0">
+              <a:defRPr sz="1100">
+                <a:solidFill>
+                  <a:schemeClr val="dk1"/>
+                </a:solidFill>
+                <a:latin typeface="+mn-lt"/>
+                <a:ea typeface="+mn-ea"/>
+                <a:cs typeface="+mn-cs"/>
+              </a:defRPr>
+            </a:lvl7pPr>
+            <a:lvl8pPr marL="3200400" indent="0">
+              <a:defRPr sz="1100">
+                <a:solidFill>
+                  <a:schemeClr val="dk1"/>
+                </a:solidFill>
+                <a:latin typeface="+mn-lt"/>
+                <a:ea typeface="+mn-ea"/>
+                <a:cs typeface="+mn-cs"/>
+              </a:defRPr>
+            </a:lvl8pPr>
+            <a:lvl9pPr marL="3657600" indent="0">
+              <a:defRPr sz="1100">
+                <a:solidFill>
+                  <a:schemeClr val="dk1"/>
+                </a:solidFill>
+                <a:latin typeface="+mn-lt"/>
+                <a:ea typeface="+mn-ea"/>
+                <a:cs typeface="+mn-cs"/>
+              </a:defRPr>
+            </a:lvl9pPr>
+          </a:lstStyle>
+          <a:p>
+            <a:pPr algn="ctr"/>
+            <a:r>
+              <a:rPr kumimoji="1" lang="ja-JP" altLang="en-US" sz="1600">
+                <a:solidFill>
+                  <a:schemeClr val="bg1">
+                    <a:lumMod val="50000"/>
+                  </a:schemeClr>
+                </a:solidFill>
+              </a:rPr>
+              <a:t>サーバ</a:t>
+            </a:r>
+          </a:p>
+        </p:txBody>
+      </p:sp>
+      <p:sp>
+        <p:nvSpPr>
+          <p:cNvPr id="23" name="右矢印 22"/>
+          <p:cNvSpPr/>
+          <p:nvPr/>
+        </p:nvSpPr>
+        <p:spPr>
+          <a:xfrm rot="3600000">
+            <a:off x="4995372" y="3136111"/>
+            <a:ext cx="314095" cy="344738"/>
+          </a:xfrm>
+          <a:prstGeom prst="rightArrow">
+            <a:avLst/>
+          </a:prstGeom>
+        </p:spPr>
+        <p:style>
+          <a:lnRef idx="2">
+            <a:schemeClr val="accent4"/>
+          </a:lnRef>
+          <a:fillRef idx="1">
+            <a:schemeClr val="lt1"/>
+          </a:fillRef>
+          <a:effectRef idx="0">
+            <a:schemeClr val="accent4"/>
+          </a:effectRef>
+          <a:fontRef idx="minor">
+            <a:schemeClr val="dk1"/>
+          </a:fontRef>
+        </p:style>
+        <p:txBody>
+          <a:bodyPr rot="0" spcFirstLastPara="0" vert="horz" wrap="square" lIns="91440" tIns="45720" rIns="91440" bIns="45720" numCol="1" spcCol="0" rtlCol="0" fromWordArt="0" anchor="t" anchorCtr="0" forceAA="0" compatLnSpc="1">
+            <a:prstTxWarp prst="textNoShape">
+              <a:avLst/>
+            </a:prstTxWarp>
+            <a:noAutofit/>
+          </a:bodyPr>
+          <a:lstStyle>
+            <a:lvl1pPr marL="0" indent="0">
+              <a:defRPr sz="1100">
+                <a:solidFill>
+                  <a:schemeClr val="dk1"/>
+                </a:solidFill>
+                <a:latin typeface="+mn-lt"/>
+                <a:ea typeface="+mn-ea"/>
+                <a:cs typeface="+mn-cs"/>
+              </a:defRPr>
+            </a:lvl1pPr>
+            <a:lvl2pPr marL="457200" indent="0">
+              <a:defRPr sz="1100">
+                <a:solidFill>
+                  <a:schemeClr val="dk1"/>
+                </a:solidFill>
+                <a:latin typeface="+mn-lt"/>
+                <a:ea typeface="+mn-ea"/>
+                <a:cs typeface="+mn-cs"/>
+              </a:defRPr>
+            </a:lvl2pPr>
+            <a:lvl3pPr marL="914400" indent="0">
+              <a:defRPr sz="1100">
+                <a:solidFill>
+                  <a:schemeClr val="dk1"/>
+                </a:solidFill>
+                <a:latin typeface="+mn-lt"/>
+                <a:ea typeface="+mn-ea"/>
+                <a:cs typeface="+mn-cs"/>
+              </a:defRPr>
+            </a:lvl3pPr>
+            <a:lvl4pPr marL="1371600" indent="0">
+              <a:defRPr sz="1100">
+                <a:solidFill>
+                  <a:schemeClr val="dk1"/>
+                </a:solidFill>
+                <a:latin typeface="+mn-lt"/>
+                <a:ea typeface="+mn-ea"/>
+                <a:cs typeface="+mn-cs"/>
+              </a:defRPr>
+            </a:lvl4pPr>
+            <a:lvl5pPr marL="1828800" indent="0">
+              <a:defRPr sz="1100">
+                <a:solidFill>
+                  <a:schemeClr val="dk1"/>
+                </a:solidFill>
+                <a:latin typeface="+mn-lt"/>
+                <a:ea typeface="+mn-ea"/>
+                <a:cs typeface="+mn-cs"/>
+              </a:defRPr>
+            </a:lvl5pPr>
+            <a:lvl6pPr marL="2286000" indent="0">
+              <a:defRPr sz="1100">
+                <a:solidFill>
+                  <a:schemeClr val="dk1"/>
+                </a:solidFill>
+                <a:latin typeface="+mn-lt"/>
+                <a:ea typeface="+mn-ea"/>
+                <a:cs typeface="+mn-cs"/>
+              </a:defRPr>
+            </a:lvl6pPr>
+            <a:lvl7pPr marL="2743200" indent="0">
+              <a:defRPr sz="1100">
+                <a:solidFill>
+                  <a:schemeClr val="dk1"/>
+                </a:solidFill>
+                <a:latin typeface="+mn-lt"/>
+                <a:ea typeface="+mn-ea"/>
+                <a:cs typeface="+mn-cs"/>
+              </a:defRPr>
+            </a:lvl7pPr>
+            <a:lvl8pPr marL="3200400" indent="0">
+              <a:defRPr sz="1100">
+                <a:solidFill>
+                  <a:schemeClr val="dk1"/>
+                </a:solidFill>
+                <a:latin typeface="+mn-lt"/>
+                <a:ea typeface="+mn-ea"/>
+                <a:cs typeface="+mn-cs"/>
+              </a:defRPr>
+            </a:lvl8pPr>
+            <a:lvl9pPr marL="3657600" indent="0">
+              <a:defRPr sz="1100">
+                <a:solidFill>
+                  <a:schemeClr val="dk1"/>
+                </a:solidFill>
+                <a:latin typeface="+mn-lt"/>
+                <a:ea typeface="+mn-ea"/>
+                <a:cs typeface="+mn-cs"/>
+              </a:defRPr>
+            </a:lvl9pPr>
+          </a:lstStyle>
+          <a:p>
+            <a:pPr algn="l"/>
+            <a:endParaRPr kumimoji="1" lang="ja-JP" altLang="en-US" sz="1100"/>
+          </a:p>
+        </p:txBody>
+      </p:sp>
+      <p:sp>
+        <p:nvSpPr>
+          <p:cNvPr id="24" name="正方形/長方形 23"/>
+          <p:cNvSpPr/>
+          <p:nvPr/>
+        </p:nvSpPr>
+        <p:spPr>
+          <a:xfrm>
+            <a:off x="5260240" y="5897115"/>
+            <a:ext cx="1784980" cy="383043"/>
+          </a:xfrm>
+          <a:prstGeom prst="rect">
+            <a:avLst/>
+          </a:prstGeom>
+          <a:solidFill>
+            <a:schemeClr val="bg1">
+              <a:lumMod val="85000"/>
+            </a:schemeClr>
+          </a:solidFill>
+          <a:ln>
+            <a:solidFill>
+              <a:schemeClr val="bg1">
+                <a:lumMod val="50000"/>
+              </a:schemeClr>
+            </a:solidFill>
+          </a:ln>
+        </p:spPr>
+        <p:style>
+          <a:lnRef idx="2">
+            <a:schemeClr val="accent6"/>
+          </a:lnRef>
+          <a:fillRef idx="1">
+            <a:schemeClr val="lt1"/>
+          </a:fillRef>
+          <a:effectRef idx="0">
+            <a:schemeClr val="accent6"/>
+          </a:effectRef>
+          <a:fontRef idx="minor">
+            <a:schemeClr val="dk1"/>
+          </a:fontRef>
+        </p:style>
+        <p:txBody>
+          <a:bodyPr rot="0" spcFirstLastPara="0" vert="horz" wrap="square" lIns="91440" tIns="45720" rIns="91440" bIns="45720" numCol="1" spcCol="0" rtlCol="0" fromWordArt="0" anchor="ctr" anchorCtr="0" forceAA="0" compatLnSpc="1">
+            <a:prstTxWarp prst="textNoShape">
+              <a:avLst/>
+            </a:prstTxWarp>
+            <a:noAutofit/>
+          </a:bodyPr>
+          <a:lstStyle>
+            <a:lvl1pPr marL="0" indent="0">
+              <a:defRPr sz="1100">
+                <a:solidFill>
+                  <a:schemeClr val="dk1"/>
+                </a:solidFill>
+                <a:latin typeface="+mn-lt"/>
+                <a:ea typeface="+mn-ea"/>
+                <a:cs typeface="+mn-cs"/>
+              </a:defRPr>
+            </a:lvl1pPr>
+            <a:lvl2pPr marL="457200" indent="0">
+              <a:defRPr sz="1100">
+                <a:solidFill>
+                  <a:schemeClr val="dk1"/>
+                </a:solidFill>
+                <a:latin typeface="+mn-lt"/>
+                <a:ea typeface="+mn-ea"/>
+                <a:cs typeface="+mn-cs"/>
+              </a:defRPr>
+            </a:lvl2pPr>
+            <a:lvl3pPr marL="914400" indent="0">
+              <a:defRPr sz="1100">
+                <a:solidFill>
+                  <a:schemeClr val="dk1"/>
+                </a:solidFill>
+                <a:latin typeface="+mn-lt"/>
+                <a:ea typeface="+mn-ea"/>
+                <a:cs typeface="+mn-cs"/>
+              </a:defRPr>
+            </a:lvl3pPr>
+            <a:lvl4pPr marL="1371600" indent="0">
+              <a:defRPr sz="1100">
+                <a:solidFill>
+                  <a:schemeClr val="dk1"/>
+                </a:solidFill>
+                <a:latin typeface="+mn-lt"/>
+                <a:ea typeface="+mn-ea"/>
+                <a:cs typeface="+mn-cs"/>
+              </a:defRPr>
+            </a:lvl4pPr>
+            <a:lvl5pPr marL="1828800" indent="0">
+              <a:defRPr sz="1100">
+                <a:solidFill>
+                  <a:schemeClr val="dk1"/>
+                </a:solidFill>
+                <a:latin typeface="+mn-lt"/>
+                <a:ea typeface="+mn-ea"/>
+                <a:cs typeface="+mn-cs"/>
+              </a:defRPr>
+            </a:lvl5pPr>
+            <a:lvl6pPr marL="2286000" indent="0">
+              <a:defRPr sz="1100">
+                <a:solidFill>
+                  <a:schemeClr val="dk1"/>
+                </a:solidFill>
+                <a:latin typeface="+mn-lt"/>
+                <a:ea typeface="+mn-ea"/>
+                <a:cs typeface="+mn-cs"/>
+              </a:defRPr>
+            </a:lvl6pPr>
+            <a:lvl7pPr marL="2743200" indent="0">
+              <a:defRPr sz="1100">
+                <a:solidFill>
+                  <a:schemeClr val="dk1"/>
+                </a:solidFill>
+                <a:latin typeface="+mn-lt"/>
+                <a:ea typeface="+mn-ea"/>
+                <a:cs typeface="+mn-cs"/>
+              </a:defRPr>
+            </a:lvl7pPr>
+            <a:lvl8pPr marL="3200400" indent="0">
+              <a:defRPr sz="1100">
+                <a:solidFill>
+                  <a:schemeClr val="dk1"/>
+                </a:solidFill>
+                <a:latin typeface="+mn-lt"/>
+                <a:ea typeface="+mn-ea"/>
+                <a:cs typeface="+mn-cs"/>
+              </a:defRPr>
+            </a:lvl8pPr>
+            <a:lvl9pPr marL="3657600" indent="0">
+              <a:defRPr sz="1100">
+                <a:solidFill>
+                  <a:schemeClr val="dk1"/>
+                </a:solidFill>
+                <a:latin typeface="+mn-lt"/>
+                <a:ea typeface="+mn-ea"/>
+                <a:cs typeface="+mn-cs"/>
+              </a:defRPr>
+            </a:lvl9pPr>
+          </a:lstStyle>
+          <a:p>
+            <a:pPr algn="ctr"/>
+            <a:r>
+              <a:rPr kumimoji="1" lang="ja-JP" altLang="en-US" sz="1600">
+                <a:solidFill>
+                  <a:schemeClr val="bg1">
+                    <a:lumMod val="50000"/>
+                  </a:schemeClr>
+                </a:solidFill>
+              </a:rPr>
+              <a:t>ボタン</a:t>
+            </a:r>
+            <a:r>
+              <a:rPr kumimoji="1" lang="en-US" altLang="ja-JP" sz="1600">
+                <a:solidFill>
+                  <a:schemeClr val="bg1">
+                    <a:lumMod val="50000"/>
+                  </a:schemeClr>
+                </a:solidFill>
+              </a:rPr>
+              <a:t>2</a:t>
+            </a:r>
+            <a:endParaRPr kumimoji="1" lang="ja-JP" altLang="en-US" sz="1600">
+              <a:solidFill>
+                <a:schemeClr val="bg1">
+                  <a:lumMod val="50000"/>
+                </a:schemeClr>
+              </a:solidFill>
+            </a:endParaRPr>
+          </a:p>
+        </p:txBody>
+      </p:sp>
+      <p:sp>
+        <p:nvSpPr>
+          <p:cNvPr id="25" name="正方形/長方形 24"/>
+          <p:cNvSpPr/>
+          <p:nvPr/>
+        </p:nvSpPr>
+        <p:spPr>
+          <a:xfrm>
+            <a:off x="1678840" y="3887340"/>
+            <a:ext cx="1784980" cy="268743"/>
+          </a:xfrm>
+          <a:prstGeom prst="rect">
+            <a:avLst/>
+          </a:prstGeom>
+        </p:spPr>
+        <p:style>
+          <a:lnRef idx="2">
+            <a:schemeClr val="accent6"/>
+          </a:lnRef>
+          <a:fillRef idx="1">
+            <a:schemeClr val="lt1"/>
+          </a:fillRef>
+          <a:effectRef idx="0">
+            <a:schemeClr val="accent6"/>
+          </a:effectRef>
+          <a:fontRef idx="minor">
+            <a:schemeClr val="dk1"/>
+          </a:fontRef>
+        </p:style>
+        <p:txBody>
+          <a:bodyPr rot="0" spcFirstLastPara="0" vert="horz" wrap="square" lIns="91440" tIns="45720" rIns="91440" bIns="45720" numCol="1" spcCol="0" rtlCol="0" fromWordArt="0" anchor="ctr" anchorCtr="0" forceAA="0" compatLnSpc="1">
+            <a:prstTxWarp prst="textNoShape">
+              <a:avLst/>
+            </a:prstTxWarp>
+            <a:noAutofit/>
+          </a:bodyPr>
+          <a:lstStyle>
+            <a:lvl1pPr marL="0" indent="0">
+              <a:defRPr sz="1100">
+                <a:solidFill>
+                  <a:schemeClr val="dk1"/>
+                </a:solidFill>
+                <a:latin typeface="+mn-lt"/>
+                <a:ea typeface="+mn-ea"/>
+                <a:cs typeface="+mn-cs"/>
+              </a:defRPr>
+            </a:lvl1pPr>
+            <a:lvl2pPr marL="457200" indent="0">
+              <a:defRPr sz="1100">
+                <a:solidFill>
+                  <a:schemeClr val="dk1"/>
+                </a:solidFill>
+                <a:latin typeface="+mn-lt"/>
+                <a:ea typeface="+mn-ea"/>
+                <a:cs typeface="+mn-cs"/>
+              </a:defRPr>
+            </a:lvl2pPr>
+            <a:lvl3pPr marL="914400" indent="0">
+              <a:defRPr sz="1100">
+                <a:solidFill>
+                  <a:schemeClr val="dk1"/>
+                </a:solidFill>
+                <a:latin typeface="+mn-lt"/>
+                <a:ea typeface="+mn-ea"/>
+                <a:cs typeface="+mn-cs"/>
+              </a:defRPr>
+            </a:lvl3pPr>
+            <a:lvl4pPr marL="1371600" indent="0">
+              <a:defRPr sz="1100">
+                <a:solidFill>
+                  <a:schemeClr val="dk1"/>
+                </a:solidFill>
+                <a:latin typeface="+mn-lt"/>
+                <a:ea typeface="+mn-ea"/>
+                <a:cs typeface="+mn-cs"/>
+              </a:defRPr>
+            </a:lvl4pPr>
+            <a:lvl5pPr marL="1828800" indent="0">
+              <a:defRPr sz="1100">
+                <a:solidFill>
+                  <a:schemeClr val="dk1"/>
+                </a:solidFill>
+                <a:latin typeface="+mn-lt"/>
+                <a:ea typeface="+mn-ea"/>
+                <a:cs typeface="+mn-cs"/>
+              </a:defRPr>
+            </a:lvl5pPr>
+            <a:lvl6pPr marL="2286000" indent="0">
+              <a:defRPr sz="1100">
+                <a:solidFill>
+                  <a:schemeClr val="dk1"/>
+                </a:solidFill>
+                <a:latin typeface="+mn-lt"/>
+                <a:ea typeface="+mn-ea"/>
+                <a:cs typeface="+mn-cs"/>
+              </a:defRPr>
+            </a:lvl6pPr>
+            <a:lvl7pPr marL="2743200" indent="0">
+              <a:defRPr sz="1100">
+                <a:solidFill>
+                  <a:schemeClr val="dk1"/>
+                </a:solidFill>
+                <a:latin typeface="+mn-lt"/>
+                <a:ea typeface="+mn-ea"/>
+                <a:cs typeface="+mn-cs"/>
+              </a:defRPr>
+            </a:lvl7pPr>
+            <a:lvl8pPr marL="3200400" indent="0">
+              <a:defRPr sz="1100">
+                <a:solidFill>
+                  <a:schemeClr val="dk1"/>
+                </a:solidFill>
+                <a:latin typeface="+mn-lt"/>
+                <a:ea typeface="+mn-ea"/>
+                <a:cs typeface="+mn-cs"/>
+              </a:defRPr>
+            </a:lvl8pPr>
+            <a:lvl9pPr marL="3657600" indent="0">
+              <a:defRPr sz="1100">
+                <a:solidFill>
+                  <a:schemeClr val="dk1"/>
+                </a:solidFill>
+                <a:latin typeface="+mn-lt"/>
+                <a:ea typeface="+mn-ea"/>
+                <a:cs typeface="+mn-cs"/>
+              </a:defRPr>
+            </a:lvl9pPr>
+          </a:lstStyle>
+          <a:p>
+            <a:pPr algn="ctr"/>
+            <a:r>
+              <a:rPr kumimoji="1" lang="ja-JP" altLang="en-US" sz="1600">
+                <a:solidFill>
+                  <a:schemeClr val="bg1">
+                    <a:lumMod val="50000"/>
+                  </a:schemeClr>
+                </a:solidFill>
+              </a:rPr>
+              <a:t>ヘッダー</a:t>
+            </a:r>
+          </a:p>
+        </p:txBody>
+      </p:sp>
+      <p:sp>
+        <p:nvSpPr>
+          <p:cNvPr id="26" name="正方形/長方形 25"/>
+          <p:cNvSpPr/>
+          <p:nvPr/>
+        </p:nvSpPr>
+        <p:spPr>
+          <a:xfrm>
+            <a:off x="5260240" y="3877815"/>
+            <a:ext cx="1784980" cy="268743"/>
+          </a:xfrm>
+          <a:prstGeom prst="rect">
+            <a:avLst/>
+          </a:prstGeom>
+          <a:solidFill>
+            <a:schemeClr val="bg1">
+              <a:lumMod val="85000"/>
+            </a:schemeClr>
+          </a:solidFill>
+          <a:ln>
+            <a:solidFill>
+              <a:schemeClr val="bg1">
+                <a:lumMod val="50000"/>
+              </a:schemeClr>
+            </a:solidFill>
+          </a:ln>
+        </p:spPr>
+        <p:style>
+          <a:lnRef idx="2">
+            <a:schemeClr val="accent6"/>
+          </a:lnRef>
+          <a:fillRef idx="1">
+            <a:schemeClr val="lt1"/>
+          </a:fillRef>
+          <a:effectRef idx="0">
+            <a:schemeClr val="accent6"/>
+          </a:effectRef>
+          <a:fontRef idx="minor">
+            <a:schemeClr val="dk1"/>
+          </a:fontRef>
+        </p:style>
+        <p:txBody>
+          <a:bodyPr rot="0" spcFirstLastPara="0" vert="horz" wrap="square" lIns="91440" tIns="45720" rIns="91440" bIns="45720" numCol="1" spcCol="0" rtlCol="0" fromWordArt="0" anchor="ctr" anchorCtr="0" forceAA="0" compatLnSpc="1">
+            <a:prstTxWarp prst="textNoShape">
+              <a:avLst/>
+            </a:prstTxWarp>
+            <a:noAutofit/>
+          </a:bodyPr>
+          <a:lstStyle>
+            <a:lvl1pPr marL="0" indent="0">
+              <a:defRPr sz="1100">
+                <a:solidFill>
+                  <a:schemeClr val="dk1"/>
+                </a:solidFill>
+                <a:latin typeface="+mn-lt"/>
+                <a:ea typeface="+mn-ea"/>
+                <a:cs typeface="+mn-cs"/>
+              </a:defRPr>
+            </a:lvl1pPr>
+            <a:lvl2pPr marL="457200" indent="0">
+              <a:defRPr sz="1100">
+                <a:solidFill>
+                  <a:schemeClr val="dk1"/>
+                </a:solidFill>
+                <a:latin typeface="+mn-lt"/>
+                <a:ea typeface="+mn-ea"/>
+                <a:cs typeface="+mn-cs"/>
+              </a:defRPr>
+            </a:lvl2pPr>
+            <a:lvl3pPr marL="914400" indent="0">
+              <a:defRPr sz="1100">
+                <a:solidFill>
+                  <a:schemeClr val="dk1"/>
+                </a:solidFill>
+                <a:latin typeface="+mn-lt"/>
+                <a:ea typeface="+mn-ea"/>
+                <a:cs typeface="+mn-cs"/>
+              </a:defRPr>
+            </a:lvl3pPr>
+            <a:lvl4pPr marL="1371600" indent="0">
+              <a:defRPr sz="1100">
+                <a:solidFill>
+                  <a:schemeClr val="dk1"/>
+                </a:solidFill>
+                <a:latin typeface="+mn-lt"/>
+                <a:ea typeface="+mn-ea"/>
+                <a:cs typeface="+mn-cs"/>
+              </a:defRPr>
+            </a:lvl4pPr>
+            <a:lvl5pPr marL="1828800" indent="0">
+              <a:defRPr sz="1100">
+                <a:solidFill>
+                  <a:schemeClr val="dk1"/>
+                </a:solidFill>
+                <a:latin typeface="+mn-lt"/>
+                <a:ea typeface="+mn-ea"/>
+                <a:cs typeface="+mn-cs"/>
+              </a:defRPr>
+            </a:lvl5pPr>
+            <a:lvl6pPr marL="2286000" indent="0">
+              <a:defRPr sz="1100">
+                <a:solidFill>
+                  <a:schemeClr val="dk1"/>
+                </a:solidFill>
+                <a:latin typeface="+mn-lt"/>
+                <a:ea typeface="+mn-ea"/>
+                <a:cs typeface="+mn-cs"/>
+              </a:defRPr>
+            </a:lvl6pPr>
+            <a:lvl7pPr marL="2743200" indent="0">
+              <a:defRPr sz="1100">
+                <a:solidFill>
+                  <a:schemeClr val="dk1"/>
+                </a:solidFill>
+                <a:latin typeface="+mn-lt"/>
+                <a:ea typeface="+mn-ea"/>
+                <a:cs typeface="+mn-cs"/>
+              </a:defRPr>
+            </a:lvl7pPr>
+            <a:lvl8pPr marL="3200400" indent="0">
+              <a:defRPr sz="1100">
+                <a:solidFill>
+                  <a:schemeClr val="dk1"/>
+                </a:solidFill>
+                <a:latin typeface="+mn-lt"/>
+                <a:ea typeface="+mn-ea"/>
+                <a:cs typeface="+mn-cs"/>
+              </a:defRPr>
+            </a:lvl8pPr>
+            <a:lvl9pPr marL="3657600" indent="0">
+              <a:defRPr sz="1100">
+                <a:solidFill>
+                  <a:schemeClr val="dk1"/>
+                </a:solidFill>
+                <a:latin typeface="+mn-lt"/>
+                <a:ea typeface="+mn-ea"/>
+                <a:cs typeface="+mn-cs"/>
+              </a:defRPr>
+            </a:lvl9pPr>
+          </a:lstStyle>
+          <a:p>
+            <a:pPr algn="ctr"/>
+            <a:r>
+              <a:rPr kumimoji="1" lang="ja-JP" altLang="en-US" sz="1600">
+                <a:solidFill>
+                  <a:schemeClr val="bg1">
+                    <a:lumMod val="50000"/>
+                  </a:schemeClr>
+                </a:solidFill>
+              </a:rPr>
+              <a:t>ヘッダー</a:t>
+            </a:r>
+          </a:p>
+        </p:txBody>
+      </p:sp>
+      <p:sp>
+        <p:nvSpPr>
+          <p:cNvPr id="27" name="正方形/長方形 26"/>
+          <p:cNvSpPr/>
+          <p:nvPr/>
+        </p:nvSpPr>
+        <p:spPr>
+          <a:xfrm>
+            <a:off x="5184040" y="2963126"/>
+            <a:ext cx="2418532" cy="278558"/>
+          </a:xfrm>
+          <a:prstGeom prst="rect">
+            <a:avLst/>
+          </a:prstGeom>
+          <a:noFill/>
+          <a:ln>
+            <a:noFill/>
+          </a:ln>
+        </p:spPr>
+        <p:style>
+          <a:lnRef idx="2">
+            <a:schemeClr val="accent6"/>
+          </a:lnRef>
+          <a:fillRef idx="1">
+            <a:schemeClr val="lt1"/>
+          </a:fillRef>
+          <a:effectRef idx="0">
+            <a:schemeClr val="accent6"/>
+          </a:effectRef>
+          <a:fontRef idx="minor">
+            <a:schemeClr val="dk1"/>
+          </a:fontRef>
+        </p:style>
+        <p:txBody>
+          <a:bodyPr rot="0" spcFirstLastPara="0" vert="horz" wrap="square" lIns="91440" tIns="45720" rIns="91440" bIns="45720" numCol="1" spcCol="0" rtlCol="0" fromWordArt="0" anchor="ctr" anchorCtr="0" forceAA="0" compatLnSpc="1">
+            <a:prstTxWarp prst="textNoShape">
+              <a:avLst/>
+            </a:prstTxWarp>
+            <a:noAutofit/>
+          </a:bodyPr>
+          <a:lstStyle>
+            <a:lvl1pPr marL="0" indent="0">
+              <a:defRPr sz="1100">
+                <a:solidFill>
+                  <a:schemeClr val="dk1"/>
+                </a:solidFill>
+                <a:latin typeface="+mn-lt"/>
+                <a:ea typeface="+mn-ea"/>
+                <a:cs typeface="+mn-cs"/>
+              </a:defRPr>
+            </a:lvl1pPr>
+            <a:lvl2pPr marL="457200" indent="0">
+              <a:defRPr sz="1100">
+                <a:solidFill>
+                  <a:schemeClr val="dk1"/>
+                </a:solidFill>
+                <a:latin typeface="+mn-lt"/>
+                <a:ea typeface="+mn-ea"/>
+                <a:cs typeface="+mn-cs"/>
+              </a:defRPr>
+            </a:lvl2pPr>
+            <a:lvl3pPr marL="914400" indent="0">
+              <a:defRPr sz="1100">
+                <a:solidFill>
+                  <a:schemeClr val="dk1"/>
+                </a:solidFill>
+                <a:latin typeface="+mn-lt"/>
+                <a:ea typeface="+mn-ea"/>
+                <a:cs typeface="+mn-cs"/>
+              </a:defRPr>
+            </a:lvl3pPr>
+            <a:lvl4pPr marL="1371600" indent="0">
+              <a:defRPr sz="1100">
+                <a:solidFill>
+                  <a:schemeClr val="dk1"/>
+                </a:solidFill>
+                <a:latin typeface="+mn-lt"/>
+                <a:ea typeface="+mn-ea"/>
+                <a:cs typeface="+mn-cs"/>
+              </a:defRPr>
+            </a:lvl4pPr>
+            <a:lvl5pPr marL="1828800" indent="0">
+              <a:defRPr sz="1100">
+                <a:solidFill>
+                  <a:schemeClr val="dk1"/>
+                </a:solidFill>
+                <a:latin typeface="+mn-lt"/>
+                <a:ea typeface="+mn-ea"/>
+                <a:cs typeface="+mn-cs"/>
+              </a:defRPr>
+            </a:lvl5pPr>
+            <a:lvl6pPr marL="2286000" indent="0">
+              <a:defRPr sz="1100">
+                <a:solidFill>
+                  <a:schemeClr val="dk1"/>
+                </a:solidFill>
+                <a:latin typeface="+mn-lt"/>
+                <a:ea typeface="+mn-ea"/>
+                <a:cs typeface="+mn-cs"/>
+              </a:defRPr>
+            </a:lvl6pPr>
+            <a:lvl7pPr marL="2743200" indent="0">
+              <a:defRPr sz="1100">
+                <a:solidFill>
+                  <a:schemeClr val="dk1"/>
+                </a:solidFill>
+                <a:latin typeface="+mn-lt"/>
+                <a:ea typeface="+mn-ea"/>
+                <a:cs typeface="+mn-cs"/>
+              </a:defRPr>
+            </a:lvl7pPr>
+            <a:lvl8pPr marL="3200400" indent="0">
+              <a:defRPr sz="1100">
+                <a:solidFill>
+                  <a:schemeClr val="dk1"/>
+                </a:solidFill>
+                <a:latin typeface="+mn-lt"/>
+                <a:ea typeface="+mn-ea"/>
+                <a:cs typeface="+mn-cs"/>
+              </a:defRPr>
+            </a:lvl8pPr>
+            <a:lvl9pPr marL="3657600" indent="0">
+              <a:defRPr sz="1100">
+                <a:solidFill>
+                  <a:schemeClr val="dk1"/>
+                </a:solidFill>
+                <a:latin typeface="+mn-lt"/>
+                <a:ea typeface="+mn-ea"/>
+                <a:cs typeface="+mn-cs"/>
+              </a:defRPr>
+            </a:lvl9pPr>
+          </a:lstStyle>
+          <a:p>
+            <a:pPr algn="ctr"/>
+            <a:r>
+              <a:rPr kumimoji="1" lang="en-US" altLang="ja-JP" sz="1600" dirty="0" smtClean="0">
+                <a:solidFill>
+                  <a:schemeClr val="bg1">
+                    <a:lumMod val="50000"/>
+                  </a:schemeClr>
+                </a:solidFill>
+              </a:rPr>
+              <a:t>HTML</a:t>
+            </a:r>
+            <a:r>
+              <a:rPr lang="ja-JP" altLang="en-US" sz="1600" dirty="0">
+                <a:solidFill>
+                  <a:schemeClr val="bg1">
+                    <a:lumMod val="50000"/>
+                  </a:schemeClr>
+                </a:solidFill>
+              </a:rPr>
+              <a:t> </a:t>
+            </a:r>
+            <a:r>
+              <a:rPr lang="en-US" altLang="ja-JP" sz="1600" dirty="0" smtClean="0">
+                <a:solidFill>
+                  <a:schemeClr val="bg1">
+                    <a:lumMod val="50000"/>
+                  </a:schemeClr>
+                </a:solidFill>
+              </a:rPr>
+              <a:t>or </a:t>
+            </a:r>
+            <a:r>
+              <a:rPr kumimoji="1" lang="en-US" altLang="ja-JP" sz="1600" dirty="0" smtClean="0">
+                <a:solidFill>
+                  <a:schemeClr val="bg1">
+                    <a:lumMod val="50000"/>
+                  </a:schemeClr>
+                </a:solidFill>
+              </a:rPr>
+              <a:t>HTML</a:t>
+            </a:r>
+            <a:r>
+              <a:rPr kumimoji="1" lang="ja-JP" altLang="en-US" sz="1600" dirty="0">
+                <a:solidFill>
+                  <a:schemeClr val="bg1">
+                    <a:lumMod val="50000"/>
+                  </a:schemeClr>
+                </a:solidFill>
+              </a:rPr>
+              <a:t>の一部</a:t>
+            </a:r>
+          </a:p>
+        </p:txBody>
+      </p:sp>
+    </p:spTree>
+    <p:extLst>
+      <p:ext uri="{BB962C8B-B14F-4D97-AF65-F5344CB8AC3E}">
+        <p14:creationId xmlns:p14="http://schemas.microsoft.com/office/powerpoint/2010/main" val="202583011"/>
+      </p:ext>
+    </p:extLst>
+  </p:cSld>
+  <p:clrMapOvr>
+    <a:masterClrMapping/>
+  </p:clrMapOvr>
+  <p:timing>
+    <p:tnLst>
+      <p:par>
+        <p:cTn id="1" dur="indefinite" restart="never" nodeType="tmRoot"/>
+      </p:par>
+    </p:tnLst>
+  </p:timing>
+</p:sld>
+</file>
+
+<file path=ppt/slides/slide5.xml><?xml version="1.0" encoding="utf-8"?>
+<p:sld xmlns:a="http://schemas.openxmlformats.org/drawingml/2006/main" xmlns:r="http://schemas.openxmlformats.org/officeDocument/2006/relationships" xmlns:p="http://schemas.openxmlformats.org/presentationml/2006/main">
+  <p:cSld>
+    <p:spTree>
+      <p:nvGrpSpPr>
+        <p:cNvPr id="1" name=""/>
+        <p:cNvGrpSpPr/>
+        <p:nvPr/>
+      </p:nvGrpSpPr>
+      <p:grpSpPr>
+        <a:xfrm>
+          <a:off x="0" y="0"/>
+          <a:ext cx="0" cy="0"/>
+          <a:chOff x="0" y="0"/>
+          <a:chExt cx="0" cy="0"/>
+        </a:xfrm>
+      </p:grpSpPr>
+      <p:sp>
+        <p:nvSpPr>
+          <p:cNvPr id="3" name="コンテンツ プレースホルダー 2"/>
+          <p:cNvSpPr>
+            <a:spLocks noGrp="1"/>
+          </p:cNvSpPr>
+          <p:nvPr>
+            <p:ph idx="4294967295"/>
+          </p:nvPr>
+        </p:nvSpPr>
+        <p:spPr>
+          <a:xfrm>
+            <a:off x="467544" y="499798"/>
+            <a:ext cx="8229600" cy="5040313"/>
+          </a:xfrm>
+          <a:prstGeom prst="rect">
+            <a:avLst/>
+          </a:prstGeom>
+        </p:spPr>
+        <p:txBody>
+          <a:bodyPr>
+            <a:normAutofit/>
+          </a:bodyPr>
+          <a:lstStyle/>
+          <a:p>
+            <a:pPr marL="0" indent="0">
+              <a:buNone/>
+            </a:pPr>
+            <a:r>
+              <a:rPr lang="ja-JP" altLang="en-US" sz="4000" dirty="0">
+                <a:solidFill>
+                  <a:srgbClr val="32B490"/>
+                </a:solidFill>
+              </a:rPr>
+              <a:t>今</a:t>
+            </a:r>
+            <a:endParaRPr lang="en-US" altLang="ja-JP" sz="4000" dirty="0" smtClean="0">
+              <a:solidFill>
+                <a:srgbClr val="32B490"/>
+              </a:solidFill>
+            </a:endParaRPr>
+          </a:p>
+          <a:p>
+            <a:pPr marL="0" indent="0">
+              <a:buNone/>
+            </a:pPr>
+            <a:endParaRPr lang="en-US" altLang="ja-JP" sz="1800" dirty="0" smtClean="0">
+              <a:solidFill>
+                <a:srgbClr val="32B490"/>
+              </a:solidFill>
+            </a:endParaRPr>
+          </a:p>
+          <a:p>
+            <a:pPr marL="0" indent="0" algn="ctr">
+              <a:buNone/>
+            </a:pPr>
+            <a:r>
+              <a:rPr lang="en-US" altLang="ja-JP" sz="4000" dirty="0" smtClean="0">
+                <a:solidFill>
+                  <a:srgbClr val="32B490"/>
+                </a:solidFill>
+              </a:rPr>
+              <a:t>Ajax on HTML</a:t>
+            </a:r>
+            <a:r>
+              <a:rPr lang="ja-JP" altLang="en-US" sz="4000" dirty="0">
+                <a:solidFill>
+                  <a:srgbClr val="32B490"/>
+                </a:solidFill>
+              </a:rPr>
+              <a:t> </a:t>
+            </a:r>
+            <a:r>
+              <a:rPr lang="en-US" altLang="ja-JP" sz="4000" dirty="0" smtClean="0">
+                <a:solidFill>
+                  <a:srgbClr val="32B490"/>
+                </a:solidFill>
+              </a:rPr>
+              <a:t>(= SPA)</a:t>
+            </a:r>
+            <a:endParaRPr lang="en-US" altLang="ja-JP" sz="4000" dirty="0" smtClean="0">
+              <a:solidFill>
+                <a:srgbClr val="32B490"/>
+              </a:solidFill>
+            </a:endParaRPr>
+          </a:p>
+        </p:txBody>
+      </p:sp>
+      <p:sp>
+        <p:nvSpPr>
+          <p:cNvPr id="4" name="正方形/長方形 3"/>
+          <p:cNvSpPr/>
+          <p:nvPr/>
+        </p:nvSpPr>
+        <p:spPr>
+          <a:xfrm>
+            <a:off x="1405905" y="3637038"/>
+            <a:ext cx="2313579" cy="2857500"/>
+          </a:xfrm>
+          <a:prstGeom prst="rect">
+            <a:avLst/>
+          </a:prstGeom>
+        </p:spPr>
+        <p:style>
+          <a:lnRef idx="2">
+            <a:schemeClr val="accent6"/>
+          </a:lnRef>
+          <a:fillRef idx="1">
+            <a:schemeClr val="lt1"/>
+          </a:fillRef>
+          <a:effectRef idx="0">
+            <a:schemeClr val="accent6"/>
+          </a:effectRef>
+          <a:fontRef idx="minor">
+            <a:schemeClr val="dk1"/>
+          </a:fontRef>
+        </p:style>
+        <p:txBody>
+          <a:bodyPr rot="0" spcFirstLastPara="0" vert="horz" wrap="square" lIns="91440" tIns="45720" rIns="91440" bIns="45720" numCol="1" spcCol="0" rtlCol="0" fromWordArt="0" anchor="t" anchorCtr="0" forceAA="0" compatLnSpc="1">
+            <a:prstTxWarp prst="textNoShape">
+              <a:avLst/>
+            </a:prstTxWarp>
+            <a:noAutofit/>
+          </a:bodyPr>
+          <a:lstStyle>
+            <a:lvl1pPr marL="0" indent="0">
+              <a:defRPr sz="1100">
+                <a:solidFill>
+                  <a:schemeClr val="dk1"/>
+                </a:solidFill>
+                <a:latin typeface="+mn-lt"/>
+                <a:ea typeface="+mn-ea"/>
+                <a:cs typeface="+mn-cs"/>
+              </a:defRPr>
+            </a:lvl1pPr>
+            <a:lvl2pPr marL="457200" indent="0">
+              <a:defRPr sz="1100">
+                <a:solidFill>
+                  <a:schemeClr val="dk1"/>
+                </a:solidFill>
+                <a:latin typeface="+mn-lt"/>
+                <a:ea typeface="+mn-ea"/>
+                <a:cs typeface="+mn-cs"/>
+              </a:defRPr>
+            </a:lvl2pPr>
+            <a:lvl3pPr marL="914400" indent="0">
+              <a:defRPr sz="1100">
+                <a:solidFill>
+                  <a:schemeClr val="dk1"/>
+                </a:solidFill>
+                <a:latin typeface="+mn-lt"/>
+                <a:ea typeface="+mn-ea"/>
+                <a:cs typeface="+mn-cs"/>
+              </a:defRPr>
+            </a:lvl3pPr>
+            <a:lvl4pPr marL="1371600" indent="0">
+              <a:defRPr sz="1100">
+                <a:solidFill>
+                  <a:schemeClr val="dk1"/>
+                </a:solidFill>
+                <a:latin typeface="+mn-lt"/>
+                <a:ea typeface="+mn-ea"/>
+                <a:cs typeface="+mn-cs"/>
+              </a:defRPr>
+            </a:lvl4pPr>
+            <a:lvl5pPr marL="1828800" indent="0">
+              <a:defRPr sz="1100">
+                <a:solidFill>
+                  <a:schemeClr val="dk1"/>
+                </a:solidFill>
+                <a:latin typeface="+mn-lt"/>
+                <a:ea typeface="+mn-ea"/>
+                <a:cs typeface="+mn-cs"/>
+              </a:defRPr>
+            </a:lvl5pPr>
+            <a:lvl6pPr marL="2286000" indent="0">
+              <a:defRPr sz="1100">
+                <a:solidFill>
+                  <a:schemeClr val="dk1"/>
+                </a:solidFill>
+                <a:latin typeface="+mn-lt"/>
+                <a:ea typeface="+mn-ea"/>
+                <a:cs typeface="+mn-cs"/>
+              </a:defRPr>
+            </a:lvl6pPr>
+            <a:lvl7pPr marL="2743200" indent="0">
+              <a:defRPr sz="1100">
+                <a:solidFill>
+                  <a:schemeClr val="dk1"/>
+                </a:solidFill>
+                <a:latin typeface="+mn-lt"/>
+                <a:ea typeface="+mn-ea"/>
+                <a:cs typeface="+mn-cs"/>
+              </a:defRPr>
+            </a:lvl7pPr>
+            <a:lvl8pPr marL="3200400" indent="0">
+              <a:defRPr sz="1100">
+                <a:solidFill>
+                  <a:schemeClr val="dk1"/>
+                </a:solidFill>
+                <a:latin typeface="+mn-lt"/>
+                <a:ea typeface="+mn-ea"/>
+                <a:cs typeface="+mn-cs"/>
+              </a:defRPr>
+            </a:lvl8pPr>
+            <a:lvl9pPr marL="3657600" indent="0">
+              <a:defRPr sz="1100">
+                <a:solidFill>
+                  <a:schemeClr val="dk1"/>
+                </a:solidFill>
+                <a:latin typeface="+mn-lt"/>
+                <a:ea typeface="+mn-ea"/>
+                <a:cs typeface="+mn-cs"/>
+              </a:defRPr>
+            </a:lvl9pPr>
+          </a:lstStyle>
+          <a:p>
+            <a:pPr algn="r"/>
+            <a:r>
+              <a:rPr kumimoji="1" lang="en-US" altLang="ja-JP" sz="1600">
+                <a:solidFill>
+                  <a:schemeClr val="bg1">
+                    <a:lumMod val="50000"/>
+                  </a:schemeClr>
+                </a:solidFill>
+              </a:rPr>
+              <a:t>HTML</a:t>
+            </a:r>
+            <a:endParaRPr kumimoji="1" lang="ja-JP" altLang="en-US" sz="1600">
+              <a:solidFill>
+                <a:schemeClr val="bg1">
+                  <a:lumMod val="50000"/>
+                </a:schemeClr>
+              </a:solidFill>
+            </a:endParaRPr>
+          </a:p>
+        </p:txBody>
+      </p:sp>
+      <p:sp>
+        <p:nvSpPr>
+          <p:cNvPr id="5" name="正方形/長方形 4"/>
+          <p:cNvSpPr/>
+          <p:nvPr/>
+        </p:nvSpPr>
+        <p:spPr>
+          <a:xfrm>
+            <a:off x="4958730" y="3627513"/>
+            <a:ext cx="2313579" cy="2857500"/>
+          </a:xfrm>
+          <a:prstGeom prst="rect">
+            <a:avLst/>
+          </a:prstGeom>
+          <a:solidFill>
+            <a:schemeClr val="bg1">
+              <a:lumMod val="85000"/>
+            </a:schemeClr>
+          </a:solidFill>
+          <a:ln>
+            <a:solidFill>
+              <a:schemeClr val="bg1">
+                <a:lumMod val="50000"/>
+              </a:schemeClr>
+            </a:solidFill>
+          </a:ln>
+        </p:spPr>
+        <p:style>
+          <a:lnRef idx="2">
+            <a:schemeClr val="accent6"/>
+          </a:lnRef>
+          <a:fillRef idx="1">
+            <a:schemeClr val="lt1"/>
+          </a:fillRef>
+          <a:effectRef idx="0">
+            <a:schemeClr val="accent6"/>
+          </a:effectRef>
+          <a:fontRef idx="minor">
+            <a:schemeClr val="dk1"/>
+          </a:fontRef>
+        </p:style>
+        <p:txBody>
+          <a:bodyPr rot="0" spcFirstLastPara="0" vert="horz" wrap="square" lIns="91440" tIns="45720" rIns="91440" bIns="45720" numCol="1" spcCol="0" rtlCol="0" fromWordArt="0" anchor="t" anchorCtr="0" forceAA="0" compatLnSpc="1">
+            <a:prstTxWarp prst="textNoShape">
+              <a:avLst/>
+            </a:prstTxWarp>
+            <a:noAutofit/>
+          </a:bodyPr>
+          <a:lstStyle>
+            <a:lvl1pPr marL="0" indent="0">
+              <a:defRPr sz="1100">
+                <a:solidFill>
+                  <a:schemeClr val="dk1"/>
+                </a:solidFill>
+                <a:latin typeface="+mn-lt"/>
+                <a:ea typeface="+mn-ea"/>
+                <a:cs typeface="+mn-cs"/>
+              </a:defRPr>
+            </a:lvl1pPr>
+            <a:lvl2pPr marL="457200" indent="0">
+              <a:defRPr sz="1100">
+                <a:solidFill>
+                  <a:schemeClr val="dk1"/>
+                </a:solidFill>
+                <a:latin typeface="+mn-lt"/>
+                <a:ea typeface="+mn-ea"/>
+                <a:cs typeface="+mn-cs"/>
+              </a:defRPr>
+            </a:lvl2pPr>
+            <a:lvl3pPr marL="914400" indent="0">
+              <a:defRPr sz="1100">
+                <a:solidFill>
+                  <a:schemeClr val="dk1"/>
+                </a:solidFill>
+                <a:latin typeface="+mn-lt"/>
+                <a:ea typeface="+mn-ea"/>
+                <a:cs typeface="+mn-cs"/>
+              </a:defRPr>
+            </a:lvl3pPr>
+            <a:lvl4pPr marL="1371600" indent="0">
+              <a:defRPr sz="1100">
+                <a:solidFill>
+                  <a:schemeClr val="dk1"/>
+                </a:solidFill>
+                <a:latin typeface="+mn-lt"/>
+                <a:ea typeface="+mn-ea"/>
+                <a:cs typeface="+mn-cs"/>
+              </a:defRPr>
+            </a:lvl4pPr>
+            <a:lvl5pPr marL="1828800" indent="0">
+              <a:defRPr sz="1100">
+                <a:solidFill>
+                  <a:schemeClr val="dk1"/>
+                </a:solidFill>
+                <a:latin typeface="+mn-lt"/>
+                <a:ea typeface="+mn-ea"/>
+                <a:cs typeface="+mn-cs"/>
+              </a:defRPr>
+            </a:lvl5pPr>
+            <a:lvl6pPr marL="2286000" indent="0">
+              <a:defRPr sz="1100">
+                <a:solidFill>
+                  <a:schemeClr val="dk1"/>
+                </a:solidFill>
+                <a:latin typeface="+mn-lt"/>
+                <a:ea typeface="+mn-ea"/>
+                <a:cs typeface="+mn-cs"/>
+              </a:defRPr>
+            </a:lvl6pPr>
+            <a:lvl7pPr marL="2743200" indent="0">
+              <a:defRPr sz="1100">
+                <a:solidFill>
+                  <a:schemeClr val="dk1"/>
+                </a:solidFill>
+                <a:latin typeface="+mn-lt"/>
+                <a:ea typeface="+mn-ea"/>
+                <a:cs typeface="+mn-cs"/>
+              </a:defRPr>
+            </a:lvl7pPr>
+            <a:lvl8pPr marL="3200400" indent="0">
+              <a:defRPr sz="1100">
+                <a:solidFill>
+                  <a:schemeClr val="dk1"/>
+                </a:solidFill>
+                <a:latin typeface="+mn-lt"/>
+                <a:ea typeface="+mn-ea"/>
+                <a:cs typeface="+mn-cs"/>
+              </a:defRPr>
+            </a:lvl8pPr>
+            <a:lvl9pPr marL="3657600" indent="0">
+              <a:defRPr sz="1100">
+                <a:solidFill>
+                  <a:schemeClr val="dk1"/>
+                </a:solidFill>
+                <a:latin typeface="+mn-lt"/>
+                <a:ea typeface="+mn-ea"/>
+                <a:cs typeface="+mn-cs"/>
+              </a:defRPr>
+            </a:lvl9pPr>
+          </a:lstStyle>
+          <a:p>
+            <a:pPr algn="r"/>
+            <a:r>
+              <a:rPr kumimoji="1" lang="en-US" altLang="ja-JP" sz="1600">
+                <a:solidFill>
+                  <a:schemeClr val="bg1">
+                    <a:lumMod val="50000"/>
+                  </a:schemeClr>
+                </a:solidFill>
+              </a:rPr>
+              <a:t>HTML</a:t>
+            </a:r>
+            <a:endParaRPr kumimoji="1" lang="ja-JP" altLang="en-US" sz="1600">
+              <a:solidFill>
+                <a:schemeClr val="bg1">
+                  <a:lumMod val="50000"/>
+                </a:schemeClr>
+              </a:solidFill>
+            </a:endParaRPr>
+          </a:p>
+        </p:txBody>
+      </p:sp>
+      <p:sp>
+        <p:nvSpPr>
+          <p:cNvPr id="6" name="正方形/長方形 5"/>
+          <p:cNvSpPr/>
+          <p:nvPr/>
+        </p:nvSpPr>
+        <p:spPr>
+          <a:xfrm>
+            <a:off x="1663080" y="5932562"/>
+            <a:ext cx="1784980" cy="383043"/>
+          </a:xfrm>
+          <a:prstGeom prst="rect">
+            <a:avLst/>
+          </a:prstGeom>
+        </p:spPr>
+        <p:style>
+          <a:lnRef idx="2">
+            <a:schemeClr val="accent6"/>
+          </a:lnRef>
+          <a:fillRef idx="1">
+            <a:schemeClr val="lt1"/>
+          </a:fillRef>
+          <a:effectRef idx="0">
+            <a:schemeClr val="accent6"/>
+          </a:effectRef>
+          <a:fontRef idx="minor">
+            <a:schemeClr val="dk1"/>
+          </a:fontRef>
+        </p:style>
+        <p:txBody>
+          <a:bodyPr rot="0" spcFirstLastPara="0" vert="horz" wrap="square" lIns="91440" tIns="45720" rIns="91440" bIns="45720" numCol="1" spcCol="0" rtlCol="0" fromWordArt="0" anchor="ctr" anchorCtr="0" forceAA="0" compatLnSpc="1">
+            <a:prstTxWarp prst="textNoShape">
+              <a:avLst/>
+            </a:prstTxWarp>
+            <a:noAutofit/>
+          </a:bodyPr>
+          <a:lstStyle>
+            <a:lvl1pPr marL="0" indent="0">
+              <a:defRPr sz="1100">
+                <a:solidFill>
+                  <a:schemeClr val="dk1"/>
+                </a:solidFill>
+                <a:latin typeface="+mn-lt"/>
+                <a:ea typeface="+mn-ea"/>
+                <a:cs typeface="+mn-cs"/>
+              </a:defRPr>
+            </a:lvl1pPr>
+            <a:lvl2pPr marL="457200" indent="0">
+              <a:defRPr sz="1100">
+                <a:solidFill>
+                  <a:schemeClr val="dk1"/>
+                </a:solidFill>
+                <a:latin typeface="+mn-lt"/>
+                <a:ea typeface="+mn-ea"/>
+                <a:cs typeface="+mn-cs"/>
+              </a:defRPr>
+            </a:lvl2pPr>
+            <a:lvl3pPr marL="914400" indent="0">
+              <a:defRPr sz="1100">
+                <a:solidFill>
+                  <a:schemeClr val="dk1"/>
+                </a:solidFill>
+                <a:latin typeface="+mn-lt"/>
+                <a:ea typeface="+mn-ea"/>
+                <a:cs typeface="+mn-cs"/>
+              </a:defRPr>
+            </a:lvl3pPr>
+            <a:lvl4pPr marL="1371600" indent="0">
+              <a:defRPr sz="1100">
+                <a:solidFill>
+                  <a:schemeClr val="dk1"/>
+                </a:solidFill>
+                <a:latin typeface="+mn-lt"/>
+                <a:ea typeface="+mn-ea"/>
+                <a:cs typeface="+mn-cs"/>
+              </a:defRPr>
+            </a:lvl4pPr>
+            <a:lvl5pPr marL="1828800" indent="0">
+              <a:defRPr sz="1100">
+                <a:solidFill>
+                  <a:schemeClr val="dk1"/>
+                </a:solidFill>
+                <a:latin typeface="+mn-lt"/>
+                <a:ea typeface="+mn-ea"/>
+                <a:cs typeface="+mn-cs"/>
+              </a:defRPr>
+            </a:lvl5pPr>
+            <a:lvl6pPr marL="2286000" indent="0">
+              <a:defRPr sz="1100">
+                <a:solidFill>
+                  <a:schemeClr val="dk1"/>
+                </a:solidFill>
+                <a:latin typeface="+mn-lt"/>
+                <a:ea typeface="+mn-ea"/>
+                <a:cs typeface="+mn-cs"/>
+              </a:defRPr>
+            </a:lvl6pPr>
+            <a:lvl7pPr marL="2743200" indent="0">
+              <a:defRPr sz="1100">
+                <a:solidFill>
+                  <a:schemeClr val="dk1"/>
+                </a:solidFill>
+                <a:latin typeface="+mn-lt"/>
+                <a:ea typeface="+mn-ea"/>
+                <a:cs typeface="+mn-cs"/>
+              </a:defRPr>
+            </a:lvl7pPr>
+            <a:lvl8pPr marL="3200400" indent="0">
+              <a:defRPr sz="1100">
+                <a:solidFill>
+                  <a:schemeClr val="dk1"/>
+                </a:solidFill>
+                <a:latin typeface="+mn-lt"/>
+                <a:ea typeface="+mn-ea"/>
+                <a:cs typeface="+mn-cs"/>
+              </a:defRPr>
+            </a:lvl8pPr>
+            <a:lvl9pPr marL="3657600" indent="0">
+              <a:defRPr sz="1100">
+                <a:solidFill>
+                  <a:schemeClr val="dk1"/>
+                </a:solidFill>
+                <a:latin typeface="+mn-lt"/>
+                <a:ea typeface="+mn-ea"/>
+                <a:cs typeface="+mn-cs"/>
+              </a:defRPr>
+            </a:lvl9pPr>
+          </a:lstStyle>
+          <a:p>
+            <a:pPr algn="ctr"/>
+            <a:r>
+              <a:rPr kumimoji="1" lang="ja-JP" altLang="en-US" sz="1600">
+                <a:solidFill>
+                  <a:schemeClr val="bg1">
+                    <a:lumMod val="50000"/>
+                  </a:schemeClr>
+                </a:solidFill>
+              </a:rPr>
+              <a:t>ボタン</a:t>
+            </a:r>
+            <a:r>
+              <a:rPr kumimoji="1" lang="en-US" altLang="ja-JP" sz="1600">
+                <a:solidFill>
+                  <a:schemeClr val="bg1">
+                    <a:lumMod val="50000"/>
+                  </a:schemeClr>
+                </a:solidFill>
+              </a:rPr>
+              <a:t>1</a:t>
+            </a:r>
+            <a:endParaRPr kumimoji="1" lang="ja-JP" altLang="en-US" sz="1600">
+              <a:solidFill>
+                <a:schemeClr val="bg1">
+                  <a:lumMod val="50000"/>
+                </a:schemeClr>
+              </a:solidFill>
+            </a:endParaRPr>
+          </a:p>
+        </p:txBody>
+      </p:sp>
+      <p:sp>
+        <p:nvSpPr>
+          <p:cNvPr id="7" name="正方形/長方形 6"/>
+          <p:cNvSpPr/>
+          <p:nvPr/>
+        </p:nvSpPr>
+        <p:spPr>
+          <a:xfrm>
+            <a:off x="1672605" y="4256162"/>
+            <a:ext cx="1784980" cy="1571906"/>
+          </a:xfrm>
+          <a:prstGeom prst="rect">
+            <a:avLst/>
+          </a:prstGeom>
+        </p:spPr>
+        <p:style>
+          <a:lnRef idx="2">
+            <a:schemeClr val="accent6"/>
+          </a:lnRef>
+          <a:fillRef idx="1">
+            <a:schemeClr val="lt1"/>
+          </a:fillRef>
+          <a:effectRef idx="0">
+            <a:schemeClr val="accent6"/>
+          </a:effectRef>
+          <a:fontRef idx="minor">
+            <a:schemeClr val="dk1"/>
+          </a:fontRef>
+        </p:style>
+        <p:txBody>
+          <a:bodyPr rot="0" spcFirstLastPara="0" vert="horz" wrap="square" lIns="91440" tIns="45720" rIns="91440" bIns="45720" numCol="1" spcCol="0" rtlCol="0" fromWordArt="0" anchor="ctr" anchorCtr="0" forceAA="0" compatLnSpc="1">
+            <a:prstTxWarp prst="textNoShape">
+              <a:avLst/>
+            </a:prstTxWarp>
+            <a:noAutofit/>
+          </a:bodyPr>
+          <a:lstStyle>
+            <a:lvl1pPr marL="0" indent="0">
+              <a:defRPr sz="1100">
+                <a:solidFill>
+                  <a:schemeClr val="dk1"/>
+                </a:solidFill>
+                <a:latin typeface="+mn-lt"/>
+                <a:ea typeface="+mn-ea"/>
+                <a:cs typeface="+mn-cs"/>
+              </a:defRPr>
+            </a:lvl1pPr>
+            <a:lvl2pPr marL="457200" indent="0">
+              <a:defRPr sz="1100">
+                <a:solidFill>
+                  <a:schemeClr val="dk1"/>
+                </a:solidFill>
+                <a:latin typeface="+mn-lt"/>
+                <a:ea typeface="+mn-ea"/>
+                <a:cs typeface="+mn-cs"/>
+              </a:defRPr>
+            </a:lvl2pPr>
+            <a:lvl3pPr marL="914400" indent="0">
+              <a:defRPr sz="1100">
+                <a:solidFill>
+                  <a:schemeClr val="dk1"/>
+                </a:solidFill>
+                <a:latin typeface="+mn-lt"/>
+                <a:ea typeface="+mn-ea"/>
+                <a:cs typeface="+mn-cs"/>
+              </a:defRPr>
+            </a:lvl3pPr>
+            <a:lvl4pPr marL="1371600" indent="0">
+              <a:defRPr sz="1100">
+                <a:solidFill>
+                  <a:schemeClr val="dk1"/>
+                </a:solidFill>
+                <a:latin typeface="+mn-lt"/>
+                <a:ea typeface="+mn-ea"/>
+                <a:cs typeface="+mn-cs"/>
+              </a:defRPr>
+            </a:lvl4pPr>
+            <a:lvl5pPr marL="1828800" indent="0">
+              <a:defRPr sz="1100">
+                <a:solidFill>
+                  <a:schemeClr val="dk1"/>
+                </a:solidFill>
+                <a:latin typeface="+mn-lt"/>
+                <a:ea typeface="+mn-ea"/>
+                <a:cs typeface="+mn-cs"/>
+              </a:defRPr>
+            </a:lvl5pPr>
+            <a:lvl6pPr marL="2286000" indent="0">
+              <a:defRPr sz="1100">
+                <a:solidFill>
+                  <a:schemeClr val="dk1"/>
+                </a:solidFill>
+                <a:latin typeface="+mn-lt"/>
+                <a:ea typeface="+mn-ea"/>
+                <a:cs typeface="+mn-cs"/>
+              </a:defRPr>
+            </a:lvl6pPr>
+            <a:lvl7pPr marL="2743200" indent="0">
+              <a:defRPr sz="1100">
+                <a:solidFill>
+                  <a:schemeClr val="dk1"/>
+                </a:solidFill>
+                <a:latin typeface="+mn-lt"/>
+                <a:ea typeface="+mn-ea"/>
+                <a:cs typeface="+mn-cs"/>
+              </a:defRPr>
+            </a:lvl7pPr>
+            <a:lvl8pPr marL="3200400" indent="0">
+              <a:defRPr sz="1100">
+                <a:solidFill>
+                  <a:schemeClr val="dk1"/>
+                </a:solidFill>
+                <a:latin typeface="+mn-lt"/>
+                <a:ea typeface="+mn-ea"/>
+                <a:cs typeface="+mn-cs"/>
+              </a:defRPr>
+            </a:lvl8pPr>
+            <a:lvl9pPr marL="3657600" indent="0">
+              <a:defRPr sz="1100">
+                <a:solidFill>
+                  <a:schemeClr val="dk1"/>
+                </a:solidFill>
+                <a:latin typeface="+mn-lt"/>
+                <a:ea typeface="+mn-ea"/>
+                <a:cs typeface="+mn-cs"/>
+              </a:defRPr>
+            </a:lvl9pPr>
+          </a:lstStyle>
+          <a:p>
+            <a:pPr algn="ctr"/>
+            <a:r>
+              <a:rPr kumimoji="1" lang="ja-JP" altLang="en-US" sz="1600">
+                <a:solidFill>
+                  <a:schemeClr val="bg1">
+                    <a:lumMod val="50000"/>
+                  </a:schemeClr>
+                </a:solidFill>
+              </a:rPr>
+              <a:t>コンテンツ</a:t>
+            </a:r>
+            <a:r>
+              <a:rPr kumimoji="1" lang="en-US" altLang="ja-JP" sz="1600">
+                <a:solidFill>
+                  <a:schemeClr val="bg1">
+                    <a:lumMod val="50000"/>
+                  </a:schemeClr>
+                </a:solidFill>
+              </a:rPr>
+              <a:t>A</a:t>
+            </a:r>
+            <a:endParaRPr kumimoji="1" lang="ja-JP" altLang="en-US" sz="1600">
+              <a:solidFill>
+                <a:schemeClr val="bg1">
+                  <a:lumMod val="50000"/>
+                </a:schemeClr>
+              </a:solidFill>
+            </a:endParaRPr>
+          </a:p>
+        </p:txBody>
+      </p:sp>
+      <p:sp>
+        <p:nvSpPr>
+          <p:cNvPr id="8" name="正方形/長方形 7"/>
+          <p:cNvSpPr/>
+          <p:nvPr/>
+        </p:nvSpPr>
+        <p:spPr>
+          <a:xfrm>
+            <a:off x="5254005" y="4246637"/>
+            <a:ext cx="1784980" cy="1581150"/>
+          </a:xfrm>
+          <a:prstGeom prst="rect">
+            <a:avLst/>
+          </a:prstGeom>
+          <a:solidFill>
+            <a:schemeClr val="bg1">
+              <a:lumMod val="85000"/>
+            </a:schemeClr>
+          </a:solidFill>
+          <a:ln>
+            <a:solidFill>
+              <a:schemeClr val="bg1">
+                <a:lumMod val="50000"/>
+              </a:schemeClr>
+            </a:solidFill>
+          </a:ln>
+        </p:spPr>
+        <p:style>
+          <a:lnRef idx="2">
+            <a:schemeClr val="accent6"/>
+          </a:lnRef>
+          <a:fillRef idx="1">
+            <a:schemeClr val="lt1"/>
+          </a:fillRef>
+          <a:effectRef idx="0">
+            <a:schemeClr val="accent6"/>
+          </a:effectRef>
+          <a:fontRef idx="minor">
+            <a:schemeClr val="dk1"/>
+          </a:fontRef>
+        </p:style>
+        <p:txBody>
+          <a:bodyPr rot="0" spcFirstLastPara="0" vert="horz" wrap="square" lIns="91440" tIns="45720" rIns="91440" bIns="45720" numCol="1" spcCol="0" rtlCol="0" fromWordArt="0" anchor="ctr" anchorCtr="0" forceAA="0" compatLnSpc="1">
+            <a:prstTxWarp prst="textNoShape">
+              <a:avLst/>
+            </a:prstTxWarp>
+            <a:noAutofit/>
+          </a:bodyPr>
+          <a:lstStyle>
+            <a:lvl1pPr marL="0" indent="0">
+              <a:defRPr sz="1100">
+                <a:solidFill>
+                  <a:schemeClr val="dk1"/>
+                </a:solidFill>
+                <a:latin typeface="+mn-lt"/>
+                <a:ea typeface="+mn-ea"/>
+                <a:cs typeface="+mn-cs"/>
+              </a:defRPr>
+            </a:lvl1pPr>
+            <a:lvl2pPr marL="457200" indent="0">
+              <a:defRPr sz="1100">
+                <a:solidFill>
+                  <a:schemeClr val="dk1"/>
+                </a:solidFill>
+                <a:latin typeface="+mn-lt"/>
+                <a:ea typeface="+mn-ea"/>
+                <a:cs typeface="+mn-cs"/>
+              </a:defRPr>
+            </a:lvl2pPr>
+            <a:lvl3pPr marL="914400" indent="0">
+              <a:defRPr sz="1100">
+                <a:solidFill>
+                  <a:schemeClr val="dk1"/>
+                </a:solidFill>
+                <a:latin typeface="+mn-lt"/>
+                <a:ea typeface="+mn-ea"/>
+                <a:cs typeface="+mn-cs"/>
+              </a:defRPr>
+            </a:lvl3pPr>
+            <a:lvl4pPr marL="1371600" indent="0">
+              <a:defRPr sz="1100">
+                <a:solidFill>
+                  <a:schemeClr val="dk1"/>
+                </a:solidFill>
+                <a:latin typeface="+mn-lt"/>
+                <a:ea typeface="+mn-ea"/>
+                <a:cs typeface="+mn-cs"/>
+              </a:defRPr>
+            </a:lvl4pPr>
+            <a:lvl5pPr marL="1828800" indent="0">
+              <a:defRPr sz="1100">
+                <a:solidFill>
+                  <a:schemeClr val="dk1"/>
+                </a:solidFill>
+                <a:latin typeface="+mn-lt"/>
+                <a:ea typeface="+mn-ea"/>
+                <a:cs typeface="+mn-cs"/>
+              </a:defRPr>
+            </a:lvl5pPr>
+            <a:lvl6pPr marL="2286000" indent="0">
+              <a:defRPr sz="1100">
+                <a:solidFill>
+                  <a:schemeClr val="dk1"/>
+                </a:solidFill>
+                <a:latin typeface="+mn-lt"/>
+                <a:ea typeface="+mn-ea"/>
+                <a:cs typeface="+mn-cs"/>
+              </a:defRPr>
+            </a:lvl6pPr>
+            <a:lvl7pPr marL="2743200" indent="0">
+              <a:defRPr sz="1100">
+                <a:solidFill>
+                  <a:schemeClr val="dk1"/>
+                </a:solidFill>
+                <a:latin typeface="+mn-lt"/>
+                <a:ea typeface="+mn-ea"/>
+                <a:cs typeface="+mn-cs"/>
+              </a:defRPr>
+            </a:lvl7pPr>
+            <a:lvl8pPr marL="3200400" indent="0">
+              <a:defRPr sz="1100">
+                <a:solidFill>
+                  <a:schemeClr val="dk1"/>
+                </a:solidFill>
+                <a:latin typeface="+mn-lt"/>
+                <a:ea typeface="+mn-ea"/>
+                <a:cs typeface="+mn-cs"/>
+              </a:defRPr>
+            </a:lvl8pPr>
+            <a:lvl9pPr marL="3657600" indent="0">
+              <a:defRPr sz="1100">
+                <a:solidFill>
+                  <a:schemeClr val="dk1"/>
+                </a:solidFill>
+                <a:latin typeface="+mn-lt"/>
+                <a:ea typeface="+mn-ea"/>
+                <a:cs typeface="+mn-cs"/>
+              </a:defRPr>
+            </a:lvl9pPr>
+          </a:lstStyle>
+          <a:p>
+            <a:pPr algn="ctr"/>
+            <a:r>
+              <a:rPr kumimoji="1" lang="ja-JP" altLang="en-US" sz="1600">
+                <a:solidFill>
+                  <a:schemeClr val="accent6"/>
+                </a:solidFill>
+              </a:rPr>
+              <a:t>コンテンツ</a:t>
+            </a:r>
+            <a:r>
+              <a:rPr kumimoji="1" lang="en-US" altLang="ja-JP" sz="1600">
+                <a:solidFill>
+                  <a:schemeClr val="accent6"/>
+                </a:solidFill>
+              </a:rPr>
+              <a:t>B</a:t>
+            </a:r>
+            <a:endParaRPr kumimoji="1" lang="ja-JP" altLang="en-US" sz="1600">
+              <a:solidFill>
+                <a:schemeClr val="accent6"/>
+              </a:solidFill>
+            </a:endParaRPr>
+          </a:p>
+        </p:txBody>
+      </p:sp>
+      <p:sp>
+        <p:nvSpPr>
+          <p:cNvPr id="9" name="右矢印 8"/>
+          <p:cNvSpPr/>
+          <p:nvPr/>
+        </p:nvSpPr>
+        <p:spPr>
+          <a:xfrm rot="18900000">
+            <a:off x="3387692" y="3152470"/>
+            <a:ext cx="314096" cy="344739"/>
+          </a:xfrm>
+          <a:prstGeom prst="rightArrow">
+            <a:avLst/>
+          </a:prstGeom>
+        </p:spPr>
+        <p:style>
+          <a:lnRef idx="2">
+            <a:schemeClr val="accent4"/>
+          </a:lnRef>
+          <a:fillRef idx="1">
+            <a:schemeClr val="lt1"/>
+          </a:fillRef>
+          <a:effectRef idx="0">
+            <a:schemeClr val="accent4"/>
+          </a:effectRef>
+          <a:fontRef idx="minor">
+            <a:schemeClr val="dk1"/>
+          </a:fontRef>
+        </p:style>
+        <p:txBody>
+          <a:bodyPr rot="0" spcFirstLastPara="0" vert="horz" wrap="square" lIns="91440" tIns="45720" rIns="91440" bIns="45720" numCol="1" spcCol="0" rtlCol="0" fromWordArt="0" anchor="t" anchorCtr="0" forceAA="0" compatLnSpc="1">
+            <a:prstTxWarp prst="textNoShape">
+              <a:avLst/>
+            </a:prstTxWarp>
+            <a:noAutofit/>
+          </a:bodyPr>
+          <a:lstStyle>
+            <a:lvl1pPr marL="0" indent="0">
+              <a:defRPr sz="1100">
+                <a:solidFill>
+                  <a:schemeClr val="dk1"/>
+                </a:solidFill>
+                <a:latin typeface="+mn-lt"/>
+                <a:ea typeface="+mn-ea"/>
+                <a:cs typeface="+mn-cs"/>
+              </a:defRPr>
+            </a:lvl1pPr>
+            <a:lvl2pPr marL="457200" indent="0">
+              <a:defRPr sz="1100">
+                <a:solidFill>
+                  <a:schemeClr val="dk1"/>
+                </a:solidFill>
+                <a:latin typeface="+mn-lt"/>
+                <a:ea typeface="+mn-ea"/>
+                <a:cs typeface="+mn-cs"/>
+              </a:defRPr>
+            </a:lvl2pPr>
+            <a:lvl3pPr marL="914400" indent="0">
+              <a:defRPr sz="1100">
+                <a:solidFill>
+                  <a:schemeClr val="dk1"/>
+                </a:solidFill>
+                <a:latin typeface="+mn-lt"/>
+                <a:ea typeface="+mn-ea"/>
+                <a:cs typeface="+mn-cs"/>
+              </a:defRPr>
+            </a:lvl3pPr>
+            <a:lvl4pPr marL="1371600" indent="0">
+              <a:defRPr sz="1100">
+                <a:solidFill>
+                  <a:schemeClr val="dk1"/>
+                </a:solidFill>
+                <a:latin typeface="+mn-lt"/>
+                <a:ea typeface="+mn-ea"/>
+                <a:cs typeface="+mn-cs"/>
+              </a:defRPr>
+            </a:lvl4pPr>
+            <a:lvl5pPr marL="1828800" indent="0">
+              <a:defRPr sz="1100">
+                <a:solidFill>
+                  <a:schemeClr val="dk1"/>
+                </a:solidFill>
+                <a:latin typeface="+mn-lt"/>
+                <a:ea typeface="+mn-ea"/>
+                <a:cs typeface="+mn-cs"/>
+              </a:defRPr>
+            </a:lvl5pPr>
+            <a:lvl6pPr marL="2286000" indent="0">
+              <a:defRPr sz="1100">
+                <a:solidFill>
+                  <a:schemeClr val="dk1"/>
+                </a:solidFill>
+                <a:latin typeface="+mn-lt"/>
+                <a:ea typeface="+mn-ea"/>
+                <a:cs typeface="+mn-cs"/>
+              </a:defRPr>
+            </a:lvl6pPr>
+            <a:lvl7pPr marL="2743200" indent="0">
+              <a:defRPr sz="1100">
+                <a:solidFill>
+                  <a:schemeClr val="dk1"/>
+                </a:solidFill>
+                <a:latin typeface="+mn-lt"/>
+                <a:ea typeface="+mn-ea"/>
+                <a:cs typeface="+mn-cs"/>
+              </a:defRPr>
+            </a:lvl7pPr>
+            <a:lvl8pPr marL="3200400" indent="0">
+              <a:defRPr sz="1100">
+                <a:solidFill>
+                  <a:schemeClr val="dk1"/>
+                </a:solidFill>
+                <a:latin typeface="+mn-lt"/>
+                <a:ea typeface="+mn-ea"/>
+                <a:cs typeface="+mn-cs"/>
+              </a:defRPr>
+            </a:lvl8pPr>
+            <a:lvl9pPr marL="3657600" indent="0">
+              <a:defRPr sz="1100">
+                <a:solidFill>
+                  <a:schemeClr val="dk1"/>
+                </a:solidFill>
+                <a:latin typeface="+mn-lt"/>
+                <a:ea typeface="+mn-ea"/>
+                <a:cs typeface="+mn-cs"/>
+              </a:defRPr>
+            </a:lvl9pPr>
+          </a:lstStyle>
+          <a:p>
+            <a:pPr algn="l"/>
+            <a:endParaRPr kumimoji="1" lang="ja-JP" altLang="en-US" sz="1100"/>
+          </a:p>
+        </p:txBody>
+      </p:sp>
+      <p:sp>
+        <p:nvSpPr>
+          <p:cNvPr id="10" name="正方形/長方形 9"/>
+          <p:cNvSpPr/>
+          <p:nvPr/>
+        </p:nvSpPr>
+        <p:spPr>
+          <a:xfrm>
+            <a:off x="3491880" y="2636912"/>
+            <a:ext cx="1784980" cy="383043"/>
+          </a:xfrm>
+          <a:prstGeom prst="rect">
+            <a:avLst/>
+          </a:prstGeom>
+        </p:spPr>
+        <p:style>
+          <a:lnRef idx="2">
+            <a:schemeClr val="accent6"/>
+          </a:lnRef>
+          <a:fillRef idx="1">
+            <a:schemeClr val="lt1"/>
+          </a:fillRef>
+          <a:effectRef idx="0">
+            <a:schemeClr val="accent6"/>
+          </a:effectRef>
+          <a:fontRef idx="minor">
+            <a:schemeClr val="dk1"/>
+          </a:fontRef>
+        </p:style>
+        <p:txBody>
+          <a:bodyPr rot="0" spcFirstLastPara="0" vert="horz" wrap="square" lIns="91440" tIns="45720" rIns="91440" bIns="45720" numCol="1" spcCol="0" rtlCol="0" fromWordArt="0" anchor="ctr" anchorCtr="0" forceAA="0" compatLnSpc="1">
+            <a:prstTxWarp prst="textNoShape">
+              <a:avLst/>
+            </a:prstTxWarp>
+            <a:noAutofit/>
+          </a:bodyPr>
+          <a:lstStyle>
+            <a:lvl1pPr marL="0" indent="0">
+              <a:defRPr sz="1100">
+                <a:solidFill>
+                  <a:schemeClr val="dk1"/>
+                </a:solidFill>
+                <a:latin typeface="+mn-lt"/>
+                <a:ea typeface="+mn-ea"/>
+                <a:cs typeface="+mn-cs"/>
+              </a:defRPr>
+            </a:lvl1pPr>
+            <a:lvl2pPr marL="457200" indent="0">
+              <a:defRPr sz="1100">
+                <a:solidFill>
+                  <a:schemeClr val="dk1"/>
+                </a:solidFill>
+                <a:latin typeface="+mn-lt"/>
+                <a:ea typeface="+mn-ea"/>
+                <a:cs typeface="+mn-cs"/>
+              </a:defRPr>
+            </a:lvl2pPr>
+            <a:lvl3pPr marL="914400" indent="0">
+              <a:defRPr sz="1100">
+                <a:solidFill>
+                  <a:schemeClr val="dk1"/>
+                </a:solidFill>
+                <a:latin typeface="+mn-lt"/>
+                <a:ea typeface="+mn-ea"/>
+                <a:cs typeface="+mn-cs"/>
+              </a:defRPr>
+            </a:lvl3pPr>
+            <a:lvl4pPr marL="1371600" indent="0">
+              <a:defRPr sz="1100">
+                <a:solidFill>
+                  <a:schemeClr val="dk1"/>
+                </a:solidFill>
+                <a:latin typeface="+mn-lt"/>
+                <a:ea typeface="+mn-ea"/>
+                <a:cs typeface="+mn-cs"/>
+              </a:defRPr>
+            </a:lvl4pPr>
+            <a:lvl5pPr marL="1828800" indent="0">
+              <a:defRPr sz="1100">
+                <a:solidFill>
+                  <a:schemeClr val="dk1"/>
+                </a:solidFill>
+                <a:latin typeface="+mn-lt"/>
+                <a:ea typeface="+mn-ea"/>
+                <a:cs typeface="+mn-cs"/>
+              </a:defRPr>
+            </a:lvl5pPr>
+            <a:lvl6pPr marL="2286000" indent="0">
+              <a:defRPr sz="1100">
+                <a:solidFill>
+                  <a:schemeClr val="dk1"/>
+                </a:solidFill>
+                <a:latin typeface="+mn-lt"/>
+                <a:ea typeface="+mn-ea"/>
+                <a:cs typeface="+mn-cs"/>
+              </a:defRPr>
+            </a:lvl6pPr>
+            <a:lvl7pPr marL="2743200" indent="0">
+              <a:defRPr sz="1100">
+                <a:solidFill>
+                  <a:schemeClr val="dk1"/>
+                </a:solidFill>
+                <a:latin typeface="+mn-lt"/>
+                <a:ea typeface="+mn-ea"/>
+                <a:cs typeface="+mn-cs"/>
+              </a:defRPr>
+            </a:lvl7pPr>
+            <a:lvl8pPr marL="3200400" indent="0">
+              <a:defRPr sz="1100">
+                <a:solidFill>
+                  <a:schemeClr val="dk1"/>
+                </a:solidFill>
+                <a:latin typeface="+mn-lt"/>
+                <a:ea typeface="+mn-ea"/>
+                <a:cs typeface="+mn-cs"/>
+              </a:defRPr>
+            </a:lvl8pPr>
+            <a:lvl9pPr marL="3657600" indent="0">
+              <a:defRPr sz="1100">
+                <a:solidFill>
+                  <a:schemeClr val="dk1"/>
+                </a:solidFill>
+                <a:latin typeface="+mn-lt"/>
+                <a:ea typeface="+mn-ea"/>
+                <a:cs typeface="+mn-cs"/>
+              </a:defRPr>
+            </a:lvl9pPr>
+          </a:lstStyle>
+          <a:p>
+            <a:pPr algn="ctr"/>
+            <a:r>
+              <a:rPr kumimoji="1" lang="ja-JP" altLang="en-US" sz="1600">
+                <a:solidFill>
+                  <a:schemeClr val="bg1">
+                    <a:lumMod val="50000"/>
+                  </a:schemeClr>
+                </a:solidFill>
+              </a:rPr>
+              <a:t>サーバ</a:t>
+            </a:r>
+          </a:p>
+        </p:txBody>
+      </p:sp>
+      <p:sp>
+        <p:nvSpPr>
+          <p:cNvPr id="11" name="右矢印 10"/>
+          <p:cNvSpPr/>
+          <p:nvPr/>
+        </p:nvSpPr>
+        <p:spPr>
+          <a:xfrm rot="3600000">
+            <a:off x="4989137" y="3190608"/>
+            <a:ext cx="314095" cy="344738"/>
+          </a:xfrm>
+          <a:prstGeom prst="rightArrow">
+            <a:avLst/>
+          </a:prstGeom>
+        </p:spPr>
+        <p:style>
+          <a:lnRef idx="2">
+            <a:schemeClr val="accent4"/>
+          </a:lnRef>
+          <a:fillRef idx="1">
+            <a:schemeClr val="lt1"/>
+          </a:fillRef>
+          <a:effectRef idx="0">
+            <a:schemeClr val="accent4"/>
+          </a:effectRef>
+          <a:fontRef idx="minor">
+            <a:schemeClr val="dk1"/>
+          </a:fontRef>
+        </p:style>
+        <p:txBody>
+          <a:bodyPr rot="0" spcFirstLastPara="0" vert="horz" wrap="square" lIns="91440" tIns="45720" rIns="91440" bIns="45720" numCol="1" spcCol="0" rtlCol="0" fromWordArt="0" anchor="t" anchorCtr="0" forceAA="0" compatLnSpc="1">
+            <a:prstTxWarp prst="textNoShape">
+              <a:avLst/>
+            </a:prstTxWarp>
+            <a:noAutofit/>
+          </a:bodyPr>
+          <a:lstStyle>
+            <a:lvl1pPr marL="0" indent="0">
+              <a:defRPr sz="1100">
+                <a:solidFill>
+                  <a:schemeClr val="dk1"/>
+                </a:solidFill>
+                <a:latin typeface="+mn-lt"/>
+                <a:ea typeface="+mn-ea"/>
+                <a:cs typeface="+mn-cs"/>
+              </a:defRPr>
+            </a:lvl1pPr>
+            <a:lvl2pPr marL="457200" indent="0">
+              <a:defRPr sz="1100">
+                <a:solidFill>
+                  <a:schemeClr val="dk1"/>
+                </a:solidFill>
+                <a:latin typeface="+mn-lt"/>
+                <a:ea typeface="+mn-ea"/>
+                <a:cs typeface="+mn-cs"/>
+              </a:defRPr>
+            </a:lvl2pPr>
+            <a:lvl3pPr marL="914400" indent="0">
+              <a:defRPr sz="1100">
+                <a:solidFill>
+                  <a:schemeClr val="dk1"/>
+                </a:solidFill>
+                <a:latin typeface="+mn-lt"/>
+                <a:ea typeface="+mn-ea"/>
+                <a:cs typeface="+mn-cs"/>
+              </a:defRPr>
+            </a:lvl3pPr>
+            <a:lvl4pPr marL="1371600" indent="0">
+              <a:defRPr sz="1100">
+                <a:solidFill>
+                  <a:schemeClr val="dk1"/>
+                </a:solidFill>
+                <a:latin typeface="+mn-lt"/>
+                <a:ea typeface="+mn-ea"/>
+                <a:cs typeface="+mn-cs"/>
+              </a:defRPr>
+            </a:lvl4pPr>
+            <a:lvl5pPr marL="1828800" indent="0">
+              <a:defRPr sz="1100">
+                <a:solidFill>
+                  <a:schemeClr val="dk1"/>
+                </a:solidFill>
+                <a:latin typeface="+mn-lt"/>
+                <a:ea typeface="+mn-ea"/>
+                <a:cs typeface="+mn-cs"/>
+              </a:defRPr>
+            </a:lvl5pPr>
+            <a:lvl6pPr marL="2286000" indent="0">
+              <a:defRPr sz="1100">
+                <a:solidFill>
+                  <a:schemeClr val="dk1"/>
+                </a:solidFill>
+                <a:latin typeface="+mn-lt"/>
+                <a:ea typeface="+mn-ea"/>
+                <a:cs typeface="+mn-cs"/>
+              </a:defRPr>
+            </a:lvl6pPr>
+            <a:lvl7pPr marL="2743200" indent="0">
+              <a:defRPr sz="1100">
+                <a:solidFill>
+                  <a:schemeClr val="dk1"/>
+                </a:solidFill>
+                <a:latin typeface="+mn-lt"/>
+                <a:ea typeface="+mn-ea"/>
+                <a:cs typeface="+mn-cs"/>
+              </a:defRPr>
+            </a:lvl7pPr>
+            <a:lvl8pPr marL="3200400" indent="0">
+              <a:defRPr sz="1100">
+                <a:solidFill>
+                  <a:schemeClr val="dk1"/>
+                </a:solidFill>
+                <a:latin typeface="+mn-lt"/>
+                <a:ea typeface="+mn-ea"/>
+                <a:cs typeface="+mn-cs"/>
+              </a:defRPr>
+            </a:lvl8pPr>
+            <a:lvl9pPr marL="3657600" indent="0">
+              <a:defRPr sz="1100">
+                <a:solidFill>
+                  <a:schemeClr val="dk1"/>
+                </a:solidFill>
+                <a:latin typeface="+mn-lt"/>
+                <a:ea typeface="+mn-ea"/>
+                <a:cs typeface="+mn-cs"/>
+              </a:defRPr>
+            </a:lvl9pPr>
+          </a:lstStyle>
+          <a:p>
+            <a:pPr algn="l"/>
+            <a:endParaRPr kumimoji="1" lang="ja-JP" altLang="en-US" sz="1100"/>
+          </a:p>
+        </p:txBody>
+      </p:sp>
+      <p:sp>
+        <p:nvSpPr>
+          <p:cNvPr id="12" name="正方形/長方形 11"/>
+          <p:cNvSpPr/>
+          <p:nvPr/>
+        </p:nvSpPr>
+        <p:spPr>
+          <a:xfrm>
+            <a:off x="5254005" y="5951612"/>
+            <a:ext cx="1784980" cy="383043"/>
+          </a:xfrm>
+          <a:prstGeom prst="rect">
+            <a:avLst/>
+          </a:prstGeom>
+          <a:solidFill>
+            <a:schemeClr val="bg1">
+              <a:lumMod val="85000"/>
+            </a:schemeClr>
+          </a:solidFill>
+          <a:ln>
+            <a:solidFill>
+              <a:schemeClr val="bg1">
+                <a:lumMod val="50000"/>
+              </a:schemeClr>
+            </a:solidFill>
+          </a:ln>
+        </p:spPr>
+        <p:style>
+          <a:lnRef idx="2">
+            <a:schemeClr val="accent6"/>
+          </a:lnRef>
+          <a:fillRef idx="1">
+            <a:schemeClr val="lt1"/>
+          </a:fillRef>
+          <a:effectRef idx="0">
+            <a:schemeClr val="accent6"/>
+          </a:effectRef>
+          <a:fontRef idx="minor">
+            <a:schemeClr val="dk1"/>
+          </a:fontRef>
+        </p:style>
+        <p:txBody>
+          <a:bodyPr rot="0" spcFirstLastPara="0" vert="horz" wrap="square" lIns="91440" tIns="45720" rIns="91440" bIns="45720" numCol="1" spcCol="0" rtlCol="0" fromWordArt="0" anchor="ctr" anchorCtr="0" forceAA="0" compatLnSpc="1">
+            <a:prstTxWarp prst="textNoShape">
+              <a:avLst/>
+            </a:prstTxWarp>
+            <a:noAutofit/>
+          </a:bodyPr>
+          <a:lstStyle>
+            <a:lvl1pPr marL="0" indent="0">
+              <a:defRPr sz="1100">
+                <a:solidFill>
+                  <a:schemeClr val="dk1"/>
+                </a:solidFill>
+                <a:latin typeface="+mn-lt"/>
+                <a:ea typeface="+mn-ea"/>
+                <a:cs typeface="+mn-cs"/>
+              </a:defRPr>
+            </a:lvl1pPr>
+            <a:lvl2pPr marL="457200" indent="0">
+              <a:defRPr sz="1100">
+                <a:solidFill>
+                  <a:schemeClr val="dk1"/>
+                </a:solidFill>
+                <a:latin typeface="+mn-lt"/>
+                <a:ea typeface="+mn-ea"/>
+                <a:cs typeface="+mn-cs"/>
+              </a:defRPr>
+            </a:lvl2pPr>
+            <a:lvl3pPr marL="914400" indent="0">
+              <a:defRPr sz="1100">
+                <a:solidFill>
+                  <a:schemeClr val="dk1"/>
+                </a:solidFill>
+                <a:latin typeface="+mn-lt"/>
+                <a:ea typeface="+mn-ea"/>
+                <a:cs typeface="+mn-cs"/>
+              </a:defRPr>
+            </a:lvl3pPr>
+            <a:lvl4pPr marL="1371600" indent="0">
+              <a:defRPr sz="1100">
+                <a:solidFill>
+                  <a:schemeClr val="dk1"/>
+                </a:solidFill>
+                <a:latin typeface="+mn-lt"/>
+                <a:ea typeface="+mn-ea"/>
+                <a:cs typeface="+mn-cs"/>
+              </a:defRPr>
+            </a:lvl4pPr>
+            <a:lvl5pPr marL="1828800" indent="0">
+              <a:defRPr sz="1100">
+                <a:solidFill>
+                  <a:schemeClr val="dk1"/>
+                </a:solidFill>
+                <a:latin typeface="+mn-lt"/>
+                <a:ea typeface="+mn-ea"/>
+                <a:cs typeface="+mn-cs"/>
+              </a:defRPr>
+            </a:lvl5pPr>
+            <a:lvl6pPr marL="2286000" indent="0">
+              <a:defRPr sz="1100">
+                <a:solidFill>
+                  <a:schemeClr val="dk1"/>
+                </a:solidFill>
+                <a:latin typeface="+mn-lt"/>
+                <a:ea typeface="+mn-ea"/>
+                <a:cs typeface="+mn-cs"/>
+              </a:defRPr>
+            </a:lvl6pPr>
+            <a:lvl7pPr marL="2743200" indent="0">
+              <a:defRPr sz="1100">
+                <a:solidFill>
+                  <a:schemeClr val="dk1"/>
+                </a:solidFill>
+                <a:latin typeface="+mn-lt"/>
+                <a:ea typeface="+mn-ea"/>
+                <a:cs typeface="+mn-cs"/>
+              </a:defRPr>
+            </a:lvl7pPr>
+            <a:lvl8pPr marL="3200400" indent="0">
+              <a:defRPr sz="1100">
+                <a:solidFill>
+                  <a:schemeClr val="dk1"/>
+                </a:solidFill>
+                <a:latin typeface="+mn-lt"/>
+                <a:ea typeface="+mn-ea"/>
+                <a:cs typeface="+mn-cs"/>
+              </a:defRPr>
+            </a:lvl8pPr>
+            <a:lvl9pPr marL="3657600" indent="0">
+              <a:defRPr sz="1100">
+                <a:solidFill>
+                  <a:schemeClr val="dk1"/>
+                </a:solidFill>
+                <a:latin typeface="+mn-lt"/>
+                <a:ea typeface="+mn-ea"/>
+                <a:cs typeface="+mn-cs"/>
+              </a:defRPr>
+            </a:lvl9pPr>
+          </a:lstStyle>
+          <a:p>
+            <a:pPr algn="ctr"/>
+            <a:r>
+              <a:rPr kumimoji="1" lang="ja-JP" altLang="en-US" sz="1600">
+                <a:solidFill>
+                  <a:schemeClr val="bg1">
+                    <a:lumMod val="50000"/>
+                  </a:schemeClr>
+                </a:solidFill>
+              </a:rPr>
+              <a:t>ボタン</a:t>
+            </a:r>
+            <a:r>
+              <a:rPr kumimoji="1" lang="en-US" altLang="ja-JP" sz="1600">
+                <a:solidFill>
+                  <a:schemeClr val="bg1">
+                    <a:lumMod val="50000"/>
+                  </a:schemeClr>
+                </a:solidFill>
+              </a:rPr>
+              <a:t>2</a:t>
+            </a:r>
+            <a:endParaRPr kumimoji="1" lang="ja-JP" altLang="en-US" sz="1600">
+              <a:solidFill>
+                <a:schemeClr val="bg1">
+                  <a:lumMod val="50000"/>
+                </a:schemeClr>
+              </a:solidFill>
+            </a:endParaRPr>
+          </a:p>
+        </p:txBody>
+      </p:sp>
+      <p:sp>
+        <p:nvSpPr>
+          <p:cNvPr id="13" name="正方形/長方形 12"/>
+          <p:cNvSpPr/>
+          <p:nvPr/>
+        </p:nvSpPr>
+        <p:spPr>
+          <a:xfrm>
+            <a:off x="1672605" y="3941837"/>
+            <a:ext cx="1784980" cy="268743"/>
+          </a:xfrm>
+          <a:prstGeom prst="rect">
+            <a:avLst/>
+          </a:prstGeom>
+        </p:spPr>
+        <p:style>
+          <a:lnRef idx="2">
+            <a:schemeClr val="accent6"/>
+          </a:lnRef>
+          <a:fillRef idx="1">
+            <a:schemeClr val="lt1"/>
+          </a:fillRef>
+          <a:effectRef idx="0">
+            <a:schemeClr val="accent6"/>
+          </a:effectRef>
+          <a:fontRef idx="minor">
+            <a:schemeClr val="dk1"/>
+          </a:fontRef>
+        </p:style>
+        <p:txBody>
+          <a:bodyPr rot="0" spcFirstLastPara="0" vert="horz" wrap="square" lIns="91440" tIns="45720" rIns="91440" bIns="45720" numCol="1" spcCol="0" rtlCol="0" fromWordArt="0" anchor="ctr" anchorCtr="0" forceAA="0" compatLnSpc="1">
+            <a:prstTxWarp prst="textNoShape">
+              <a:avLst/>
+            </a:prstTxWarp>
+            <a:noAutofit/>
+          </a:bodyPr>
+          <a:lstStyle>
+            <a:lvl1pPr marL="0" indent="0">
+              <a:defRPr sz="1100">
+                <a:solidFill>
+                  <a:schemeClr val="dk1"/>
+                </a:solidFill>
+                <a:latin typeface="+mn-lt"/>
+                <a:ea typeface="+mn-ea"/>
+                <a:cs typeface="+mn-cs"/>
+              </a:defRPr>
+            </a:lvl1pPr>
+            <a:lvl2pPr marL="457200" indent="0">
+              <a:defRPr sz="1100">
+                <a:solidFill>
+                  <a:schemeClr val="dk1"/>
+                </a:solidFill>
+                <a:latin typeface="+mn-lt"/>
+                <a:ea typeface="+mn-ea"/>
+                <a:cs typeface="+mn-cs"/>
+              </a:defRPr>
+            </a:lvl2pPr>
+            <a:lvl3pPr marL="914400" indent="0">
+              <a:defRPr sz="1100">
+                <a:solidFill>
+                  <a:schemeClr val="dk1"/>
+                </a:solidFill>
+                <a:latin typeface="+mn-lt"/>
+                <a:ea typeface="+mn-ea"/>
+                <a:cs typeface="+mn-cs"/>
+              </a:defRPr>
+            </a:lvl3pPr>
+            <a:lvl4pPr marL="1371600" indent="0">
+              <a:defRPr sz="1100">
+                <a:solidFill>
+                  <a:schemeClr val="dk1"/>
+                </a:solidFill>
+                <a:latin typeface="+mn-lt"/>
+                <a:ea typeface="+mn-ea"/>
+                <a:cs typeface="+mn-cs"/>
+              </a:defRPr>
+            </a:lvl4pPr>
+            <a:lvl5pPr marL="1828800" indent="0">
+              <a:defRPr sz="1100">
+                <a:solidFill>
+                  <a:schemeClr val="dk1"/>
+                </a:solidFill>
+                <a:latin typeface="+mn-lt"/>
+                <a:ea typeface="+mn-ea"/>
+                <a:cs typeface="+mn-cs"/>
+              </a:defRPr>
+            </a:lvl5pPr>
+            <a:lvl6pPr marL="2286000" indent="0">
+              <a:defRPr sz="1100">
+                <a:solidFill>
+                  <a:schemeClr val="dk1"/>
+                </a:solidFill>
+                <a:latin typeface="+mn-lt"/>
+                <a:ea typeface="+mn-ea"/>
+                <a:cs typeface="+mn-cs"/>
+              </a:defRPr>
+            </a:lvl6pPr>
+            <a:lvl7pPr marL="2743200" indent="0">
+              <a:defRPr sz="1100">
+                <a:solidFill>
+                  <a:schemeClr val="dk1"/>
+                </a:solidFill>
+                <a:latin typeface="+mn-lt"/>
+                <a:ea typeface="+mn-ea"/>
+                <a:cs typeface="+mn-cs"/>
+              </a:defRPr>
+            </a:lvl7pPr>
+            <a:lvl8pPr marL="3200400" indent="0">
+              <a:defRPr sz="1100">
+                <a:solidFill>
+                  <a:schemeClr val="dk1"/>
+                </a:solidFill>
+                <a:latin typeface="+mn-lt"/>
+                <a:ea typeface="+mn-ea"/>
+                <a:cs typeface="+mn-cs"/>
+              </a:defRPr>
+            </a:lvl8pPr>
+            <a:lvl9pPr marL="3657600" indent="0">
+              <a:defRPr sz="1100">
+                <a:solidFill>
+                  <a:schemeClr val="dk1"/>
+                </a:solidFill>
+                <a:latin typeface="+mn-lt"/>
+                <a:ea typeface="+mn-ea"/>
+                <a:cs typeface="+mn-cs"/>
+              </a:defRPr>
+            </a:lvl9pPr>
+          </a:lstStyle>
+          <a:p>
+            <a:pPr algn="ctr"/>
+            <a:r>
+              <a:rPr kumimoji="1" lang="ja-JP" altLang="en-US" sz="1600">
+                <a:solidFill>
+                  <a:schemeClr val="bg1">
+                    <a:lumMod val="50000"/>
+                  </a:schemeClr>
+                </a:solidFill>
+              </a:rPr>
+              <a:t>ヘッダー</a:t>
+            </a:r>
+          </a:p>
+        </p:txBody>
+      </p:sp>
+      <p:sp>
+        <p:nvSpPr>
+          <p:cNvPr id="14" name="正方形/長方形 13"/>
+          <p:cNvSpPr/>
+          <p:nvPr/>
+        </p:nvSpPr>
+        <p:spPr>
+          <a:xfrm>
+            <a:off x="5254005" y="3932312"/>
+            <a:ext cx="1784980" cy="268743"/>
+          </a:xfrm>
+          <a:prstGeom prst="rect">
+            <a:avLst/>
+          </a:prstGeom>
+          <a:solidFill>
+            <a:schemeClr val="bg1">
+              <a:lumMod val="85000"/>
+            </a:schemeClr>
+          </a:solidFill>
+          <a:ln>
+            <a:solidFill>
+              <a:schemeClr val="bg1">
+                <a:lumMod val="50000"/>
+              </a:schemeClr>
+            </a:solidFill>
+          </a:ln>
+        </p:spPr>
+        <p:style>
+          <a:lnRef idx="2">
+            <a:schemeClr val="accent6"/>
+          </a:lnRef>
+          <a:fillRef idx="1">
+            <a:schemeClr val="lt1"/>
+          </a:fillRef>
+          <a:effectRef idx="0">
+            <a:schemeClr val="accent6"/>
+          </a:effectRef>
+          <a:fontRef idx="minor">
+            <a:schemeClr val="dk1"/>
+          </a:fontRef>
+        </p:style>
+        <p:txBody>
+          <a:bodyPr rot="0" spcFirstLastPara="0" vert="horz" wrap="square" lIns="91440" tIns="45720" rIns="91440" bIns="45720" numCol="1" spcCol="0" rtlCol="0" fromWordArt="0" anchor="ctr" anchorCtr="0" forceAA="0" compatLnSpc="1">
+            <a:prstTxWarp prst="textNoShape">
+              <a:avLst/>
+            </a:prstTxWarp>
+            <a:noAutofit/>
+          </a:bodyPr>
+          <a:lstStyle>
+            <a:lvl1pPr marL="0" indent="0">
+              <a:defRPr sz="1100">
+                <a:solidFill>
+                  <a:schemeClr val="dk1"/>
+                </a:solidFill>
+                <a:latin typeface="+mn-lt"/>
+                <a:ea typeface="+mn-ea"/>
+                <a:cs typeface="+mn-cs"/>
+              </a:defRPr>
+            </a:lvl1pPr>
+            <a:lvl2pPr marL="457200" indent="0">
+              <a:defRPr sz="1100">
+                <a:solidFill>
+                  <a:schemeClr val="dk1"/>
+                </a:solidFill>
+                <a:latin typeface="+mn-lt"/>
+                <a:ea typeface="+mn-ea"/>
+                <a:cs typeface="+mn-cs"/>
+              </a:defRPr>
+            </a:lvl2pPr>
+            <a:lvl3pPr marL="914400" indent="0">
+              <a:defRPr sz="1100">
+                <a:solidFill>
+                  <a:schemeClr val="dk1"/>
+                </a:solidFill>
+                <a:latin typeface="+mn-lt"/>
+                <a:ea typeface="+mn-ea"/>
+                <a:cs typeface="+mn-cs"/>
+              </a:defRPr>
+            </a:lvl3pPr>
+            <a:lvl4pPr marL="1371600" indent="0">
+              <a:defRPr sz="1100">
+                <a:solidFill>
+                  <a:schemeClr val="dk1"/>
+                </a:solidFill>
+                <a:latin typeface="+mn-lt"/>
+                <a:ea typeface="+mn-ea"/>
+                <a:cs typeface="+mn-cs"/>
+              </a:defRPr>
+            </a:lvl4pPr>
+            <a:lvl5pPr marL="1828800" indent="0">
+              <a:defRPr sz="1100">
+                <a:solidFill>
+                  <a:schemeClr val="dk1"/>
+                </a:solidFill>
+                <a:latin typeface="+mn-lt"/>
+                <a:ea typeface="+mn-ea"/>
+                <a:cs typeface="+mn-cs"/>
+              </a:defRPr>
+            </a:lvl5pPr>
+            <a:lvl6pPr marL="2286000" indent="0">
+              <a:defRPr sz="1100">
+                <a:solidFill>
+                  <a:schemeClr val="dk1"/>
+                </a:solidFill>
+                <a:latin typeface="+mn-lt"/>
+                <a:ea typeface="+mn-ea"/>
+                <a:cs typeface="+mn-cs"/>
+              </a:defRPr>
+            </a:lvl6pPr>
+            <a:lvl7pPr marL="2743200" indent="0">
+              <a:defRPr sz="1100">
+                <a:solidFill>
+                  <a:schemeClr val="dk1"/>
+                </a:solidFill>
+                <a:latin typeface="+mn-lt"/>
+                <a:ea typeface="+mn-ea"/>
+                <a:cs typeface="+mn-cs"/>
+              </a:defRPr>
+            </a:lvl7pPr>
+            <a:lvl8pPr marL="3200400" indent="0">
+              <a:defRPr sz="1100">
+                <a:solidFill>
+                  <a:schemeClr val="dk1"/>
+                </a:solidFill>
+                <a:latin typeface="+mn-lt"/>
+                <a:ea typeface="+mn-ea"/>
+                <a:cs typeface="+mn-cs"/>
+              </a:defRPr>
+            </a:lvl8pPr>
+            <a:lvl9pPr marL="3657600" indent="0">
+              <a:defRPr sz="1100">
+                <a:solidFill>
+                  <a:schemeClr val="dk1"/>
+                </a:solidFill>
+                <a:latin typeface="+mn-lt"/>
+                <a:ea typeface="+mn-ea"/>
+                <a:cs typeface="+mn-cs"/>
+              </a:defRPr>
+            </a:lvl9pPr>
+          </a:lstStyle>
+          <a:p>
+            <a:pPr algn="ctr"/>
+            <a:r>
+              <a:rPr kumimoji="1" lang="ja-JP" altLang="en-US" sz="1600">
+                <a:solidFill>
+                  <a:schemeClr val="bg1">
+                    <a:lumMod val="50000"/>
+                  </a:schemeClr>
+                </a:solidFill>
+              </a:rPr>
+              <a:t>ヘッダー</a:t>
+            </a:r>
+          </a:p>
+        </p:txBody>
+      </p:sp>
+      <p:sp>
+        <p:nvSpPr>
+          <p:cNvPr id="15" name="正方形/長方形 14"/>
+          <p:cNvSpPr/>
+          <p:nvPr/>
+        </p:nvSpPr>
+        <p:spPr>
+          <a:xfrm>
+            <a:off x="5177805" y="3027437"/>
+            <a:ext cx="1543050" cy="268743"/>
+          </a:xfrm>
+          <a:prstGeom prst="rect">
+            <a:avLst/>
+          </a:prstGeom>
+          <a:noFill/>
+          <a:ln>
+            <a:noFill/>
+          </a:ln>
+        </p:spPr>
+        <p:style>
+          <a:lnRef idx="2">
+            <a:schemeClr val="accent6"/>
+          </a:lnRef>
+          <a:fillRef idx="1">
+            <a:schemeClr val="lt1"/>
+          </a:fillRef>
+          <a:effectRef idx="0">
+            <a:schemeClr val="accent6"/>
+          </a:effectRef>
+          <a:fontRef idx="minor">
+            <a:schemeClr val="dk1"/>
+          </a:fontRef>
+        </p:style>
+        <p:txBody>
+          <a:bodyPr rot="0" spcFirstLastPara="0" vert="horz" wrap="square" lIns="91440" tIns="45720" rIns="91440" bIns="45720" numCol="1" spcCol="0" rtlCol="0" fromWordArt="0" anchor="ctr" anchorCtr="0" forceAA="0" compatLnSpc="1">
+            <a:prstTxWarp prst="textNoShape">
+              <a:avLst/>
+            </a:prstTxWarp>
+            <a:noAutofit/>
+          </a:bodyPr>
+          <a:lstStyle>
+            <a:lvl1pPr marL="0" indent="0">
+              <a:defRPr sz="1100">
+                <a:solidFill>
+                  <a:schemeClr val="dk1"/>
+                </a:solidFill>
+                <a:latin typeface="+mn-lt"/>
+                <a:ea typeface="+mn-ea"/>
+                <a:cs typeface="+mn-cs"/>
+              </a:defRPr>
+            </a:lvl1pPr>
+            <a:lvl2pPr marL="457200" indent="0">
+              <a:defRPr sz="1100">
+                <a:solidFill>
+                  <a:schemeClr val="dk1"/>
+                </a:solidFill>
+                <a:latin typeface="+mn-lt"/>
+                <a:ea typeface="+mn-ea"/>
+                <a:cs typeface="+mn-cs"/>
+              </a:defRPr>
+            </a:lvl2pPr>
+            <a:lvl3pPr marL="914400" indent="0">
+              <a:defRPr sz="1100">
+                <a:solidFill>
+                  <a:schemeClr val="dk1"/>
+                </a:solidFill>
+                <a:latin typeface="+mn-lt"/>
+                <a:ea typeface="+mn-ea"/>
+                <a:cs typeface="+mn-cs"/>
+              </a:defRPr>
+            </a:lvl3pPr>
+            <a:lvl4pPr marL="1371600" indent="0">
+              <a:defRPr sz="1100">
+                <a:solidFill>
+                  <a:schemeClr val="dk1"/>
+                </a:solidFill>
+                <a:latin typeface="+mn-lt"/>
+                <a:ea typeface="+mn-ea"/>
+                <a:cs typeface="+mn-cs"/>
+              </a:defRPr>
+            </a:lvl4pPr>
+            <a:lvl5pPr marL="1828800" indent="0">
+              <a:defRPr sz="1100">
+                <a:solidFill>
+                  <a:schemeClr val="dk1"/>
+                </a:solidFill>
+                <a:latin typeface="+mn-lt"/>
+                <a:ea typeface="+mn-ea"/>
+                <a:cs typeface="+mn-cs"/>
+              </a:defRPr>
+            </a:lvl5pPr>
+            <a:lvl6pPr marL="2286000" indent="0">
+              <a:defRPr sz="1100">
+                <a:solidFill>
+                  <a:schemeClr val="dk1"/>
+                </a:solidFill>
+                <a:latin typeface="+mn-lt"/>
+                <a:ea typeface="+mn-ea"/>
+                <a:cs typeface="+mn-cs"/>
+              </a:defRPr>
+            </a:lvl6pPr>
+            <a:lvl7pPr marL="2743200" indent="0">
+              <a:defRPr sz="1100">
+                <a:solidFill>
+                  <a:schemeClr val="dk1"/>
+                </a:solidFill>
+                <a:latin typeface="+mn-lt"/>
+                <a:ea typeface="+mn-ea"/>
+                <a:cs typeface="+mn-cs"/>
+              </a:defRPr>
+            </a:lvl7pPr>
+            <a:lvl8pPr marL="3200400" indent="0">
+              <a:defRPr sz="1100">
+                <a:solidFill>
+                  <a:schemeClr val="dk1"/>
+                </a:solidFill>
+                <a:latin typeface="+mn-lt"/>
+                <a:ea typeface="+mn-ea"/>
+                <a:cs typeface="+mn-cs"/>
+              </a:defRPr>
+            </a:lvl8pPr>
+            <a:lvl9pPr marL="3657600" indent="0">
+              <a:defRPr sz="1100">
+                <a:solidFill>
+                  <a:schemeClr val="dk1"/>
+                </a:solidFill>
+                <a:latin typeface="+mn-lt"/>
+                <a:ea typeface="+mn-ea"/>
+                <a:cs typeface="+mn-cs"/>
+              </a:defRPr>
+            </a:lvl9pPr>
+          </a:lstStyle>
+          <a:p>
+            <a:pPr algn="ctr"/>
+            <a:r>
+              <a:rPr kumimoji="1" lang="ja-JP" altLang="en-US" sz="1600">
+                <a:solidFill>
+                  <a:schemeClr val="bg1">
+                    <a:lumMod val="50000"/>
+                  </a:schemeClr>
+                </a:solidFill>
+              </a:rPr>
+              <a:t>コンテンツ</a:t>
+            </a:r>
+          </a:p>
+        </p:txBody>
+      </p:sp>
+    </p:spTree>
+    <p:extLst>
+      <p:ext uri="{BB962C8B-B14F-4D97-AF65-F5344CB8AC3E}">
+        <p14:creationId xmlns:p14="http://schemas.microsoft.com/office/powerpoint/2010/main" val="1713136686"/>
+      </p:ext>
+    </p:extLst>
+  </p:cSld>
+  <p:clrMapOvr>
+    <a:masterClrMapping/>
+  </p:clrMapOvr>
+  <p:timing>
+    <p:tnLst>
+      <p:par>
+        <p:cTn id="1" dur="indefinite" restart="never" nodeType="tmRoot"/>
+      </p:par>
+    </p:tnLst>
+  </p:timing>
+</p:sld>
+</file>
+
+<file path=ppt/slides/slide6.xml><?xml version="1.0" encoding="utf-8"?>
+<p:sld xmlns:a="http://schemas.openxmlformats.org/drawingml/2006/main" xmlns:r="http://schemas.openxmlformats.org/officeDocument/2006/relationships" xmlns:p="http://schemas.openxmlformats.org/presentationml/2006/main">
+  <p:cSld>
+    <p:spTree>
+      <p:nvGrpSpPr>
+        <p:cNvPr id="1" name=""/>
+        <p:cNvGrpSpPr/>
+        <p:nvPr/>
+      </p:nvGrpSpPr>
+      <p:grpSpPr>
+        <a:xfrm>
+          <a:off x="0" y="0"/>
+          <a:ext cx="0" cy="0"/>
+          <a:chOff x="0" y="0"/>
+          <a:chExt cx="0" cy="0"/>
+        </a:xfrm>
+      </p:grpSpPr>
+      <p:sp>
+        <p:nvSpPr>
+          <p:cNvPr id="3" name="コンテンツ プレースホルダー 2"/>
+          <p:cNvSpPr>
+            <a:spLocks noGrp="1"/>
+          </p:cNvSpPr>
+          <p:nvPr>
+            <p:ph idx="1"/>
+          </p:nvPr>
+        </p:nvSpPr>
+        <p:spPr>
+          <a:xfrm>
+            <a:off x="457200" y="764704"/>
+            <a:ext cx="8229600" cy="5040560"/>
+          </a:xfrm>
+          <a:prstGeom prst="rect">
+            <a:avLst/>
+          </a:prstGeom>
+        </p:spPr>
+        <p:txBody>
+          <a:bodyPr>
+            <a:normAutofit fontScale="92500" lnSpcReduction="20000"/>
+          </a:bodyPr>
+          <a:lstStyle/>
+          <a:p>
+            <a:pPr marL="0" indent="0">
+              <a:buNone/>
+            </a:pPr>
+            <a:r>
+              <a:rPr lang="ja-JP" altLang="en-US" sz="4000" dirty="0" smtClean="0">
+                <a:solidFill>
+                  <a:srgbClr val="32B490"/>
+                </a:solidFill>
+              </a:rPr>
+              <a:t>速度</a:t>
+            </a:r>
+            <a:endParaRPr lang="en-US" altLang="ja-JP" sz="2000" dirty="0" smtClean="0">
+              <a:solidFill>
+                <a:srgbClr val="32B490"/>
+              </a:solidFill>
+            </a:endParaRPr>
+          </a:p>
+          <a:p>
+            <a:pPr marL="0" indent="0" algn="ctr">
+              <a:buNone/>
+            </a:pPr>
+            <a:r>
+              <a:rPr lang="ja-JP" altLang="en-US" sz="4000" dirty="0" smtClean="0">
+                <a:solidFill>
+                  <a:srgbClr val="32B490"/>
+                </a:solidFill>
+              </a:rPr>
+              <a:t>今 </a:t>
+            </a:r>
+            <a:r>
+              <a:rPr lang="en-US" altLang="ja-JP" sz="4000" dirty="0" smtClean="0">
+                <a:solidFill>
+                  <a:srgbClr val="32B490"/>
+                </a:solidFill>
+              </a:rPr>
+              <a:t>&gt; </a:t>
+            </a:r>
+            <a:r>
+              <a:rPr lang="ja-JP" altLang="en-US" sz="4000" dirty="0" smtClean="0">
+                <a:solidFill>
+                  <a:srgbClr val="32B490"/>
+                </a:solidFill>
+              </a:rPr>
+              <a:t>昔 </a:t>
+            </a:r>
+            <a:r>
+              <a:rPr lang="en-US" altLang="ja-JP" sz="4000" dirty="0" smtClean="0">
+                <a:solidFill>
+                  <a:srgbClr val="32B490"/>
+                </a:solidFill>
+              </a:rPr>
+              <a:t>&gt; </a:t>
+            </a:r>
+            <a:r>
+              <a:rPr lang="ja-JP" altLang="en-US" sz="4000" dirty="0" smtClean="0">
+                <a:solidFill>
+                  <a:srgbClr val="32B490"/>
+                </a:solidFill>
+              </a:rPr>
+              <a:t>かなり昔</a:t>
+            </a:r>
+            <a:endParaRPr lang="en-US" altLang="ja-JP" sz="4000" dirty="0" smtClean="0">
+              <a:solidFill>
+                <a:srgbClr val="32B490"/>
+              </a:solidFill>
+            </a:endParaRPr>
+          </a:p>
+          <a:p>
+            <a:pPr marL="0" indent="0">
+              <a:buNone/>
+            </a:pPr>
+            <a:endParaRPr lang="en-US" altLang="ja-JP" sz="2000" dirty="0">
+              <a:solidFill>
+                <a:srgbClr val="32B490"/>
+              </a:solidFill>
+            </a:endParaRPr>
+          </a:p>
+          <a:p>
+            <a:pPr marL="0" indent="0">
+              <a:buNone/>
+            </a:pPr>
+            <a:r>
+              <a:rPr lang="ja-JP" altLang="en-US" sz="4000" dirty="0" smtClean="0">
+                <a:solidFill>
+                  <a:srgbClr val="32B490"/>
+                </a:solidFill>
+              </a:rPr>
+              <a:t>複雑さ</a:t>
+            </a:r>
+            <a:endParaRPr lang="en-US" altLang="ja-JP" sz="4000" dirty="0" smtClean="0">
+              <a:solidFill>
+                <a:srgbClr val="32B490"/>
+              </a:solidFill>
+            </a:endParaRPr>
+          </a:p>
+          <a:p>
+            <a:pPr marL="0" indent="0" algn="ctr">
+              <a:buNone/>
+            </a:pPr>
+            <a:r>
+              <a:rPr lang="ja-JP" altLang="en-US" sz="4000" dirty="0">
+                <a:solidFill>
+                  <a:srgbClr val="32B490"/>
+                </a:solidFill>
+              </a:rPr>
+              <a:t>今 </a:t>
+            </a:r>
+            <a:r>
+              <a:rPr lang="en-US" altLang="ja-JP" sz="4000" dirty="0">
+                <a:solidFill>
+                  <a:srgbClr val="32B490"/>
+                </a:solidFill>
+              </a:rPr>
+              <a:t>&gt; </a:t>
+            </a:r>
+            <a:r>
+              <a:rPr lang="ja-JP" altLang="en-US" sz="4000" dirty="0">
+                <a:solidFill>
+                  <a:srgbClr val="32B490"/>
+                </a:solidFill>
+              </a:rPr>
+              <a:t>昔 </a:t>
+            </a:r>
+            <a:r>
+              <a:rPr lang="en-US" altLang="ja-JP" sz="4000" dirty="0">
+                <a:solidFill>
+                  <a:srgbClr val="32B490"/>
+                </a:solidFill>
+              </a:rPr>
+              <a:t>&gt; </a:t>
+            </a:r>
+            <a:r>
+              <a:rPr lang="ja-JP" altLang="en-US" sz="4000" dirty="0">
+                <a:solidFill>
+                  <a:srgbClr val="32B490"/>
+                </a:solidFill>
+              </a:rPr>
+              <a:t>かなり</a:t>
+            </a:r>
+            <a:r>
+              <a:rPr lang="ja-JP" altLang="en-US" sz="4000" dirty="0" smtClean="0">
+                <a:solidFill>
+                  <a:srgbClr val="32B490"/>
+                </a:solidFill>
+              </a:rPr>
+              <a:t>昔</a:t>
+            </a:r>
+            <a:endParaRPr lang="en-US" altLang="ja-JP" sz="4000" dirty="0" smtClean="0">
+              <a:solidFill>
+                <a:srgbClr val="32B490"/>
+              </a:solidFill>
+            </a:endParaRPr>
+          </a:p>
+          <a:p>
+            <a:pPr marL="0" indent="0">
+              <a:buNone/>
+            </a:pPr>
+            <a:endParaRPr lang="en-US" altLang="ja-JP" sz="4000" dirty="0">
+              <a:solidFill>
+                <a:srgbClr val="32B490"/>
+              </a:solidFill>
+            </a:endParaRPr>
+          </a:p>
+          <a:p>
+            <a:pPr marL="0" indent="0">
+              <a:buNone/>
+            </a:pPr>
+            <a:r>
+              <a:rPr lang="ja-JP" altLang="en-US" sz="4000" dirty="0" smtClean="0">
+                <a:solidFill>
+                  <a:schemeClr val="accent6"/>
+                </a:solidFill>
+              </a:rPr>
+              <a:t>つまり、早いけど複雑</a:t>
+            </a:r>
+            <a:endParaRPr lang="en-US" altLang="ja-JP" sz="4000" dirty="0" smtClean="0">
+              <a:solidFill>
+                <a:schemeClr val="accent6"/>
+              </a:solidFill>
+            </a:endParaRPr>
+          </a:p>
+          <a:p>
+            <a:pPr marL="0" indent="0">
+              <a:buNone/>
+            </a:pPr>
+            <a:endParaRPr lang="en-US" altLang="ja-JP" sz="4000" dirty="0" smtClean="0">
+              <a:solidFill>
+                <a:schemeClr val="accent6"/>
+              </a:solidFill>
+            </a:endParaRPr>
+          </a:p>
+          <a:p>
+            <a:pPr marL="0" indent="0">
+              <a:buNone/>
+            </a:pPr>
+            <a:r>
+              <a:rPr lang="ja-JP" altLang="en-US" sz="4000" dirty="0" smtClean="0">
+                <a:solidFill>
+                  <a:schemeClr val="accent6"/>
+                </a:solidFill>
+              </a:rPr>
+              <a:t>早くて管理がしやすいのがいいよね</a:t>
+            </a:r>
+            <a:endParaRPr lang="en-US" altLang="ja-JP" sz="4000" dirty="0">
+              <a:solidFill>
+                <a:schemeClr val="accent6"/>
+              </a:solidFill>
+            </a:endParaRPr>
+          </a:p>
+          <a:p>
+            <a:pPr marL="0" indent="0">
+              <a:buNone/>
+            </a:pPr>
+            <a:endParaRPr lang="en-US" altLang="ja-JP" sz="4000" dirty="0" smtClean="0">
+              <a:solidFill>
+                <a:srgbClr val="32B490"/>
+              </a:solidFill>
+            </a:endParaRPr>
+          </a:p>
+        </p:txBody>
+      </p:sp>
+    </p:spTree>
+    <p:extLst>
+      <p:ext uri="{BB962C8B-B14F-4D97-AF65-F5344CB8AC3E}">
+        <p14:creationId xmlns:p14="http://schemas.microsoft.com/office/powerpoint/2010/main" val="2958816846"/>
+      </p:ext>
+    </p:extLst>
+  </p:cSld>
+  <p:clrMapOvr>
+    <a:masterClrMapping/>
+  </p:clrMapOvr>
+  <p:timing>
+    <p:tnLst>
+      <p:par>
+        <p:cTn id="1" dur="indefinite" restart="never" nodeType="tmRoot"/>
+      </p:par>
+    </p:tnLst>
+  </p:timing>
+</p:sld>
+</file>
+
+<file path=ppt/slides/slide7.xml><?xml version="1.0" encoding="utf-8"?>
+<p:sld xmlns:a="http://schemas.openxmlformats.org/drawingml/2006/main" xmlns:r="http://schemas.openxmlformats.org/officeDocument/2006/relationships" xmlns:p="http://schemas.openxmlformats.org/presentationml/2006/main">
+  <p:cSld>
+    <p:spTree>
+      <p:nvGrpSpPr>
+        <p:cNvPr id="1" name=""/>
+        <p:cNvGrpSpPr/>
+        <p:nvPr/>
+      </p:nvGrpSpPr>
+      <p:grpSpPr>
+        <a:xfrm>
+          <a:off x="0" y="0"/>
+          <a:ext cx="0" cy="0"/>
+          <a:chOff x="0" y="0"/>
+          <a:chExt cx="0" cy="0"/>
+        </a:xfrm>
+      </p:grpSpPr>
+      <p:sp>
+        <p:nvSpPr>
+          <p:cNvPr id="2" name="タイトル 1"/>
+          <p:cNvSpPr>
+            <a:spLocks noGrp="1"/>
+          </p:cNvSpPr>
+          <p:nvPr>
+            <p:ph type="title"/>
+          </p:nvPr>
+        </p:nvSpPr>
+        <p:spPr>
+          <a:xfrm>
+            <a:off x="457200" y="2857500"/>
+            <a:ext cx="8229600" cy="1143000"/>
+          </a:xfrm>
+        </p:spPr>
+        <p:txBody>
+          <a:bodyPr>
+            <a:normAutofit/>
+          </a:bodyPr>
+          <a:lstStyle/>
+          <a:p>
+            <a:r>
+              <a:rPr kumimoji="1" lang="en-US" altLang="ja-JP" sz="6000" dirty="0" smtClean="0"/>
+              <a:t>React </a:t>
+            </a:r>
+            <a:r>
+              <a:rPr kumimoji="1" lang="ja-JP" altLang="en-US" sz="6000" dirty="0" smtClean="0"/>
+              <a:t>とは？</a:t>
+            </a:r>
+            <a:endParaRPr kumimoji="1" lang="ja-JP" altLang="en-US" sz="6000" dirty="0"/>
+          </a:p>
+        </p:txBody>
+      </p:sp>
+    </p:spTree>
+    <p:extLst>
+      <p:ext uri="{BB962C8B-B14F-4D97-AF65-F5344CB8AC3E}">
+        <p14:creationId xmlns:p14="http://schemas.microsoft.com/office/powerpoint/2010/main" val="3532187578"/>
+      </p:ext>
+    </p:extLst>
+  </p:cSld>
+  <p:clrMapOvr>
+    <a:masterClrMapping/>
+  </p:clrMapOvr>
+  <p:timing>
+    <p:tnLst>
+      <p:par>
+        <p:cTn id="1" dur="indefinite" restart="never" nodeType="tmRoot"/>
+      </p:par>
+    </p:tnLst>
+  </p:timing>
+</p:sld>
+</file>
+
 <file path=ppt/slides/slide8.xml><?xml version="1.0" encoding="utf-8"?>
 <p:sld xmlns:a="http://schemas.openxmlformats.org/drawingml/2006/main" xmlns:r="http://schemas.openxmlformats.org/officeDocument/2006/relationships" xmlns:p="http://schemas.openxmlformats.org/presentationml/2006/main">
   <p:cSld>
@@ -11757,19 +18441,22 @@
       </p:grpSpPr>
       <p:sp>
         <p:nvSpPr>
-          <p:cNvPr id="2" name="タイトル 1"/>
-          <p:cNvSpPr>
-            <a:spLocks noGrp="1"/>
-          </p:cNvSpPr>
-          <p:nvPr>
-            <p:ph type="ctrTitle" idx="4294967295"/>
+          <p:cNvPr id="3" name="コンテンツ プレースホルダー 2"/>
+          <p:cNvSpPr>
+            <a:spLocks noGrp="1"/>
+          </p:cNvSpPr>
+          <p:nvPr>
+            <p:ph idx="4294967295"/>
           </p:nvPr>
         </p:nvSpPr>
         <p:spPr>
           <a:xfrm>
-            <a:off x="685800" y="2693988"/>
-            <a:ext cx="7772400" cy="1470025"/>
+            <a:off x="457200" y="764704"/>
+            <a:ext cx="8229600" cy="5040560"/>
           </a:xfrm>
+          <a:prstGeom prst="rect">
+            <a:avLst/>
+          </a:prstGeom>
         </p:spPr>
         <p:txBody>
           <a:bodyPr>
@@ -11777,18 +18464,129 @@
           </a:bodyPr>
           <a:lstStyle/>
           <a:p>
-            <a:r>
-              <a:rPr lang="en-US" altLang="ja-JP" sz="6000" cap="all" dirty="0"/>
-              <a:t>DATA FLOW</a:t>
-            </a:r>
-            <a:endParaRPr kumimoji="1" lang="ja-JP" altLang="en-US" sz="6000" dirty="0"/>
+            <a:pPr marL="0" indent="0">
+              <a:buNone/>
+            </a:pPr>
+            <a:r>
+              <a:rPr lang="en-US" altLang="ja-JP" sz="4000" dirty="0" smtClean="0">
+                <a:solidFill>
+                  <a:srgbClr val="32B490"/>
+                </a:solidFill>
+              </a:rPr>
+              <a:t>React</a:t>
+            </a:r>
+            <a:r>
+              <a:rPr lang="ja-JP" altLang="en-US" sz="4000" dirty="0" smtClean="0">
+                <a:solidFill>
+                  <a:srgbClr val="32B490"/>
+                </a:solidFill>
+              </a:rPr>
+              <a:t> の特徴</a:t>
+            </a:r>
+            <a:endParaRPr lang="en-US" altLang="ja-JP" sz="4000" dirty="0" smtClean="0">
+              <a:solidFill>
+                <a:srgbClr val="32B490"/>
+              </a:solidFill>
+            </a:endParaRPr>
+          </a:p>
+          <a:p>
+            <a:pPr marL="0" indent="0">
+              <a:buNone/>
+            </a:pPr>
+            <a:endParaRPr lang="en-US" altLang="ja-JP" sz="4000" dirty="0" smtClean="0">
+              <a:solidFill>
+                <a:srgbClr val="32B490"/>
+              </a:solidFill>
+            </a:endParaRPr>
+          </a:p>
+          <a:p>
+            <a:pPr marL="0" indent="0">
+              <a:buNone/>
+            </a:pPr>
+            <a:r>
+              <a:rPr lang="en-US" altLang="ja-JP" sz="4000" cap="all" dirty="0"/>
+              <a:t>JUST THE </a:t>
+            </a:r>
+            <a:r>
+              <a:rPr lang="en-US" altLang="ja-JP" sz="4000" cap="all" dirty="0" smtClean="0"/>
+              <a:t>UI</a:t>
+            </a:r>
+            <a:r>
+              <a:rPr lang="ja-JP" altLang="en-US" sz="4000" cap="all" dirty="0" smtClean="0"/>
+              <a:t>　</a:t>
+            </a:r>
+            <a:r>
+              <a:rPr lang="en-US" altLang="ja-JP" sz="2400" dirty="0" smtClean="0"/>
+              <a:t>View</a:t>
+            </a:r>
+            <a:r>
+              <a:rPr lang="ja-JP" altLang="en-US" sz="2400" dirty="0" smtClean="0"/>
+              <a:t>部分にだけ作用する</a:t>
+            </a:r>
+            <a:endParaRPr lang="en-US" altLang="ja-JP" sz="4000" dirty="0" smtClean="0"/>
+          </a:p>
+          <a:p>
+            <a:pPr marL="0" indent="0">
+              <a:buNone/>
+            </a:pPr>
+            <a:r>
+              <a:rPr lang="en-US" altLang="ja-JP" sz="4000" cap="all" dirty="0"/>
+              <a:t>VIRTUAL </a:t>
+            </a:r>
+            <a:r>
+              <a:rPr lang="en-US" altLang="ja-JP" sz="4000" cap="all" dirty="0" smtClean="0"/>
+              <a:t>DOM</a:t>
+            </a:r>
+            <a:r>
+              <a:rPr lang="ja-JP" altLang="en-US" sz="4000" cap="all" dirty="0" smtClean="0"/>
+              <a:t>　</a:t>
+            </a:r>
+            <a:r>
+              <a:rPr lang="ja-JP" altLang="en-US" sz="2400" dirty="0" smtClean="0"/>
+              <a:t>仮想</a:t>
+            </a:r>
+            <a:r>
+              <a:rPr lang="en-US" altLang="ja-JP" sz="2400" dirty="0" smtClean="0"/>
+              <a:t>DOM</a:t>
+            </a:r>
+            <a:r>
+              <a:rPr lang="ja-JP" altLang="en-US" sz="2400" dirty="0" smtClean="0"/>
+              <a:t>を提供</a:t>
+            </a:r>
+            <a:endParaRPr lang="en-US" altLang="ja-JP" sz="4000" dirty="0" smtClean="0"/>
+          </a:p>
+          <a:p>
+            <a:pPr marL="0" indent="0">
+              <a:buNone/>
+            </a:pPr>
+            <a:r>
+              <a:rPr lang="en-US" altLang="ja-JP" sz="4000" cap="all" dirty="0"/>
+              <a:t>DATA </a:t>
+            </a:r>
+            <a:r>
+              <a:rPr lang="en-US" altLang="ja-JP" sz="4000" cap="all" dirty="0" smtClean="0"/>
+              <a:t>FLOW</a:t>
+            </a:r>
+            <a:r>
+              <a:rPr lang="ja-JP" altLang="en-US" sz="4000" cap="all" dirty="0" smtClean="0"/>
+              <a:t>　</a:t>
+            </a:r>
+            <a:r>
+              <a:rPr lang="en-US" altLang="ja-JP" sz="2400" dirty="0" smtClean="0"/>
+              <a:t>Flux</a:t>
+            </a:r>
+            <a:r>
+              <a:rPr lang="ja-JP" altLang="en-US" sz="2400" dirty="0" smtClean="0"/>
+              <a:t>アーキテクチャを推奨</a:t>
+            </a:r>
+            <a:endParaRPr lang="ja-JP" altLang="en-US" sz="4000" dirty="0" smtClean="0"/>
           </a:p>
         </p:txBody>
       </p:sp>
     </p:spTree>
     <p:extLst>
       <p:ext uri="{BB962C8B-B14F-4D97-AF65-F5344CB8AC3E}">
-        <p14:creationId xmlns:p14="http://schemas.microsoft.com/office/powerpoint/2010/main" val="343718246"/>
+        <p14:creationId xmlns:p14="http://schemas.microsoft.com/office/powerpoint/2010/main" val="2395605294"/>
       </p:ext>
     </p:extLst>
   </p:cSld>
@@ -11824,22 +18622,19 @@
       </p:grpSpPr>
       <p:sp>
         <p:nvSpPr>
-          <p:cNvPr id="3" name="コンテンツ プレースホルダー 2"/>
-          <p:cNvSpPr>
-            <a:spLocks noGrp="1"/>
-          </p:cNvSpPr>
-          <p:nvPr>
-            <p:ph idx="4294967295"/>
+          <p:cNvPr id="2" name="タイトル 1"/>
+          <p:cNvSpPr>
+            <a:spLocks noGrp="1"/>
+          </p:cNvSpPr>
+          <p:nvPr>
+            <p:ph type="ctrTitle" idx="4294967295"/>
           </p:nvPr>
         </p:nvSpPr>
         <p:spPr>
           <a:xfrm>
-            <a:off x="457200" y="764704"/>
-            <a:ext cx="8229600" cy="5040560"/>
+            <a:off x="685800" y="2693988"/>
+            <a:ext cx="7772400" cy="1470025"/>
           </a:xfrm>
-          <a:prstGeom prst="rect">
-            <a:avLst/>
-          </a:prstGeom>
         </p:spPr>
         <p:txBody>
           <a:bodyPr>
@@ -11847,98 +18642,18 @@
           </a:bodyPr>
           <a:lstStyle/>
           <a:p>
-            <a:pPr marL="0" indent="0">
-              <a:buNone/>
-            </a:pPr>
-            <a:r>
-              <a:rPr lang="en-US" altLang="ja-JP" sz="4000" dirty="0">
-                <a:solidFill>
-                  <a:srgbClr val="32B490"/>
-                </a:solidFill>
-              </a:rPr>
-              <a:t>DATA FLOW</a:t>
-            </a:r>
-            <a:r>
-              <a:rPr lang="ja-JP" altLang="en-US" sz="4000" dirty="0">
-                <a:solidFill>
-                  <a:srgbClr val="32B490"/>
-                </a:solidFill>
-              </a:rPr>
-              <a:t>　</a:t>
-            </a:r>
-            <a:r>
-              <a:rPr lang="en-US" altLang="ja-JP" sz="2400" dirty="0">
-                <a:solidFill>
-                  <a:srgbClr val="32B490"/>
-                </a:solidFill>
-              </a:rPr>
-              <a:t>Flux</a:t>
-            </a:r>
-            <a:r>
-              <a:rPr lang="ja-JP" altLang="en-US" sz="2400" dirty="0">
-                <a:solidFill>
-                  <a:srgbClr val="32B490"/>
-                </a:solidFill>
-              </a:rPr>
-              <a:t>アーキテクチャを推奨</a:t>
-            </a:r>
-          </a:p>
-          <a:p>
-            <a:pPr marL="0" indent="0">
-              <a:buNone/>
-            </a:pPr>
-            <a:endParaRPr lang="ja-JP" altLang="en-US" sz="1800" dirty="0">
-              <a:solidFill>
-                <a:srgbClr val="32B490"/>
-              </a:solidFill>
-            </a:endParaRPr>
-          </a:p>
-          <a:p>
-            <a:pPr marL="0" indent="0">
-              <a:buNone/>
-            </a:pPr>
-            <a:r>
-              <a:rPr lang="ja-JP" altLang="en-US" sz="2800" cap="all" dirty="0" smtClean="0"/>
-              <a:t>　双方向バインディングの問題を改善する</a:t>
-            </a:r>
-            <a:endParaRPr lang="en-US" altLang="ja-JP" sz="2800" cap="all" dirty="0" smtClean="0"/>
-          </a:p>
-        </p:txBody>
-      </p:sp>
-      <p:pic>
-        <p:nvPicPr>
-          <p:cNvPr id="4" name="図 3"/>
-          <p:cNvPicPr>
-            <a:picLocks noChangeAspect="1"/>
-          </p:cNvPicPr>
-          <p:nvPr/>
-        </p:nvPicPr>
-        <p:blipFill>
-          <a:blip r:embed="rId2">
-            <a:extLst>
-              <a:ext uri="{28A0092B-C50C-407E-A947-70E740481C1C}">
-                <a14:useLocalDpi xmlns:a14="http://schemas.microsoft.com/office/drawing/2010/main" val="0"/>
-              </a:ext>
-            </a:extLst>
-          </a:blip>
-          <a:stretch>
-            <a:fillRect/>
-          </a:stretch>
-        </p:blipFill>
-        <p:spPr>
-          <a:xfrm>
-            <a:off x="899592" y="2420888"/>
-            <a:ext cx="6372200" cy="3470398"/>
-          </a:xfrm>
-          <a:prstGeom prst="rect">
-            <a:avLst/>
-          </a:prstGeom>
-        </p:spPr>
-      </p:pic>
+            <a:r>
+              <a:rPr lang="en-US" altLang="ja-JP" sz="6000" cap="all" dirty="0"/>
+              <a:t>JUST THE UI</a:t>
+            </a:r>
+            <a:endParaRPr kumimoji="1" lang="ja-JP" altLang="en-US" sz="6000" dirty="0"/>
+          </a:p>
+        </p:txBody>
+      </p:sp>
     </p:spTree>
     <p:extLst>
       <p:ext uri="{BB962C8B-B14F-4D97-AF65-F5344CB8AC3E}">
-        <p14:creationId xmlns:p14="http://schemas.microsoft.com/office/powerpoint/2010/main" val="733688145"/>
+        <p14:creationId xmlns:p14="http://schemas.microsoft.com/office/powerpoint/2010/main" val="3059117190"/>
       </p:ext>
     </p:extLst>
   </p:cSld>
